--- a/trunk/presentacion/Presentacion Garzon.pptx
+++ b/trunk/presentacion/Presentacion Garzon.pptx
@@ -5,10 +5,10 @@
     <p:sldMasterId id="2147483650" r:id="rId1"/>
   </p:sldMasterIdLst>
   <p:notesMasterIdLst>
-    <p:notesMasterId r:id="rId39"/>
+    <p:notesMasterId r:id="rId37"/>
   </p:notesMasterIdLst>
   <p:handoutMasterIdLst>
-    <p:handoutMasterId r:id="rId40"/>
+    <p:handoutMasterId r:id="rId38"/>
   </p:handoutMasterIdLst>
   <p:sldIdLst>
     <p:sldId id="745" r:id="rId2"/>
@@ -19,35 +19,33 @@
     <p:sldId id="773" r:id="rId7"/>
     <p:sldId id="770" r:id="rId8"/>
     <p:sldId id="796" r:id="rId9"/>
-    <p:sldId id="746" r:id="rId10"/>
-    <p:sldId id="776" r:id="rId11"/>
-    <p:sldId id="747" r:id="rId12"/>
-    <p:sldId id="802" r:id="rId13"/>
-    <p:sldId id="766" r:id="rId14"/>
-    <p:sldId id="777" r:id="rId15"/>
-    <p:sldId id="780" r:id="rId16"/>
-    <p:sldId id="778" r:id="rId17"/>
-    <p:sldId id="748" r:id="rId18"/>
-    <p:sldId id="763" r:id="rId19"/>
-    <p:sldId id="767" r:id="rId20"/>
-    <p:sldId id="779" r:id="rId21"/>
-    <p:sldId id="801" r:id="rId22"/>
-    <p:sldId id="799" r:id="rId23"/>
-    <p:sldId id="800" r:id="rId24"/>
-    <p:sldId id="768" r:id="rId25"/>
-    <p:sldId id="785" r:id="rId26"/>
-    <p:sldId id="791" r:id="rId27"/>
-    <p:sldId id="786" r:id="rId28"/>
-    <p:sldId id="788" r:id="rId29"/>
-    <p:sldId id="805" r:id="rId30"/>
-    <p:sldId id="803" r:id="rId31"/>
-    <p:sldId id="804" r:id="rId32"/>
-    <p:sldId id="787" r:id="rId33"/>
-    <p:sldId id="769" r:id="rId34"/>
-    <p:sldId id="792" r:id="rId35"/>
-    <p:sldId id="793" r:id="rId36"/>
-    <p:sldId id="762" r:id="rId37"/>
-    <p:sldId id="794" r:id="rId38"/>
+    <p:sldId id="776" r:id="rId10"/>
+    <p:sldId id="747" r:id="rId11"/>
+    <p:sldId id="802" r:id="rId12"/>
+    <p:sldId id="766" r:id="rId13"/>
+    <p:sldId id="777" r:id="rId14"/>
+    <p:sldId id="780" r:id="rId15"/>
+    <p:sldId id="778" r:id="rId16"/>
+    <p:sldId id="748" r:id="rId17"/>
+    <p:sldId id="763" r:id="rId18"/>
+    <p:sldId id="767" r:id="rId19"/>
+    <p:sldId id="779" r:id="rId20"/>
+    <p:sldId id="801" r:id="rId21"/>
+    <p:sldId id="799" r:id="rId22"/>
+    <p:sldId id="800" r:id="rId23"/>
+    <p:sldId id="768" r:id="rId24"/>
+    <p:sldId id="785" r:id="rId25"/>
+    <p:sldId id="791" r:id="rId26"/>
+    <p:sldId id="786" r:id="rId27"/>
+    <p:sldId id="788" r:id="rId28"/>
+    <p:sldId id="805" r:id="rId29"/>
+    <p:sldId id="803" r:id="rId30"/>
+    <p:sldId id="804" r:id="rId31"/>
+    <p:sldId id="787" r:id="rId32"/>
+    <p:sldId id="769" r:id="rId33"/>
+    <p:sldId id="792" r:id="rId34"/>
+    <p:sldId id="793" r:id="rId35"/>
+    <p:sldId id="794" r:id="rId36"/>
   </p:sldIdLst>
   <p:sldSz cx="9144000" cy="6858000" type="screen4x3"/>
   <p:notesSz cx="6797675" cy="9928225"/>
@@ -1050,9 +1048,9 @@
       </p:grpSpPr>
       <p:sp>
         <p:nvSpPr>
-          <p:cNvPr id="24578" name="Slide Image Placeholder 1"/>
+          <p:cNvPr id="25602" name="Rectangle 2"/>
           <p:cNvSpPr>
-            <a:spLocks noGrp="1" noRot="1" noChangeAspect="1" noTextEdit="1"/>
+            <a:spLocks noGrp="1" noRot="1" noChangeAspect="1" noChangeArrowheads="1" noTextEdit="1"/>
           </p:cNvSpPr>
           <p:nvPr>
             <p:ph type="sldImg"/>
@@ -1064,9 +1062,9 @@
       </p:sp>
       <p:sp>
         <p:nvSpPr>
-          <p:cNvPr id="24579" name="Notes Placeholder 2"/>
+          <p:cNvPr id="25603" name="Rectangle 3"/>
           <p:cNvSpPr>
-            <a:spLocks noGrp="1"/>
+            <a:spLocks noGrp="1" noChangeArrowheads="1"/>
           </p:cNvSpPr>
           <p:nvPr>
             <p:ph type="body" idx="1"/>
@@ -1080,7 +1078,8 @@
           <a:bodyPr/>
           <a:lstStyle/>
           <a:p>
-            <a:endParaRPr lang="pt-BR" dirty="0" smtClean="0">
+            <a:pPr eaLnBrk="1" hangingPunct="1"/>
+            <a:endParaRPr lang="en-US" dirty="0" smtClean="0">
               <a:latin typeface="Arial" charset="0"/>
             </a:endParaRPr>
           </a:p>
@@ -1142,9 +1141,9 @@
       </p:grpSpPr>
       <p:sp>
         <p:nvSpPr>
-          <p:cNvPr id="25602" name="Rectangle 2"/>
+          <p:cNvPr id="24578" name="Slide Image Placeholder 1"/>
           <p:cNvSpPr>
-            <a:spLocks noGrp="1" noRot="1" noChangeAspect="1" noChangeArrowheads="1" noTextEdit="1"/>
+            <a:spLocks noGrp="1" noRot="1" noChangeAspect="1" noTextEdit="1"/>
           </p:cNvSpPr>
           <p:nvPr>
             <p:ph type="sldImg"/>
@@ -1156,9 +1155,9 @@
       </p:sp>
       <p:sp>
         <p:nvSpPr>
-          <p:cNvPr id="25603" name="Rectangle 3"/>
+          <p:cNvPr id="24579" name="Notes Placeholder 2"/>
           <p:cNvSpPr>
-            <a:spLocks noGrp="1" noChangeArrowheads="1"/>
+            <a:spLocks noGrp="1"/>
           </p:cNvSpPr>
           <p:nvPr>
             <p:ph type="body" idx="1"/>
@@ -1172,8 +1171,7 @@
           <a:bodyPr/>
           <a:lstStyle/>
           <a:p>
-            <a:pPr eaLnBrk="1" hangingPunct="1"/>
-            <a:endParaRPr lang="en-US" dirty="0" smtClean="0">
+            <a:endParaRPr lang="pt-BR" dirty="0" smtClean="0">
               <a:latin typeface="Arial" charset="0"/>
             </a:endParaRPr>
           </a:p>
@@ -1235,37 +1233,92 @@
       </p:grpSpPr>
       <p:sp>
         <p:nvSpPr>
-          <p:cNvPr id="24578" name="Slide Image Placeholder 1"/>
+          <p:cNvPr id="71682" name="Rectangle 7"/>
+          <p:cNvSpPr txBox="1">
+            <a:spLocks noGrp="1" noChangeArrowheads="1"/>
+          </p:cNvSpPr>
+          <p:nvPr/>
+        </p:nvSpPr>
+        <p:spPr bwMode="auto">
+          <a:xfrm>
+            <a:off x="3851275" y="9434513"/>
+            <a:ext cx="2946400" cy="493712"/>
+          </a:xfrm>
+          <a:prstGeom prst="rect">
+            <a:avLst/>
+          </a:prstGeom>
+          <a:noFill/>
+          <a:ln w="9525">
+            <a:noFill/>
+            <a:miter lim="800000"/>
+            <a:headEnd/>
+            <a:tailEnd/>
+          </a:ln>
+        </p:spPr>
+        <p:txBody>
+          <a:bodyPr lIns="91619" tIns="45810" rIns="91619" bIns="45810" anchor="b"/>
+          <a:lstStyle/>
+          <a:p>
+            <a:pPr algn="r" defTabSz="915988" eaLnBrk="0" hangingPunct="0"/>
+            <a:fld id="{94647B36-47DE-4E76-8CC3-7FBD26EAAAAC}" type="slidenum">
+              <a:rPr lang="es-ES_tradnl" sz="1300">
+                <a:latin typeface="Times New Roman" pitchFamily="18" charset="0"/>
+              </a:rPr>
+              <a:pPr algn="r" defTabSz="915988" eaLnBrk="0" hangingPunct="0"/>
+              <a:t>12</a:t>
+            </a:fld>
+            <a:endParaRPr lang="es-ES_tradnl" sz="1300" dirty="0">
+              <a:latin typeface="Times New Roman" pitchFamily="18" charset="0"/>
+            </a:endParaRPr>
+          </a:p>
+        </p:txBody>
+      </p:sp>
+      <p:sp>
+        <p:nvSpPr>
+          <p:cNvPr id="71683" name="Rectangle 2"/>
           <p:cNvSpPr>
-            <a:spLocks noGrp="1" noRot="1" noChangeAspect="1" noTextEdit="1"/>
+            <a:spLocks noGrp="1" noRot="1" noChangeAspect="1" noChangeArrowheads="1" noTextEdit="1"/>
           </p:cNvSpPr>
           <p:nvPr>
             <p:ph type="sldImg"/>
           </p:nvPr>
         </p:nvSpPr>
         <p:spPr>
+          <a:xfrm>
+            <a:off x="917575" y="746125"/>
+            <a:ext cx="4959350" cy="3721100"/>
+          </a:xfrm>
           <a:ln/>
         </p:spPr>
       </p:sp>
       <p:sp>
         <p:nvSpPr>
-          <p:cNvPr id="24579" name="Notes Placeholder 2"/>
+          <p:cNvPr id="71684" name="Rectangle 3"/>
           <p:cNvSpPr>
-            <a:spLocks noGrp="1"/>
+            <a:spLocks noGrp="1" noChangeArrowheads="1"/>
           </p:cNvSpPr>
           <p:nvPr>
             <p:ph type="body" idx="1"/>
           </p:nvPr>
         </p:nvSpPr>
         <p:spPr>
+          <a:xfrm>
+            <a:off x="906463" y="4714875"/>
+            <a:ext cx="4984750" cy="4467225"/>
+          </a:xfrm>
           <a:noFill/>
           <a:ln/>
         </p:spPr>
         <p:txBody>
-          <a:bodyPr/>
+          <a:bodyPr lIns="93112" tIns="46556" rIns="93112" bIns="46556"/>
           <a:lstStyle/>
           <a:p>
-            <a:endParaRPr lang="pt-BR" dirty="0" smtClean="0">
+            <a:pPr>
+              <a:spcBef>
+                <a:spcPct val="0"/>
+              </a:spcBef>
+            </a:pPr>
+            <a:endParaRPr lang="es-ES_tradnl" sz="2300" dirty="0" smtClean="0">
               <a:latin typeface="Arial" charset="0"/>
             </a:endParaRPr>
           </a:p>
@@ -1273,7 +1326,7 @@
       </p:sp>
       <p:sp>
         <p:nvSpPr>
-          <p:cNvPr id="7" name="6 Marcador de número de diapositiva"/>
+          <p:cNvPr id="8" name="7 Marcador de número de diapositiva"/>
           <p:cNvSpPr>
             <a:spLocks noGrp="1"/>
           </p:cNvSpPr>
@@ -1327,49 +1380,7 @@
       </p:grpSpPr>
       <p:sp>
         <p:nvSpPr>
-          <p:cNvPr id="71682" name="Rectangle 7"/>
-          <p:cNvSpPr txBox="1">
-            <a:spLocks noGrp="1" noChangeArrowheads="1"/>
-          </p:cNvSpPr>
-          <p:nvPr/>
-        </p:nvSpPr>
-        <p:spPr bwMode="auto">
-          <a:xfrm>
-            <a:off x="3851275" y="9434513"/>
-            <a:ext cx="2946400" cy="493712"/>
-          </a:xfrm>
-          <a:prstGeom prst="rect">
-            <a:avLst/>
-          </a:prstGeom>
-          <a:noFill/>
-          <a:ln w="9525">
-            <a:noFill/>
-            <a:miter lim="800000"/>
-            <a:headEnd/>
-            <a:tailEnd/>
-          </a:ln>
-        </p:spPr>
-        <p:txBody>
-          <a:bodyPr lIns="91619" tIns="45810" rIns="91619" bIns="45810" anchor="b"/>
-          <a:lstStyle/>
-          <a:p>
-            <a:pPr algn="r" defTabSz="915988" eaLnBrk="0" hangingPunct="0"/>
-            <a:fld id="{94647B36-47DE-4E76-8CC3-7FBD26EAAAAC}" type="slidenum">
-              <a:rPr lang="es-ES_tradnl" sz="1300">
-                <a:latin typeface="Times New Roman" pitchFamily="18" charset="0"/>
-              </a:rPr>
-              <a:pPr algn="r" defTabSz="915988" eaLnBrk="0" hangingPunct="0"/>
-              <a:t>13</a:t>
-            </a:fld>
-            <a:endParaRPr lang="es-ES_tradnl" sz="1300" dirty="0">
-              <a:latin typeface="Times New Roman" pitchFamily="18" charset="0"/>
-            </a:endParaRPr>
-          </a:p>
-        </p:txBody>
-      </p:sp>
-      <p:sp>
-        <p:nvSpPr>
-          <p:cNvPr id="71683" name="Rectangle 2"/>
+          <p:cNvPr id="72706" name="Rectangle 2"/>
           <p:cNvSpPr>
             <a:spLocks noGrp="1" noRot="1" noChangeAspect="1" noChangeArrowheads="1" noTextEdit="1"/>
           </p:cNvSpPr>
@@ -1378,16 +1389,12 @@
           </p:nvPr>
         </p:nvSpPr>
         <p:spPr>
-          <a:xfrm>
-            <a:off x="917575" y="746125"/>
-            <a:ext cx="4959350" cy="3721100"/>
-          </a:xfrm>
           <a:ln/>
         </p:spPr>
       </p:sp>
       <p:sp>
         <p:nvSpPr>
-          <p:cNvPr id="71684" name="Rectangle 3"/>
+          <p:cNvPr id="72707" name="Rectangle 3"/>
           <p:cNvSpPr>
             <a:spLocks noGrp="1" noChangeArrowheads="1"/>
           </p:cNvSpPr>
@@ -1396,23 +1403,15 @@
           </p:nvPr>
         </p:nvSpPr>
         <p:spPr>
-          <a:xfrm>
-            <a:off x="906463" y="4714875"/>
-            <a:ext cx="4984750" cy="4467225"/>
-          </a:xfrm>
           <a:noFill/>
           <a:ln/>
         </p:spPr>
         <p:txBody>
-          <a:bodyPr lIns="93112" tIns="46556" rIns="93112" bIns="46556"/>
+          <a:bodyPr/>
           <a:lstStyle/>
           <a:p>
-            <a:pPr>
-              <a:spcBef>
-                <a:spcPct val="0"/>
-              </a:spcBef>
-            </a:pPr>
-            <a:endParaRPr lang="es-ES_tradnl" sz="2300" dirty="0" smtClean="0">
+            <a:pPr eaLnBrk="1" hangingPunct="1"/>
+            <a:endParaRPr lang="en-US" smtClean="0">
               <a:latin typeface="Arial" charset="0"/>
             </a:endParaRPr>
           </a:p>
@@ -1420,7 +1419,7 @@
       </p:sp>
       <p:sp>
         <p:nvSpPr>
-          <p:cNvPr id="8" name="7 Marcador de número de diapositiva"/>
+          <p:cNvPr id="7" name="6 Marcador de número de diapositiva"/>
           <p:cNvSpPr>
             <a:spLocks noGrp="1"/>
           </p:cNvSpPr>
@@ -1474,7 +1473,7 @@
       </p:grpSpPr>
       <p:sp>
         <p:nvSpPr>
-          <p:cNvPr id="72706" name="Rectangle 2"/>
+          <p:cNvPr id="26626" name="Rectangle 2"/>
           <p:cNvSpPr>
             <a:spLocks noGrp="1" noRot="1" noChangeAspect="1" noChangeArrowheads="1" noTextEdit="1"/>
           </p:cNvSpPr>
@@ -1488,7 +1487,7 @@
       </p:sp>
       <p:sp>
         <p:nvSpPr>
-          <p:cNvPr id="72707" name="Rectangle 3"/>
+          <p:cNvPr id="26627" name="Rectangle 3"/>
           <p:cNvSpPr>
             <a:spLocks noGrp="1" noChangeArrowheads="1"/>
           </p:cNvSpPr>
@@ -1505,7 +1504,7 @@
           <a:lstStyle/>
           <a:p>
             <a:pPr eaLnBrk="1" hangingPunct="1"/>
-            <a:endParaRPr lang="en-US" smtClean="0">
+            <a:endParaRPr lang="en-US" dirty="0" smtClean="0">
               <a:latin typeface="Arial" charset="0"/>
             </a:endParaRPr>
           </a:p>
@@ -1567,7 +1566,7 @@
       </p:grpSpPr>
       <p:sp>
         <p:nvSpPr>
-          <p:cNvPr id="26626" name="Rectangle 2"/>
+          <p:cNvPr id="72706" name="Rectangle 2"/>
           <p:cNvSpPr>
             <a:spLocks noGrp="1" noRot="1" noChangeAspect="1" noChangeArrowheads="1" noTextEdit="1"/>
           </p:cNvSpPr>
@@ -1581,7 +1580,7 @@
       </p:sp>
       <p:sp>
         <p:nvSpPr>
-          <p:cNvPr id="26627" name="Rectangle 3"/>
+          <p:cNvPr id="72707" name="Rectangle 3"/>
           <p:cNvSpPr>
             <a:spLocks noGrp="1" noChangeArrowheads="1"/>
           </p:cNvSpPr>
@@ -1598,7 +1597,7 @@
           <a:lstStyle/>
           <a:p>
             <a:pPr eaLnBrk="1" hangingPunct="1"/>
-            <a:endParaRPr lang="en-US" dirty="0" smtClean="0">
+            <a:endParaRPr lang="en-US" smtClean="0">
               <a:latin typeface="Arial" charset="0"/>
             </a:endParaRPr>
           </a:p>
@@ -1660,7 +1659,7 @@
       </p:grpSpPr>
       <p:sp>
         <p:nvSpPr>
-          <p:cNvPr id="72706" name="Rectangle 2"/>
+          <p:cNvPr id="26626" name="Rectangle 2"/>
           <p:cNvSpPr>
             <a:spLocks noGrp="1" noRot="1" noChangeAspect="1" noChangeArrowheads="1" noTextEdit="1"/>
           </p:cNvSpPr>
@@ -1674,7 +1673,7 @@
       </p:sp>
       <p:sp>
         <p:nvSpPr>
-          <p:cNvPr id="72707" name="Rectangle 3"/>
+          <p:cNvPr id="26627" name="Rectangle 3"/>
           <p:cNvSpPr>
             <a:spLocks noGrp="1" noChangeArrowheads="1"/>
           </p:cNvSpPr>
@@ -1691,7 +1690,7 @@
           <a:lstStyle/>
           <a:p>
             <a:pPr eaLnBrk="1" hangingPunct="1"/>
-            <a:endParaRPr lang="en-US" smtClean="0">
+            <a:endParaRPr lang="en-US" dirty="0" smtClean="0">
               <a:latin typeface="Arial" charset="0"/>
             </a:endParaRPr>
           </a:p>
@@ -1846,7 +1845,49 @@
       </p:grpSpPr>
       <p:sp>
         <p:nvSpPr>
-          <p:cNvPr id="26626" name="Rectangle 2"/>
+          <p:cNvPr id="75778" name="Rectangle 7"/>
+          <p:cNvSpPr txBox="1">
+            <a:spLocks noGrp="1" noChangeArrowheads="1"/>
+          </p:cNvSpPr>
+          <p:nvPr/>
+        </p:nvSpPr>
+        <p:spPr bwMode="auto">
+          <a:xfrm>
+            <a:off x="3851275" y="9434513"/>
+            <a:ext cx="2946400" cy="493712"/>
+          </a:xfrm>
+          <a:prstGeom prst="rect">
+            <a:avLst/>
+          </a:prstGeom>
+          <a:noFill/>
+          <a:ln w="9525">
+            <a:noFill/>
+            <a:miter lim="800000"/>
+            <a:headEnd/>
+            <a:tailEnd/>
+          </a:ln>
+        </p:spPr>
+        <p:txBody>
+          <a:bodyPr lIns="91619" tIns="45810" rIns="91619" bIns="45810" anchor="b"/>
+          <a:lstStyle/>
+          <a:p>
+            <a:pPr algn="r" defTabSz="915988" eaLnBrk="0" hangingPunct="0"/>
+            <a:fld id="{61347EFA-27F9-4C56-8EDB-3B57EB82C5D6}" type="slidenum">
+              <a:rPr lang="es-ES_tradnl" sz="1300">
+                <a:latin typeface="Times New Roman" pitchFamily="18" charset="0"/>
+              </a:rPr>
+              <a:pPr algn="r" defTabSz="915988" eaLnBrk="0" hangingPunct="0"/>
+              <a:t>18</a:t>
+            </a:fld>
+            <a:endParaRPr lang="es-ES_tradnl" sz="1300">
+              <a:latin typeface="Times New Roman" pitchFamily="18" charset="0"/>
+            </a:endParaRPr>
+          </a:p>
+        </p:txBody>
+      </p:sp>
+      <p:sp>
+        <p:nvSpPr>
+          <p:cNvPr id="75779" name="Rectangle 2"/>
           <p:cNvSpPr>
             <a:spLocks noGrp="1" noRot="1" noChangeAspect="1" noChangeArrowheads="1" noTextEdit="1"/>
           </p:cNvSpPr>
@@ -1855,12 +1896,16 @@
           </p:nvPr>
         </p:nvSpPr>
         <p:spPr>
+          <a:xfrm>
+            <a:off x="917575" y="746125"/>
+            <a:ext cx="4959350" cy="3721100"/>
+          </a:xfrm>
           <a:ln/>
         </p:spPr>
       </p:sp>
       <p:sp>
         <p:nvSpPr>
-          <p:cNvPr id="26627" name="Rectangle 3"/>
+          <p:cNvPr id="75780" name="Rectangle 3"/>
           <p:cNvSpPr>
             <a:spLocks noGrp="1" noChangeArrowheads="1"/>
           </p:cNvSpPr>
@@ -1869,15 +1914,23 @@
           </p:nvPr>
         </p:nvSpPr>
         <p:spPr>
+          <a:xfrm>
+            <a:off x="906463" y="4714875"/>
+            <a:ext cx="4984750" cy="4467225"/>
+          </a:xfrm>
           <a:noFill/>
           <a:ln/>
         </p:spPr>
         <p:txBody>
-          <a:bodyPr/>
+          <a:bodyPr lIns="93112" tIns="46556" rIns="93112" bIns="46556"/>
           <a:lstStyle/>
           <a:p>
-            <a:pPr eaLnBrk="1" hangingPunct="1"/>
-            <a:endParaRPr lang="en-US" dirty="0" smtClean="0">
+            <a:pPr>
+              <a:spcBef>
+                <a:spcPct val="0"/>
+              </a:spcBef>
+            </a:pPr>
+            <a:endParaRPr lang="es-ES_tradnl" sz="2300" smtClean="0">
               <a:latin typeface="Arial" charset="0"/>
             </a:endParaRPr>
           </a:p>
@@ -1885,7 +1938,7 @@
       </p:sp>
       <p:sp>
         <p:nvSpPr>
-          <p:cNvPr id="7" name="6 Marcador de número de diapositiva"/>
+          <p:cNvPr id="8" name="7 Marcador de número de diapositiva"/>
           <p:cNvSpPr>
             <a:spLocks noGrp="1"/>
           </p:cNvSpPr>
@@ -1939,49 +1992,7 @@
       </p:grpSpPr>
       <p:sp>
         <p:nvSpPr>
-          <p:cNvPr id="75778" name="Rectangle 7"/>
-          <p:cNvSpPr txBox="1">
-            <a:spLocks noGrp="1" noChangeArrowheads="1"/>
-          </p:cNvSpPr>
-          <p:nvPr/>
-        </p:nvSpPr>
-        <p:spPr bwMode="auto">
-          <a:xfrm>
-            <a:off x="3851275" y="9434513"/>
-            <a:ext cx="2946400" cy="493712"/>
-          </a:xfrm>
-          <a:prstGeom prst="rect">
-            <a:avLst/>
-          </a:prstGeom>
-          <a:noFill/>
-          <a:ln w="9525">
-            <a:noFill/>
-            <a:miter lim="800000"/>
-            <a:headEnd/>
-            <a:tailEnd/>
-          </a:ln>
-        </p:spPr>
-        <p:txBody>
-          <a:bodyPr lIns="91619" tIns="45810" rIns="91619" bIns="45810" anchor="b"/>
-          <a:lstStyle/>
-          <a:p>
-            <a:pPr algn="r" defTabSz="915988" eaLnBrk="0" hangingPunct="0"/>
-            <a:fld id="{61347EFA-27F9-4C56-8EDB-3B57EB82C5D6}" type="slidenum">
-              <a:rPr lang="es-ES_tradnl" sz="1300">
-                <a:latin typeface="Times New Roman" pitchFamily="18" charset="0"/>
-              </a:rPr>
-              <a:pPr algn="r" defTabSz="915988" eaLnBrk="0" hangingPunct="0"/>
-              <a:t>19</a:t>
-            </a:fld>
-            <a:endParaRPr lang="es-ES_tradnl" sz="1300">
-              <a:latin typeface="Times New Roman" pitchFamily="18" charset="0"/>
-            </a:endParaRPr>
-          </a:p>
-        </p:txBody>
-      </p:sp>
-      <p:sp>
-        <p:nvSpPr>
-          <p:cNvPr id="75779" name="Rectangle 2"/>
+          <p:cNvPr id="26626" name="Rectangle 2"/>
           <p:cNvSpPr>
             <a:spLocks noGrp="1" noRot="1" noChangeAspect="1" noChangeArrowheads="1" noTextEdit="1"/>
           </p:cNvSpPr>
@@ -1990,16 +2001,12 @@
           </p:nvPr>
         </p:nvSpPr>
         <p:spPr>
-          <a:xfrm>
-            <a:off x="917575" y="746125"/>
-            <a:ext cx="4959350" cy="3721100"/>
-          </a:xfrm>
           <a:ln/>
         </p:spPr>
       </p:sp>
       <p:sp>
         <p:nvSpPr>
-          <p:cNvPr id="75780" name="Rectangle 3"/>
+          <p:cNvPr id="26627" name="Rectangle 3"/>
           <p:cNvSpPr>
             <a:spLocks noGrp="1" noChangeArrowheads="1"/>
           </p:cNvSpPr>
@@ -2008,23 +2015,15 @@
           </p:nvPr>
         </p:nvSpPr>
         <p:spPr>
-          <a:xfrm>
-            <a:off x="906463" y="4714875"/>
-            <a:ext cx="4984750" cy="4467225"/>
-          </a:xfrm>
           <a:noFill/>
           <a:ln/>
         </p:spPr>
         <p:txBody>
-          <a:bodyPr lIns="93112" tIns="46556" rIns="93112" bIns="46556"/>
+          <a:bodyPr/>
           <a:lstStyle/>
           <a:p>
-            <a:pPr>
-              <a:spcBef>
-                <a:spcPct val="0"/>
-              </a:spcBef>
-            </a:pPr>
-            <a:endParaRPr lang="es-ES_tradnl" sz="2300" smtClean="0">
+            <a:pPr eaLnBrk="1" hangingPunct="1"/>
+            <a:endParaRPr lang="en-US" dirty="0" smtClean="0">
               <a:latin typeface="Arial" charset="0"/>
             </a:endParaRPr>
           </a:p>
@@ -2032,7 +2031,7 @@
       </p:sp>
       <p:sp>
         <p:nvSpPr>
-          <p:cNvPr id="8" name="7 Marcador de número de diapositiva"/>
+          <p:cNvPr id="7" name="6 Marcador de número de diapositiva"/>
           <p:cNvSpPr>
             <a:spLocks noGrp="1"/>
           </p:cNvSpPr>
@@ -2178,7 +2177,7 @@
       </p:grpSpPr>
       <p:sp>
         <p:nvSpPr>
-          <p:cNvPr id="26626" name="Rectangle 2"/>
+          <p:cNvPr id="72706" name="Rectangle 2"/>
           <p:cNvSpPr>
             <a:spLocks noGrp="1" noRot="1" noChangeAspect="1" noChangeArrowheads="1" noTextEdit="1"/>
           </p:cNvSpPr>
@@ -2192,7 +2191,7 @@
       </p:sp>
       <p:sp>
         <p:nvSpPr>
-          <p:cNvPr id="26627" name="Rectangle 3"/>
+          <p:cNvPr id="72707" name="Rectangle 3"/>
           <p:cNvSpPr>
             <a:spLocks noGrp="1" noChangeArrowheads="1"/>
           </p:cNvSpPr>
@@ -2209,7 +2208,7 @@
           <a:lstStyle/>
           <a:p>
             <a:pPr eaLnBrk="1" hangingPunct="1"/>
-            <a:endParaRPr lang="en-US" dirty="0" smtClean="0">
+            <a:endParaRPr lang="en-US" smtClean="0">
               <a:latin typeface="Arial" charset="0"/>
             </a:endParaRPr>
           </a:p>
@@ -2457,7 +2456,49 @@
       </p:grpSpPr>
       <p:sp>
         <p:nvSpPr>
-          <p:cNvPr id="72706" name="Rectangle 2"/>
+          <p:cNvPr id="97282" name="Rectangle 7"/>
+          <p:cNvSpPr txBox="1">
+            <a:spLocks noGrp="1" noChangeArrowheads="1"/>
+          </p:cNvSpPr>
+          <p:nvPr/>
+        </p:nvSpPr>
+        <p:spPr bwMode="auto">
+          <a:xfrm>
+            <a:off x="3851275" y="9434513"/>
+            <a:ext cx="2946400" cy="493712"/>
+          </a:xfrm>
+          <a:prstGeom prst="rect">
+            <a:avLst/>
+          </a:prstGeom>
+          <a:noFill/>
+          <a:ln w="9525">
+            <a:noFill/>
+            <a:miter lim="800000"/>
+            <a:headEnd/>
+            <a:tailEnd/>
+          </a:ln>
+        </p:spPr>
+        <p:txBody>
+          <a:bodyPr lIns="91619" tIns="45810" rIns="91619" bIns="45810" anchor="b"/>
+          <a:lstStyle/>
+          <a:p>
+            <a:pPr algn="r" defTabSz="915988" eaLnBrk="0" hangingPunct="0"/>
+            <a:fld id="{B1AC5252-29EC-4D4A-AFCA-4AF830176FF0}" type="slidenum">
+              <a:rPr lang="es-ES_tradnl" sz="1300">
+                <a:latin typeface="Times New Roman" pitchFamily="18" charset="0"/>
+              </a:rPr>
+              <a:pPr algn="r" defTabSz="915988" eaLnBrk="0" hangingPunct="0"/>
+              <a:t>23</a:t>
+            </a:fld>
+            <a:endParaRPr lang="es-ES_tradnl" sz="1300">
+              <a:latin typeface="Times New Roman" pitchFamily="18" charset="0"/>
+            </a:endParaRPr>
+          </a:p>
+        </p:txBody>
+      </p:sp>
+      <p:sp>
+        <p:nvSpPr>
+          <p:cNvPr id="97283" name="Rectangle 2"/>
           <p:cNvSpPr>
             <a:spLocks noGrp="1" noRot="1" noChangeAspect="1" noChangeArrowheads="1" noTextEdit="1"/>
           </p:cNvSpPr>
@@ -2466,12 +2507,16 @@
           </p:nvPr>
         </p:nvSpPr>
         <p:spPr>
+          <a:xfrm>
+            <a:off x="917575" y="746125"/>
+            <a:ext cx="4959350" cy="3721100"/>
+          </a:xfrm>
           <a:ln/>
         </p:spPr>
       </p:sp>
       <p:sp>
         <p:nvSpPr>
-          <p:cNvPr id="72707" name="Rectangle 3"/>
+          <p:cNvPr id="97284" name="Rectangle 3"/>
           <p:cNvSpPr>
             <a:spLocks noGrp="1" noChangeArrowheads="1"/>
           </p:cNvSpPr>
@@ -2480,15 +2525,23 @@
           </p:nvPr>
         </p:nvSpPr>
         <p:spPr>
+          <a:xfrm>
+            <a:off x="906463" y="4714875"/>
+            <a:ext cx="4984750" cy="4467225"/>
+          </a:xfrm>
           <a:noFill/>
           <a:ln/>
         </p:spPr>
         <p:txBody>
-          <a:bodyPr/>
+          <a:bodyPr lIns="93112" tIns="46556" rIns="93112" bIns="46556"/>
           <a:lstStyle/>
           <a:p>
-            <a:pPr eaLnBrk="1" hangingPunct="1"/>
-            <a:endParaRPr lang="en-US" smtClean="0">
+            <a:pPr>
+              <a:spcBef>
+                <a:spcPct val="0"/>
+              </a:spcBef>
+            </a:pPr>
+            <a:endParaRPr lang="es-ES_tradnl" sz="2300" smtClean="0">
               <a:latin typeface="Arial" charset="0"/>
             </a:endParaRPr>
           </a:p>
@@ -2496,7 +2549,7 @@
       </p:sp>
       <p:sp>
         <p:nvSpPr>
-          <p:cNvPr id="7" name="6 Marcador de número de diapositiva"/>
+          <p:cNvPr id="8" name="7 Marcador de número de diapositiva"/>
           <p:cNvSpPr>
             <a:spLocks noGrp="1"/>
           </p:cNvSpPr>
@@ -2550,49 +2603,7 @@
       </p:grpSpPr>
       <p:sp>
         <p:nvSpPr>
-          <p:cNvPr id="97282" name="Rectangle 7"/>
-          <p:cNvSpPr txBox="1">
-            <a:spLocks noGrp="1" noChangeArrowheads="1"/>
-          </p:cNvSpPr>
-          <p:nvPr/>
-        </p:nvSpPr>
-        <p:spPr bwMode="auto">
-          <a:xfrm>
-            <a:off x="3851275" y="9434513"/>
-            <a:ext cx="2946400" cy="493712"/>
-          </a:xfrm>
-          <a:prstGeom prst="rect">
-            <a:avLst/>
-          </a:prstGeom>
-          <a:noFill/>
-          <a:ln w="9525">
-            <a:noFill/>
-            <a:miter lim="800000"/>
-            <a:headEnd/>
-            <a:tailEnd/>
-          </a:ln>
-        </p:spPr>
-        <p:txBody>
-          <a:bodyPr lIns="91619" tIns="45810" rIns="91619" bIns="45810" anchor="b"/>
-          <a:lstStyle/>
-          <a:p>
-            <a:pPr algn="r" defTabSz="915988" eaLnBrk="0" hangingPunct="0"/>
-            <a:fld id="{B1AC5252-29EC-4D4A-AFCA-4AF830176FF0}" type="slidenum">
-              <a:rPr lang="es-ES_tradnl" sz="1300">
-                <a:latin typeface="Times New Roman" pitchFamily="18" charset="0"/>
-              </a:rPr>
-              <a:pPr algn="r" defTabSz="915988" eaLnBrk="0" hangingPunct="0"/>
-              <a:t>24</a:t>
-            </a:fld>
-            <a:endParaRPr lang="es-ES_tradnl" sz="1300">
-              <a:latin typeface="Times New Roman" pitchFamily="18" charset="0"/>
-            </a:endParaRPr>
-          </a:p>
-        </p:txBody>
-      </p:sp>
-      <p:sp>
-        <p:nvSpPr>
-          <p:cNvPr id="97283" name="Rectangle 2"/>
+          <p:cNvPr id="98306" name="Rectangle 2"/>
           <p:cNvSpPr>
             <a:spLocks noGrp="1" noRot="1" noChangeAspect="1" noChangeArrowheads="1" noTextEdit="1"/>
           </p:cNvSpPr>
@@ -2601,16 +2612,12 @@
           </p:nvPr>
         </p:nvSpPr>
         <p:spPr>
-          <a:xfrm>
-            <a:off x="917575" y="746125"/>
-            <a:ext cx="4959350" cy="3721100"/>
-          </a:xfrm>
           <a:ln/>
         </p:spPr>
       </p:sp>
       <p:sp>
         <p:nvSpPr>
-          <p:cNvPr id="97284" name="Rectangle 3"/>
+          <p:cNvPr id="98307" name="Rectangle 3"/>
           <p:cNvSpPr>
             <a:spLocks noGrp="1" noChangeArrowheads="1"/>
           </p:cNvSpPr>
@@ -2619,23 +2626,15 @@
           </p:nvPr>
         </p:nvSpPr>
         <p:spPr>
-          <a:xfrm>
-            <a:off x="906463" y="4714875"/>
-            <a:ext cx="4984750" cy="4467225"/>
-          </a:xfrm>
           <a:noFill/>
           <a:ln/>
         </p:spPr>
         <p:txBody>
-          <a:bodyPr lIns="93112" tIns="46556" rIns="93112" bIns="46556"/>
+          <a:bodyPr/>
           <a:lstStyle/>
           <a:p>
-            <a:pPr>
-              <a:spcBef>
-                <a:spcPct val="0"/>
-              </a:spcBef>
-            </a:pPr>
-            <a:endParaRPr lang="es-ES_tradnl" sz="2300" smtClean="0">
+            <a:pPr eaLnBrk="1" hangingPunct="1"/>
+            <a:endParaRPr lang="en-US" smtClean="0">
               <a:latin typeface="Arial" charset="0"/>
             </a:endParaRPr>
           </a:p>
@@ -2643,7 +2642,7 @@
       </p:sp>
       <p:sp>
         <p:nvSpPr>
-          <p:cNvPr id="8" name="7 Marcador de número de diapositiva"/>
+          <p:cNvPr id="7" name="6 Marcador de número de diapositiva"/>
           <p:cNvSpPr>
             <a:spLocks noGrp="1"/>
           </p:cNvSpPr>
@@ -2790,7 +2789,7 @@
       </p:grpSpPr>
       <p:sp>
         <p:nvSpPr>
-          <p:cNvPr id="98306" name="Rectangle 2"/>
+          <p:cNvPr id="99330" name="Rectangle 2"/>
           <p:cNvSpPr>
             <a:spLocks noGrp="1" noRot="1" noChangeAspect="1" noChangeArrowheads="1" noTextEdit="1"/>
           </p:cNvSpPr>
@@ -2804,7 +2803,7 @@
       </p:sp>
       <p:sp>
         <p:nvSpPr>
-          <p:cNvPr id="98307" name="Rectangle 3"/>
+          <p:cNvPr id="99331" name="Rectangle 3"/>
           <p:cNvSpPr>
             <a:spLocks noGrp="1" noChangeArrowheads="1"/>
           </p:cNvSpPr>
@@ -2883,7 +2882,7 @@
       </p:grpSpPr>
       <p:sp>
         <p:nvSpPr>
-          <p:cNvPr id="99330" name="Rectangle 2"/>
+          <p:cNvPr id="101378" name="Rectangle 2"/>
           <p:cNvSpPr>
             <a:spLocks noGrp="1" noRot="1" noChangeAspect="1" noChangeArrowheads="1" noTextEdit="1"/>
           </p:cNvSpPr>
@@ -2897,7 +2896,7 @@
       </p:sp>
       <p:sp>
         <p:nvSpPr>
-          <p:cNvPr id="99331" name="Rectangle 3"/>
+          <p:cNvPr id="101379" name="Rectangle 3"/>
           <p:cNvSpPr>
             <a:spLocks noGrp="1" noChangeArrowheads="1"/>
           </p:cNvSpPr>
@@ -3402,7 +3401,7 @@
       </p:grpSpPr>
       <p:sp>
         <p:nvSpPr>
-          <p:cNvPr id="101378" name="Rectangle 2"/>
+          <p:cNvPr id="100354" name="Rectangle 2"/>
           <p:cNvSpPr>
             <a:spLocks noGrp="1" noRot="1" noChangeAspect="1" noChangeArrowheads="1" noTextEdit="1"/>
           </p:cNvSpPr>
@@ -3416,7 +3415,7 @@
       </p:sp>
       <p:sp>
         <p:nvSpPr>
-          <p:cNvPr id="101379" name="Rectangle 3"/>
+          <p:cNvPr id="100355" name="Rectangle 3"/>
           <p:cNvSpPr>
             <a:spLocks noGrp="1" noChangeArrowheads="1"/>
           </p:cNvSpPr>
@@ -3495,7 +3494,49 @@
       </p:grpSpPr>
       <p:sp>
         <p:nvSpPr>
-          <p:cNvPr id="100354" name="Rectangle 2"/>
+          <p:cNvPr id="105474" name="Rectangle 7"/>
+          <p:cNvSpPr txBox="1">
+            <a:spLocks noGrp="1" noChangeArrowheads="1"/>
+          </p:cNvSpPr>
+          <p:nvPr/>
+        </p:nvSpPr>
+        <p:spPr bwMode="auto">
+          <a:xfrm>
+            <a:off x="3851275" y="9434513"/>
+            <a:ext cx="2946400" cy="493712"/>
+          </a:xfrm>
+          <a:prstGeom prst="rect">
+            <a:avLst/>
+          </a:prstGeom>
+          <a:noFill/>
+          <a:ln w="9525">
+            <a:noFill/>
+            <a:miter lim="800000"/>
+            <a:headEnd/>
+            <a:tailEnd/>
+          </a:ln>
+        </p:spPr>
+        <p:txBody>
+          <a:bodyPr lIns="91619" tIns="45810" rIns="91619" bIns="45810" anchor="b"/>
+          <a:lstStyle/>
+          <a:p>
+            <a:pPr algn="r" defTabSz="915988" eaLnBrk="0" hangingPunct="0"/>
+            <a:fld id="{9A90F2C1-23EB-4E7E-928D-7071F26F155F}" type="slidenum">
+              <a:rPr lang="es-ES_tradnl" sz="1300">
+                <a:latin typeface="Times New Roman" pitchFamily="18" charset="0"/>
+              </a:rPr>
+              <a:pPr algn="r" defTabSz="915988" eaLnBrk="0" hangingPunct="0"/>
+              <a:t>32</a:t>
+            </a:fld>
+            <a:endParaRPr lang="es-ES_tradnl" sz="1300">
+              <a:latin typeface="Times New Roman" pitchFamily="18" charset="0"/>
+            </a:endParaRPr>
+          </a:p>
+        </p:txBody>
+      </p:sp>
+      <p:sp>
+        <p:nvSpPr>
+          <p:cNvPr id="105475" name="Rectangle 2"/>
           <p:cNvSpPr>
             <a:spLocks noGrp="1" noRot="1" noChangeAspect="1" noChangeArrowheads="1" noTextEdit="1"/>
           </p:cNvSpPr>
@@ -3504,12 +3545,16 @@
           </p:nvPr>
         </p:nvSpPr>
         <p:spPr>
+          <a:xfrm>
+            <a:off x="917575" y="746125"/>
+            <a:ext cx="4959350" cy="3721100"/>
+          </a:xfrm>
           <a:ln/>
         </p:spPr>
       </p:sp>
       <p:sp>
         <p:nvSpPr>
-          <p:cNvPr id="100355" name="Rectangle 3"/>
+          <p:cNvPr id="105476" name="Rectangle 3"/>
           <p:cNvSpPr>
             <a:spLocks noGrp="1" noChangeArrowheads="1"/>
           </p:cNvSpPr>
@@ -3518,15 +3563,23 @@
           </p:nvPr>
         </p:nvSpPr>
         <p:spPr>
+          <a:xfrm>
+            <a:off x="906463" y="4714875"/>
+            <a:ext cx="4984750" cy="4467225"/>
+          </a:xfrm>
           <a:noFill/>
           <a:ln/>
         </p:spPr>
         <p:txBody>
-          <a:bodyPr/>
+          <a:bodyPr lIns="93112" tIns="46556" rIns="93112" bIns="46556"/>
           <a:lstStyle/>
           <a:p>
-            <a:pPr eaLnBrk="1" hangingPunct="1"/>
-            <a:endParaRPr lang="en-US" smtClean="0">
+            <a:pPr>
+              <a:spcBef>
+                <a:spcPct val="0"/>
+              </a:spcBef>
+            </a:pPr>
+            <a:endParaRPr lang="es-ES_tradnl" sz="2300" smtClean="0">
               <a:latin typeface="Arial" charset="0"/>
             </a:endParaRPr>
           </a:p>
@@ -3534,7 +3587,7 @@
       </p:sp>
       <p:sp>
         <p:nvSpPr>
-          <p:cNvPr id="7" name="6 Marcador de número de diapositiva"/>
+          <p:cNvPr id="8" name="7 Marcador de número de diapositiva"/>
           <p:cNvSpPr>
             <a:spLocks noGrp="1"/>
           </p:cNvSpPr>
@@ -3588,49 +3641,7 @@
       </p:grpSpPr>
       <p:sp>
         <p:nvSpPr>
-          <p:cNvPr id="105474" name="Rectangle 7"/>
-          <p:cNvSpPr txBox="1">
-            <a:spLocks noGrp="1" noChangeArrowheads="1"/>
-          </p:cNvSpPr>
-          <p:nvPr/>
-        </p:nvSpPr>
-        <p:spPr bwMode="auto">
-          <a:xfrm>
-            <a:off x="3851275" y="9434513"/>
-            <a:ext cx="2946400" cy="493712"/>
-          </a:xfrm>
-          <a:prstGeom prst="rect">
-            <a:avLst/>
-          </a:prstGeom>
-          <a:noFill/>
-          <a:ln w="9525">
-            <a:noFill/>
-            <a:miter lim="800000"/>
-            <a:headEnd/>
-            <a:tailEnd/>
-          </a:ln>
-        </p:spPr>
-        <p:txBody>
-          <a:bodyPr lIns="91619" tIns="45810" rIns="91619" bIns="45810" anchor="b"/>
-          <a:lstStyle/>
-          <a:p>
-            <a:pPr algn="r" defTabSz="915988" eaLnBrk="0" hangingPunct="0"/>
-            <a:fld id="{9A90F2C1-23EB-4E7E-928D-7071F26F155F}" type="slidenum">
-              <a:rPr lang="es-ES_tradnl" sz="1300">
-                <a:latin typeface="Times New Roman" pitchFamily="18" charset="0"/>
-              </a:rPr>
-              <a:pPr algn="r" defTabSz="915988" eaLnBrk="0" hangingPunct="0"/>
-              <a:t>33</a:t>
-            </a:fld>
-            <a:endParaRPr lang="es-ES_tradnl" sz="1300">
-              <a:latin typeface="Times New Roman" pitchFamily="18" charset="0"/>
-            </a:endParaRPr>
-          </a:p>
-        </p:txBody>
-      </p:sp>
-      <p:sp>
-        <p:nvSpPr>
-          <p:cNvPr id="105475" name="Rectangle 2"/>
+          <p:cNvPr id="106498" name="Rectangle 2"/>
           <p:cNvSpPr>
             <a:spLocks noGrp="1" noRot="1" noChangeAspect="1" noChangeArrowheads="1" noTextEdit="1"/>
           </p:cNvSpPr>
@@ -3639,16 +3650,12 @@
           </p:nvPr>
         </p:nvSpPr>
         <p:spPr>
-          <a:xfrm>
-            <a:off x="917575" y="746125"/>
-            <a:ext cx="4959350" cy="3721100"/>
-          </a:xfrm>
           <a:ln/>
         </p:spPr>
       </p:sp>
       <p:sp>
         <p:nvSpPr>
-          <p:cNvPr id="105476" name="Rectangle 3"/>
+          <p:cNvPr id="106499" name="Rectangle 3"/>
           <p:cNvSpPr>
             <a:spLocks noGrp="1" noChangeArrowheads="1"/>
           </p:cNvSpPr>
@@ -3657,23 +3664,15 @@
           </p:nvPr>
         </p:nvSpPr>
         <p:spPr>
-          <a:xfrm>
-            <a:off x="906463" y="4714875"/>
-            <a:ext cx="4984750" cy="4467225"/>
-          </a:xfrm>
           <a:noFill/>
           <a:ln/>
         </p:spPr>
         <p:txBody>
-          <a:bodyPr lIns="93112" tIns="46556" rIns="93112" bIns="46556"/>
+          <a:bodyPr/>
           <a:lstStyle/>
           <a:p>
-            <a:pPr>
-              <a:spcBef>
-                <a:spcPct val="0"/>
-              </a:spcBef>
-            </a:pPr>
-            <a:endParaRPr lang="es-ES_tradnl" sz="2300" smtClean="0">
+            <a:pPr eaLnBrk="1" hangingPunct="1"/>
+            <a:endParaRPr lang="en-US" smtClean="0">
               <a:latin typeface="Arial" charset="0"/>
             </a:endParaRPr>
           </a:p>
@@ -3681,7 +3680,7 @@
       </p:sp>
       <p:sp>
         <p:nvSpPr>
-          <p:cNvPr id="8" name="7 Marcador de número de diapositiva"/>
+          <p:cNvPr id="7" name="6 Marcador de número de diapositiva"/>
           <p:cNvSpPr>
             <a:spLocks noGrp="1"/>
           </p:cNvSpPr>
@@ -3735,7 +3734,7 @@
       </p:grpSpPr>
       <p:sp>
         <p:nvSpPr>
-          <p:cNvPr id="106498" name="Rectangle 2"/>
+          <p:cNvPr id="107522" name="Rectangle 2"/>
           <p:cNvSpPr>
             <a:spLocks noGrp="1" noRot="1" noChangeAspect="1" noChangeArrowheads="1" noTextEdit="1"/>
           </p:cNvSpPr>
@@ -3749,7 +3748,7 @@
       </p:sp>
       <p:sp>
         <p:nvSpPr>
-          <p:cNvPr id="106499" name="Rectangle 3"/>
+          <p:cNvPr id="107523" name="Rectangle 3"/>
           <p:cNvSpPr>
             <a:spLocks noGrp="1" noChangeArrowheads="1"/>
           </p:cNvSpPr>
@@ -3828,100 +3827,7 @@
       </p:grpSpPr>
       <p:sp>
         <p:nvSpPr>
-          <p:cNvPr id="107522" name="Rectangle 2"/>
-          <p:cNvSpPr>
-            <a:spLocks noGrp="1" noRot="1" noChangeAspect="1" noChangeArrowheads="1" noTextEdit="1"/>
-          </p:cNvSpPr>
-          <p:nvPr>
-            <p:ph type="sldImg"/>
-          </p:nvPr>
-        </p:nvSpPr>
-        <p:spPr>
-          <a:ln/>
-        </p:spPr>
-      </p:sp>
-      <p:sp>
-        <p:nvSpPr>
-          <p:cNvPr id="107523" name="Rectangle 3"/>
-          <p:cNvSpPr>
-            <a:spLocks noGrp="1" noChangeArrowheads="1"/>
-          </p:cNvSpPr>
-          <p:nvPr>
-            <p:ph type="body" idx="1"/>
-          </p:nvPr>
-        </p:nvSpPr>
-        <p:spPr>
-          <a:noFill/>
-          <a:ln/>
-        </p:spPr>
-        <p:txBody>
-          <a:bodyPr/>
-          <a:lstStyle/>
-          <a:p>
-            <a:pPr eaLnBrk="1" hangingPunct="1"/>
-            <a:endParaRPr lang="en-US" smtClean="0">
-              <a:latin typeface="Arial" charset="0"/>
-            </a:endParaRPr>
-          </a:p>
-        </p:txBody>
-      </p:sp>
-      <p:sp>
-        <p:nvSpPr>
-          <p:cNvPr id="7" name="6 Marcador de número de diapositiva"/>
-          <p:cNvSpPr>
-            <a:spLocks noGrp="1"/>
-          </p:cNvSpPr>
-          <p:nvPr>
-            <p:ph type="sldNum" sz="quarter" idx="10"/>
-          </p:nvPr>
-        </p:nvSpPr>
-        <p:spPr/>
-        <p:txBody>
-          <a:bodyPr/>
-          <a:lstStyle/>
-          <a:p>
-            <a:pPr>
-              <a:defRPr/>
-            </a:pPr>
-            <a:fld id="{55B44038-53A0-400A-91D8-159059931D1C}" type="slidenum">
-              <a:rPr lang="es-ES" smtClean="0"/>
-              <a:pPr>
-                <a:defRPr/>
-              </a:pPr>
-              <a:t>35</a:t>
-            </a:fld>
-            <a:endParaRPr lang="es-ES" dirty="0"/>
-          </a:p>
-        </p:txBody>
-      </p:sp>
-    </p:spTree>
-  </p:cSld>
-  <p:clrMapOvr>
-    <a:masterClrMapping/>
-  </p:clrMapOvr>
-</p:notes>
-</file>
-
-<file path=ppt/notesSlides/notesSlide36.xml><?xml version="1.0" encoding="utf-8"?>
-<p:notes xmlns:a="http://schemas.openxmlformats.org/drawingml/2006/main" xmlns:r="http://schemas.openxmlformats.org/officeDocument/2006/relationships" xmlns:p="http://schemas.openxmlformats.org/presentationml/2006/main">
-  <p:cSld>
-    <p:spTree>
-      <p:nvGrpSpPr>
-        <p:cNvPr id="1" name=""/>
-        <p:cNvGrpSpPr/>
-        <p:nvPr/>
-      </p:nvGrpSpPr>
-      <p:grpSpPr>
-        <a:xfrm>
-          <a:off x="0" y="0"/>
-          <a:ext cx="0" cy="0"/>
-          <a:chOff x="0" y="0"/>
-          <a:chExt cx="0" cy="0"/>
-        </a:xfrm>
-      </p:grpSpPr>
-      <p:sp>
-        <p:nvSpPr>
-          <p:cNvPr id="30722" name="Rectangle 7"/>
+          <p:cNvPr id="112642" name="Rectangle 7"/>
           <p:cNvSpPr txBox="1">
             <a:spLocks noGrp="1" noChangeArrowheads="1"/>
           </p:cNvSpPr>
@@ -3948,24 +3854,22 @@
           <a:lstStyle/>
           <a:p>
             <a:pPr algn="r" defTabSz="931863"/>
-            <a:fld id="{3BC31DA6-78FB-4024-83E1-95BE50ED3574}" type="slidenum">
+            <a:fld id="{28E91823-CD22-429B-BF76-EBABFC9897FA}" type="slidenum">
               <a:rPr lang="es-ES" sz="1300">
                 <a:latin typeface="Arial" charset="0"/>
-                <a:ea typeface="ＭＳ Ｐゴシック" pitchFamily="34" charset="-128"/>
               </a:rPr>
               <a:pPr algn="r" defTabSz="931863"/>
-              <a:t>36</a:t>
+              <a:t>35</a:t>
             </a:fld>
-            <a:endParaRPr lang="es-ES" sz="1300" dirty="0">
+            <a:endParaRPr lang="es-ES" sz="1300">
               <a:latin typeface="Arial" charset="0"/>
-              <a:ea typeface="ＭＳ Ｐゴシック" pitchFamily="34" charset="-128"/>
             </a:endParaRPr>
           </a:p>
         </p:txBody>
       </p:sp>
       <p:sp>
         <p:nvSpPr>
-          <p:cNvPr id="30723" name="Rectangle 2"/>
+          <p:cNvPr id="112643" name="Rectangle 2"/>
           <p:cNvSpPr>
             <a:spLocks noGrp="1" noRot="1" noChangeAspect="1" noChangeArrowheads="1" noTextEdit="1"/>
           </p:cNvSpPr>
@@ -3979,7 +3883,7 @@
       </p:sp>
       <p:sp>
         <p:nvSpPr>
-          <p:cNvPr id="30724" name="Rectangle 3"/>
+          <p:cNvPr id="112644" name="Rectangle 3"/>
           <p:cNvSpPr>
             <a:spLocks noGrp="1" noChangeArrowheads="1"/>
           </p:cNvSpPr>
@@ -3996,9 +3900,8 @@
           <a:lstStyle/>
           <a:p>
             <a:pPr eaLnBrk="1" hangingPunct="1"/>
-            <a:endParaRPr lang="en-US" sz="900" dirty="0" smtClean="0">
+            <a:endParaRPr lang="en-US" sz="900" smtClean="0">
               <a:latin typeface="Arial Unicode MS" pitchFamily="34" charset="-128"/>
-              <a:ea typeface="ＭＳ Ｐゴシック" pitchFamily="34" charset="-128"/>
             </a:endParaRPr>
           </a:p>
         </p:txBody>
@@ -4026,142 +3929,7 @@
               <a:pPr>
                 <a:defRPr/>
               </a:pPr>
-              <a:t>36</a:t>
-            </a:fld>
-            <a:endParaRPr lang="es-ES" dirty="0"/>
-          </a:p>
-        </p:txBody>
-      </p:sp>
-    </p:spTree>
-  </p:cSld>
-  <p:clrMapOvr>
-    <a:masterClrMapping/>
-  </p:clrMapOvr>
-</p:notes>
-</file>
-
-<file path=ppt/notesSlides/notesSlide37.xml><?xml version="1.0" encoding="utf-8"?>
-<p:notes xmlns:a="http://schemas.openxmlformats.org/drawingml/2006/main" xmlns:r="http://schemas.openxmlformats.org/officeDocument/2006/relationships" xmlns:p="http://schemas.openxmlformats.org/presentationml/2006/main">
-  <p:cSld>
-    <p:spTree>
-      <p:nvGrpSpPr>
-        <p:cNvPr id="1" name=""/>
-        <p:cNvGrpSpPr/>
-        <p:nvPr/>
-      </p:nvGrpSpPr>
-      <p:grpSpPr>
-        <a:xfrm>
-          <a:off x="0" y="0"/>
-          <a:ext cx="0" cy="0"/>
-          <a:chOff x="0" y="0"/>
-          <a:chExt cx="0" cy="0"/>
-        </a:xfrm>
-      </p:grpSpPr>
-      <p:sp>
-        <p:nvSpPr>
-          <p:cNvPr id="112642" name="Rectangle 7"/>
-          <p:cNvSpPr txBox="1">
-            <a:spLocks noGrp="1" noChangeArrowheads="1"/>
-          </p:cNvSpPr>
-          <p:nvPr/>
-        </p:nvSpPr>
-        <p:spPr bwMode="auto">
-          <a:xfrm>
-            <a:off x="3851275" y="9432925"/>
-            <a:ext cx="2946400" cy="495300"/>
-          </a:xfrm>
-          <a:prstGeom prst="rect">
-            <a:avLst/>
-          </a:prstGeom>
-          <a:noFill/>
-          <a:ln w="9525">
-            <a:noFill/>
-            <a:miter lim="800000"/>
-            <a:headEnd/>
-            <a:tailEnd/>
-          </a:ln>
-        </p:spPr>
-        <p:txBody>
-          <a:bodyPr lIns="93268" tIns="46635" rIns="93268" bIns="46635" anchor="b"/>
-          <a:lstStyle/>
-          <a:p>
-            <a:pPr algn="r" defTabSz="931863"/>
-            <a:fld id="{28E91823-CD22-429B-BF76-EBABFC9897FA}" type="slidenum">
-              <a:rPr lang="es-ES" sz="1300">
-                <a:latin typeface="Arial" charset="0"/>
-              </a:rPr>
-              <a:pPr algn="r" defTabSz="931863"/>
-              <a:t>37</a:t>
-            </a:fld>
-            <a:endParaRPr lang="es-ES" sz="1300">
-              <a:latin typeface="Arial" charset="0"/>
-            </a:endParaRPr>
-          </a:p>
-        </p:txBody>
-      </p:sp>
-      <p:sp>
-        <p:nvSpPr>
-          <p:cNvPr id="112643" name="Rectangle 2"/>
-          <p:cNvSpPr>
-            <a:spLocks noGrp="1" noRot="1" noChangeAspect="1" noChangeArrowheads="1" noTextEdit="1"/>
-          </p:cNvSpPr>
-          <p:nvPr>
-            <p:ph type="sldImg"/>
-          </p:nvPr>
-        </p:nvSpPr>
-        <p:spPr>
-          <a:ln/>
-        </p:spPr>
-      </p:sp>
-      <p:sp>
-        <p:nvSpPr>
-          <p:cNvPr id="112644" name="Rectangle 3"/>
-          <p:cNvSpPr>
-            <a:spLocks noGrp="1" noChangeArrowheads="1"/>
-          </p:cNvSpPr>
-          <p:nvPr>
-            <p:ph type="body" idx="1"/>
-          </p:nvPr>
-        </p:nvSpPr>
-        <p:spPr>
-          <a:noFill/>
-          <a:ln/>
-        </p:spPr>
-        <p:txBody>
-          <a:bodyPr/>
-          <a:lstStyle/>
-          <a:p>
-            <a:pPr eaLnBrk="1" hangingPunct="1"/>
-            <a:endParaRPr lang="en-US" sz="900" smtClean="0">
-              <a:latin typeface="Arial Unicode MS" pitchFamily="34" charset="-128"/>
-            </a:endParaRPr>
-          </a:p>
-        </p:txBody>
-      </p:sp>
-      <p:sp>
-        <p:nvSpPr>
-          <p:cNvPr id="8" name="7 Marcador de número de diapositiva"/>
-          <p:cNvSpPr>
-            <a:spLocks noGrp="1"/>
-          </p:cNvSpPr>
-          <p:nvPr>
-            <p:ph type="sldNum" sz="quarter" idx="10"/>
-          </p:nvPr>
-        </p:nvSpPr>
-        <p:spPr/>
-        <p:txBody>
-          <a:bodyPr/>
-          <a:lstStyle/>
-          <a:p>
-            <a:pPr>
-              <a:defRPr/>
-            </a:pPr>
-            <a:fld id="{55B44038-53A0-400A-91D8-159059931D1C}" type="slidenum">
-              <a:rPr lang="es-ES" smtClean="0"/>
-              <a:pPr>
-                <a:defRPr/>
-              </a:pPr>
-              <a:t>37</a:t>
+              <a:t>35</a:t>
             </a:fld>
             <a:endParaRPr lang="es-ES" dirty="0"/>
           </a:p>
@@ -7574,528 +7342,6 @@
 </file>
 
 <file path=ppt/slides/slide10.xml><?xml version="1.0" encoding="utf-8"?>
-<p:sld xmlns:a="http://schemas.openxmlformats.org/drawingml/2006/main" xmlns:r="http://schemas.openxmlformats.org/officeDocument/2006/relationships" xmlns:p="http://schemas.openxmlformats.org/presentationml/2006/main">
-  <p:cSld>
-    <p:spTree>
-      <p:nvGrpSpPr>
-        <p:cNvPr id="1" name=""/>
-        <p:cNvGrpSpPr/>
-        <p:nvPr/>
-      </p:nvGrpSpPr>
-      <p:grpSpPr>
-        <a:xfrm>
-          <a:off x="0" y="0"/>
-          <a:ext cx="0" cy="0"/>
-          <a:chOff x="0" y="0"/>
-          <a:chExt cx="0" cy="0"/>
-        </a:xfrm>
-      </p:grpSpPr>
-      <p:sp>
-        <p:nvSpPr>
-          <p:cNvPr id="9218" name="Rectangle 3"/>
-          <p:cNvSpPr>
-            <a:spLocks noGrp="1" noChangeArrowheads="1"/>
-          </p:cNvSpPr>
-          <p:nvPr>
-            <p:ph idx="1"/>
-          </p:nvPr>
-        </p:nvSpPr>
-        <p:spPr>
-          <a:xfrm>
-            <a:off x="0" y="1447800"/>
-            <a:ext cx="8761413" cy="2236788"/>
-          </a:xfrm>
-        </p:spPr>
-        <p:txBody>
-          <a:bodyPr/>
-          <a:lstStyle/>
-          <a:p>
-            <a:pPr algn="just" eaLnBrk="1" hangingPunct="1">
-              <a:spcBef>
-                <a:spcPts val="1200"/>
-              </a:spcBef>
-            </a:pPr>
-            <a:r>
-              <a:rPr lang="es-UY" b="0" noProof="0" dirty="0" smtClean="0">
-                <a:latin typeface="Calibri" pitchFamily="34" charset="0"/>
-                <a:ea typeface="PMingLiU" pitchFamily="18" charset="-120"/>
-              </a:rPr>
-              <a:t>Esta ubicado… (meter mapa)</a:t>
-            </a:r>
-          </a:p>
-          <a:p>
-            <a:pPr algn="just" eaLnBrk="1" hangingPunct="1">
-              <a:spcBef>
-                <a:spcPts val="1200"/>
-              </a:spcBef>
-            </a:pPr>
-            <a:r>
-              <a:rPr lang="es-UY" b="0" noProof="0" dirty="0" smtClean="0">
-                <a:latin typeface="Calibri" pitchFamily="34" charset="0"/>
-                <a:ea typeface="PMingLiU" pitchFamily="18" charset="-120"/>
-              </a:rPr>
-              <a:t>X semáforos</a:t>
-            </a:r>
-            <a:endParaRPr lang="es-UY" b="0" noProof="0" dirty="0" smtClean="0">
-              <a:latin typeface="Calibri" pitchFamily="34" charset="0"/>
-              <a:ea typeface="PMingLiU" pitchFamily="18" charset="-120"/>
-            </a:endParaRPr>
-          </a:p>
-          <a:p>
-            <a:pPr algn="just" eaLnBrk="1" hangingPunct="1">
-              <a:spcBef>
-                <a:spcPts val="1200"/>
-              </a:spcBef>
-            </a:pPr>
-            <a:r>
-              <a:rPr lang="es-UY" b="0" noProof="0" dirty="0" smtClean="0">
-                <a:latin typeface="Calibri" pitchFamily="34" charset="0"/>
-                <a:ea typeface="PMingLiU" pitchFamily="18" charset="-120"/>
-              </a:rPr>
-              <a:t>Las autoridades indicaron que no se cumplió el objetivo..</a:t>
-            </a:r>
-            <a:endParaRPr lang="es-UY" b="0" noProof="0" dirty="0" smtClean="0">
-              <a:latin typeface="Calibri" pitchFamily="34" charset="0"/>
-              <a:ea typeface="PMingLiU" pitchFamily="18" charset="-120"/>
-            </a:endParaRPr>
-          </a:p>
-        </p:txBody>
-      </p:sp>
-      <p:sp>
-        <p:nvSpPr>
-          <p:cNvPr id="651266" name="Rectangle 2"/>
-          <p:cNvSpPr>
-            <a:spLocks noChangeArrowheads="1"/>
-          </p:cNvSpPr>
-          <p:nvPr/>
-        </p:nvSpPr>
-        <p:spPr bwMode="auto">
-          <a:xfrm>
-            <a:off x="0" y="3175"/>
-            <a:ext cx="9144000" cy="857250"/>
-          </a:xfrm>
-          <a:prstGeom prst="rect">
-            <a:avLst/>
-          </a:prstGeom>
-          <a:solidFill>
-            <a:schemeClr val="accent2">
-              <a:lumMod val="75000"/>
-            </a:schemeClr>
-          </a:solidFill>
-          <a:ln w="9525" algn="ctr">
-            <a:noFill/>
-            <a:miter lim="800000"/>
-            <a:headEnd/>
-            <a:tailEnd/>
-          </a:ln>
-          <a:effectLst/>
-        </p:spPr>
-        <p:txBody>
-          <a:bodyPr anchor="ctr"/>
-          <a:lstStyle/>
-          <a:p>
-            <a:pPr algn="l" eaLnBrk="0" hangingPunct="0">
-              <a:defRPr/>
-            </a:pPr>
-            <a:endParaRPr lang="es-ES" sz="3200" dirty="0">
-              <a:solidFill>
-                <a:schemeClr val="bg1"/>
-              </a:solidFill>
-              <a:effectLst>
-                <a:outerShdw blurRad="38100" dist="38100" dir="2700000" algn="tl">
-                  <a:srgbClr val="000000"/>
-                </a:outerShdw>
-              </a:effectLst>
-              <a:latin typeface="Calibri" pitchFamily="34" charset="0"/>
-              <a:ea typeface="PMingLiU" pitchFamily="18" charset="-120"/>
-              <a:cs typeface="Calibri" pitchFamily="34" charset="0"/>
-            </a:endParaRPr>
-          </a:p>
-        </p:txBody>
-      </p:sp>
-      <p:sp>
-        <p:nvSpPr>
-          <p:cNvPr id="9221" name="AutoShape 2" descr="data:image/jpeg;base64,/9j/4AAQSkZJRgABAQAAAQABAAD/2wCEAAkGBxQTEhQUExIWFhQXGRcYGRgXGBoaGRccGhgcFxoXGB0dHCggGR0lGxoYITEhJSkrLi4uFx8zODMsNygtLisBCgoKDg0OGxAQGywkHyQsLCwsLCwsLCwsLCwsLCwsLCwsLCwsLCwsLCwsLCwsLCwsLCwsLCwsLCwsLCwsLCwsLP/AABEIALcBEwMBIgACEQEDEQH/xAAcAAABBQEBAQAAAAAAAAAAAAAEAAIDBQYBBwj/xABIEAACAQIEAwUFBQQHBwMFAAABAhEAAwQSITEFQVEGEyJhcTKBkaGxQlLB0fAUI2LhQ3KSk6LS8QcVFjNTguIkVLI0RGNzg//EABkBAAMBAQEAAAAAAAAAAAAAAAABAgMEBf/EAC0RAAICAQMDBAAFBQEAAAAAAAABAhEhAxIxE0FRBCJhoTJxgbHRQlKRwfAj/9oADAMBAAIRAxEAPwDziIOpEDkN/dSuMWbLB157ev4V2YbTUncbeQorGYcWwjkSSdRGwOxB6fmKkkig+yANuvymnYORv/p/OmJe1/U7HlT0M8/jpympYBi6CZ9DrP8ArUCyRJOkn302dIOnkfnUtpSdABqQNeXKfLelQI4tkmSuuX7O/qR6aU+zPTX9TTrAJbKHUGQNYiOuulSNhyGygEsdQTIkdR668uVPsFj8oAn9CmKhJnN8qgxrnQAHq2+mux6bGus5MRzaBqfF/VnUr50bXQ0wsKPsk+e5oiydJ6/ragLF0ztOsc6sEvoVWAc07cvcfWoZRGwMnXX6eVSpbcjRSeZMRtUbJrI+H4U/9oIFFk15JMrLEyJ+OlabgNu05kXTauKBq8Mp3kQRBrLo5InlR9lAqgk6kiAOY5/Ch2NKj1PgOOvOSrG2yrHjQ6GdvCdQdOpHlWgrD9hluLmyrmU5ZM7b7THwrcVrHgLyKlSpVQCrldpUAMMDX3etQraGrRldhqdz5eWnTapbtkNv8t46T0NdCiTpv86dktWA2sMFDF2Y5idzyMDYeGY+FUHcXjcKs1x0DSqgsvhiZZjGuUqMoJgmWrWuDpH68qDslvFnUEKZVlGrTM6ciNvPeqTM5RKY21tWlOqkBtL7ELAkgEoSJ3jfSa5wm+914Yd0Agym2QQQdSMxGp9kyAB68rS/wy1dLZ2ZjoSCSI0MSBHInQ0ctoAjeAIHyqrIoqb+FcKwdwRlMwDPqTuPn6xWdxfCiCq94IbQlPCJPiImN8o0JgiSNzW3azPmep/XyqrtlbguKNR4gByI2nnI3Hnr507CjNJEOtizcMyC8EvHhGZiTm0htwY5A6CsDx/g7W0uXLpD5nA8EAW31hbgkeIAHwjqZ8vbeE8MSymRBpJJJ1LEnQk/hWJ7e9jGxAtjDXAFV/3ludELj2wBrPlv4yaTLRiuzOHswWS9kYLGdwogn2mGsqAGA5zrpT+ONYXwWme7dhvGUVhAEkKRoTLHUhvwq87QcPTh+GWyozMZJuKMpzbmPaKj2dJ66iTWBW7cb7RPIRJc+SmDB1ncbioeMDXkgxGNAZh3doanRg0zznXrSrTYPtVhVRQvDbZAESxBJ8ySJmlSpFGWw95pY6Q3XXQa/SanvFmXQk6ncyZ0nn5CgrKgwRvrv+Ao0YYESCZ0ED5n9daybGVtq6VkkAHWSdRUlvEk+0SSQACeijKPgABTMdoxWNYGvqJiuKgO06aaCYnYE7Cr7DLHG4hCbarIIENJ0JzZtOnT3VO4y6EySNeUHcjz+VQYfDbgAz7JkZvX3j1FTWnZYJggGAGnTfcTMGZipbAmt3oNt1VcyRuJBjeQf1v1qQ465cul5CsWWAo2PKNf18KEW0d9Pdr8aKwWFNxwqCSRtqcxGoQdCeuw51N9hUclFu3mZgctpwpMhs7KFBUAmTnO3QzRVhHt2+5RWFxgS7AKIPtFAYzHLENroVIEa1XX8r386szpmSSiwTsTlk+1uJPMVqe2/ELTpZXDGUCATADaFpUGPFHM6DfUma07AZS7ipkQupU7aAlRp8DRSBRGuvofz/Co8BZtmCzFrheMoXOQoGrACSx2idBFXB4fnQOzC2kAqlsSTIGpJ3aImNPxiVGlWCBSdtKaggwdxUKvsNxyPl7qLa6QuhEGJkfj+tqy7mZ3DN4gDOUkeenMR5VqbeCRcssCJhZUjQ7iAwG2u2tZ9cC7EKgluUMB8uWlaLh+CzStxTI5E+4QGqjWJpuzHDwtyQ0plJkaagiPqa2VZHsbgCsqSSNSAZGkjz0rXdauEuxLWbO0qVKtBCpVEbWclZIiDKmD1rqtJOmxj1+dZy1YxdMai2SUq5+v1rXaqMlJWgaoD4jIGYFoUGVUauTAGsSADrp+FOtW+7QLLPGksZJ9TzoquVdk1mxogAbAUxbssBHLXXbp9DUj/GuIsUImS4IcSTERvpOmk6fr1rtmyFEDpz+Q0ipmWaSjrVXgjbkgLlVJyzEwF3Mbe+qLi3CnN0YhbncqBLjcv/W+yPs7zGXzNaS2ulMxN5UUs7BVESzEADWBvpvReQr2niPa/jH7QpgM/dqQGAMe1lZ8xHsaR6tE6CsvhrrkqhRWgaJIGYD94ZIIEaH0nqa3nbPFWLK3sIgUBipF0HMQS8urk+IksNxMCB6eaYpwCAm45+fkI2pS5HEcLCneJ5+E79PaFKgTcPMma5UF0OSZAnY1oLV9GtsdVYAkg84ExG3X5VnVssSROsgVMbceEiW2BB+tS1ZQ61hzddyxjwNc1PIDwj1OmlXF2yqqcPmUiCyMvNiJCn+OTl15VVYO7lZlcZTEfKAtabhnDUdwCc4Agg6A9ZP62pSlRSRXcHxds2oKTcktmPQRPrz+VC8TuKdUDbGSGkGOg6AeZoruHt3buCtqpW4y3FZ9WsgCWKtv7Ijzjzqe4VTJbaBlF6y/MHMvtLG+ZY+dLvYiK/hHstD2yoOoEyB6N9oTPxpjOcpgwwJg9dD589vjVrwrEliTcuCbgynOAd9DEggaFifOKpbrBr3cqZOYrm20BkEedJck1kMvondYVAVRTn7xoHeZlLM/2o2ygTG4qXhid81qzlYXUBzGfEQDlVEG8AfDU+ovafBtbvWwysEJhcwCzBCsSNp5E6bCrM3Bh3x6Nlz2yj27itrbfQAIRqZzRG0AztWjdoaRN2fvNZtXnNsSLpglJ2hck8tdN6HXE5wq5QbajVsoAJ1AA+8oPPnlFCdnMM+KJtM8WxLkkwFLRLMRqdAYWfqauLFoW1zEKwggAE7QR3kTpPKs2qZVlVdjaddPIfryoiwrsVU6SdPrt8NasbvD37tXW2QF13kydOkeUE86t24K93KRqo+yBEayTOaAJJ2J+dImjMYiyQ7ySDm3O/xq84FcgDKzFp1EZt/XlQHErah2VrgzgmQZn3zz9KM7NxmgNOvWDHP1pN4NEb3hl28zIbJWYObPI00HJWkzWjOLCJmuEE6TE7+sDy10rI2MYbSgwx32OsGNdNxVjj7Fx8OrFs0gQM2pmNPPn1qeAYXie0iDUAxzJ89hp1ozh/FluNljK2+pGo6jn8qwWIHdrrCtM+JtTAiYmN/rVhwMuueQpzKfaYAyPFqeQrRzdEJG3N5bOZ7txQpO5MR0HnVSONYfMf8A1CZhzGaIJ0AOxrz/ALQ8aN9wG0CADKGJWebbwSfpVRcxGp8O/Qae6s3FPLHuaPb8PiEcHI6vG5Ugx8KlNeF2seeRI+W1XXCe1WIsjwsGTmr6/CdR7jWkHtVUS3Z6ldxiK4RnAYiQDpImNDt7qIrC2+2tm4y95ZI0jMrTEzsOY9fOtxajKsbQIHlFXGVgJjpvFNQanU68qT2gf1t6V1EitCXdj6Q89aVcApClV5O1Hftqw8QBHQiR61LHWmxoZppWTKaqj537Z8YS7euC3aCg3GYuTmd2P8UaJGyj3zWTY+evzr0T/aJg7K3pUEnWQSIHOYHXWsJiF5gCk8OikBk+dKmvuaVAw67YyFTIAYBgTsSpPzINdtXmZw5tl9IgaD9fnQl7FZrSrEwNyddOnSrjgt1UtidswJEesx7oqHhFrkbxNS6Ibtp7IhijxmU8wJGoE6e+rDsli1ulbWovHYzAYRqRr7XlV9g8QG/Z0LD/AJbe17MEqSp9QI51l+LcPEtfsfu3Qhso0Ezuh5GeVRaaplcZDreBL8RVFnMEf1MSI0qt4mmbEEDUKxTN1KjbzgyKZheOMmI/bAsZVZP+82mH/wAtau3wAs4cx7dpVfN/HkRnmeRJYe+m8C5KqzOXKPvbj3aTy1oaxgme7oTmkkEbgjXQzuImrXAFFu3ELLkYpc1j78so10Jg/KgrLzcfL/1SB0ALFY+mvlRlcCoh4jfe4tkMTsx15nNr9KBS1DFW9kEEgcxvHzj31oOMYPJjQhPhVgyiZgFTcf8AxfWq0BTiwGOmdV2/hjb1FVGWB0WPBu8K3QrMoLSyidZBMkc4BI99T3A+mWQPFy1MRJNX3BbAt4oSPDft5l9VaI/skVc38OsWxsP3/Lyn8Kxc8lqODGNaxGXUvlPUbg+70o3DXcTZEq7AeUgaiDA01jSvRRhVgCB5VQ38VbZxEn94wHmRmkDzGYUt9hsozLYPOjXGIzkg/Ej86tuzFrcZQYM+m21CY3jdsObJtuTmy6ZYaSI13HrV12aFtmuG2txMrAEORII3AidNabfYZ3i+LbIGBZSrMNCQBy5elVHEMddche9zBTpJMVoOOlbKgm7kzMYJEiSCYgCs+2BR1DKS0sQXHsyToBMa+tFWQyLHXxI07wwVg5gNonf7Jg+6g8Xi3+9IHlE029fgx0OkbnX8aZi78ObbEAiP9DRYSVHQSdcunWuviY/OdKHbEx6fKmXryEb/AIULJDHXr2bw5uf4bmmrpHXqD8zQ2EfNy2Ma68/yqS+B9nX5EfnWnGCaDFuHpp5VruAdrrlrKr5mAAGrEiB5HyrDWr2m9E2b8UZQHt2A7QWLpUK8M2ykEH0PKiLsi4WzNlUCVEkGdNAOded9h+L/ALzu3QOGGmoBUgzpPKvRr8qxOYDMUAn+tqPfPzqt2B07CSSGAI3kiASNI3MQDrTzXVpp05j0pKSumKS7iyzXXGkCkgihcfbL22VSQSIkbj0rpUaOaUtzPIO3+CCAj2rpaXIk7A6c405SPSvPb7RXo/a/gl0rKkvEZuknRdzrvy9a83xKanykVnNZOiJDlpVEbc8zSqaGRYd4UzRVh+a++q7OZ050bhGMEfo0MZcYS8xIltADGpgTE+/ai7yrllSANiJ/Df8A1qssPvl3gz6aV23iNY2P661k0Fg922ugGxYGPfr8q0d3iIdGz6hzqDudAPwrK42+Q0DSNfWjeH4kXAF+1qT9dqprFjiw/hrJ3ql9YTK39YNHLy1oJwBevwfCzmOoGbOPwp+Yq3kTHlpH8q5cSfETSBsO4hiTcv8AfEmcoHT7OX6Gq3HtLO3NmVvQzyqVWkHX0qO8k6NoR7oojgLZr+L4s9zYugw6EOo8oiN9J008ql/327C3n8AAua6wZQ++T186y9jik2e6MQBp+c71aYFpQRPLYjpUqHY1j7nRprXHWYADVtSBPPcRBideZ50Wb3eC3FsIyhrmusEyCQBodT97nWcNuNm+Bq67PWGNxvHni20gEnpO45U5aaSuzVwpXZV3sCCe9Y6i4smAANRr5Va9lrqnvhI0ct5biD03HKs1xTi95HYIiG3ykTpHPWKuex+M7wOzogExCJExBBMetRs92/4oz3Y2lp2xtqbJGYaMG35xrHzrJ8P4S7pnVjBJG55c61vHbtsLrtmOYZZkweXrzoDAYq0Vyi53ZMABUYjpGsx8a0gZyKjgmERzdW6SCggDmZIgjmTvVbiLQzMpnvQzCAJkKcoO/hkgyPIVacb/AHF6xcFwHvEe2W2AAIYH3TVZZVwWvCYJYoSBLAtqzefl0p1Qhn7PHtSPdUeIK5jlOYCNQCPXere0xbxeJj/EJ1j31S8QMFwTDmIERptP1oWRCRteQFNVzmMt8KbZsyFy6ltI6HaNaZdtwWUgBhE6/lRi6FWCWTyqUXNKEW5rXWeflRQIs8NiSpBBIPvrVYftTeZQGuGQVMnUkg5gSTzmsQl8TvRWHv661Mo2UehDtCCCXGZiB4iAdQZnSOVaXgvHLbZgb6wuWM3M84J1+teVpiSOWnnR+D4qyRkaBM7D5zvWSbTKfg9nLUG3EEmNSfT3c6xOG7ZXBlzBSByAjT0GlXWD7R4a4yq5CHf2jlnkJOgrqevj2nPHQ/uJuMYUX7ZyxBMmVB5Rp585ryPtJ2Ve0hddVDHNIgrqYmvWLmOsM5t23Vo5R9NBPup/FuzoxFhlBz5iGMnUDaATt9ql1k+TTp1wfOjJrSrTcb7PtbvundZIIhSSSAQCJ0PIjnSov5CmYi4kURhWMelSthyRopPoDXHwzLupE9QRVtAiYXNDO5Gm3UU1Ubp8YrtiwSrsBooBPlLAVEaFERzEISNeXpSwVzKTl3iK6OdRSQaGuw0w8XydwZnz+NON+BBMeVDo/nReG4TiL5Hc2blzl4VJHvOw+NLYKx6KWEx7/jTLzXGv5GBN1yFht5aCPlHxrTcH7D44kd5YKrzl0HyzU1/9mnEC5eLYMyCbuv0oUMjtAHaTgty1kc2cigAMQSQ3IE6nXy0qXCYg5AxUKpJA00JG+7eXyq4P+z/HsjC4yMYOXNdJgyDuw0GmsUKOwWMWJW0YBkLdQz8SKHCi1qNO0RpiQdo+X+aj+HcTFpzlbumIZSSUMAxJ3/UVR4jht6wzrdtskwAT7LbnQ7H41CcSX8eXxN08v9Khp9y5az8mgxosd29sXknTLIeTCgclMVP2HdVdreYGQTpPkPtACst3rZ87bk/yp1rDOc7KRGVjGmsQTvRtxVmLnk9RxXDmKtAVpJ3dPh7RqkvWWiM4BVdFAkTJklgNBsd6x4x1xk8JVdQCNJ2M8oirrhaY27ZYYS0HglH9gRK6RJG+tChXcNxS9qccLptqAYQHNPUmCBHLSry1w+4cIt13nM3hA5AzIIjeaosVwq6l2yt4BXL+NdBlCkHWNNq3AgYRRbkjQKOeubeKbo0j+FkWBVRb0gzrsKzvaTCk2jd2ZWUgRyG8nnsDRve30Uj9mvRqPYPn76nwTHEv3WXQKGIII9kgMDI01IqMxfAYZlr2LQS9uCA1vQDSSizHP2poXjF4M5YT4vWtHi+xN21fVlVMkKxUXF8LejHUc/jQHGOzF4ORaysp1k3LQg/d1ea0UVdkOT4Kaw/7pz9qVj015VGl7Q1d4Xgl9bLJ+zqWJUh+8tkiNxo/6k0OOzeKzPFhgoEkkqF9QSYPupxVNjlJOjmVf2S2YGc3X15wFHP1p/D8OzzB2E0Dass+RFDFiXAWNNgRl8959BWm4Rw25bnOjLmgajlrO3u+NRGDSf5scpJtECPDC2R4goYyevlHl1qVHCkDw6zE5tY99ScQ4WzPnW9k0UbHkIJ36zUV3hVxgk4hQVnxkEaGNzOkdavprwZuWaJMTcgE5ZidmI2E9D0qvtceVjlKlT7iKuMNwvwMjYyywIMe1IlSvTbWqTF9lWtjMt+y8R7LMCPium1J6cRqTLbD8Va0wdQCRsTrHLb0NabDdt8Rpqn9gVk7fDW7sBmAMDU77DXSamWxlXRgYG3XnWT0x2H8QxxvXGuOtss2pOQdIpVQPjBO495FKimPcaPs0+OUMXR2lrY/eOFyiGLsu88tPSpuNYXFYi26Mi93Las8nQSrga6yNvOs3wPtbk71z3ZuuAFVc8k5yzBtIEAnnPKrbH9s7T5VtIXIMsHQjwwQcskeKSvumtWyKMhhsAyq1s/0oA9kyMpDSOvT304dn+rH+yPxauqzZgc40nn16UR42HtH3A1G5mu1ENvs+PvN/h/nQfG+EiyqMpJkkGTPKRyHnV/heBX2AIIAO2ZlH1M1O/ZG48Z8TbAGsZg3l+daRjNkOUEZnDcJDorZyF3Y6eFV1c76kKDGm8Vs+E9prxtKlphZtoIVEVdBykmST1PMzUWH7I21VlOMWGEaEDmCdNQZjnRNnszYQaYpY5/vI29BWii1yZyknwEf75xB1OIuH3x9KlGPu7nEXT/3t+dQWuAWLYzXcRlG4BMmPOR+VQkWWYCzibdwEwJcIZ6a6H3UUItuH8cPerae6zC4rQrmSCATIPu+dZK52hvC8Ea4CM5QiCI3AO/WKtmwIW+jkmbBJhAGBJEEEkiOYjWoMRwjCO5uOL0sc2hRRJ6a01ANyK+zx+9cS5aYgNGaMsq2U+JWBJnQzpB8NZkYiCBMATI6H8q9AwnCMID3ndXyxLGcyx4pB0noaDxfCOHqyk2b8swAlxlJ2gj1pOHkLTMpfzi3n8WWJBIMes7Vadkr1l3i7eFoZT4iheTI0ga1bjBgN+4wV4ZdmEMP7LKB8DVmmBxn2bd33So+oqelGSpsG/gkdcKSg7+4cq5ZXC3CCJkDTpJFWvDeMph0dbC3bxImTYuWwh2Cwy+LUkyD+dCLw3G7d3en72diPhOlVfF8DxQFe6TERzClvjq3ypL08Iuxbrd0ScSxj3GNx8KCx3PcuT05k8gKlXizFQGK5dCA9r6R5R8arbV3HBXS/hr5JDBWC3CQSNAQJBET6fCM9b4rYw75L1jEC4PaClQuojYkEfyq9i5K3OqNfjuNC3bY21QjQNKFQVaQCBm5MPpQ+E4xbw9m5i5DaZAgWD3jfZIgAwAWME6AdapbXbHBeIHD3MrCCGUHnMSLkxMaeVMx3arAMhtHC3MpkwuZdWyz/TfwJ8PWq702Pa9u7t+n7Ffw/AXL2a7eF1mdix3UnqTpr/KjV4FP9Hd/tvQbcb4bkIXBXS8AAkwAesd4RvrEa1V8SxVlicthlPncJieW1S0xpmjPZ8R/y7nvd6ms4Zkw2JRM6EKLwkne37UeqFp/qis9gMBZuAHvMnmRMHoY1oy1h8RY/fWgXsy9rvDIUyCpG8jSazeoov3NZwv4Nem5L2rjks8HxhruHJ/cLcRwCBYADKR95EMEkRpvVjwvDY7NnbCylwAwRk7uCVyquhVjqY8xqKxWGtZgyZ8ucxImNGDAjaIjn51e2cOyBB3shY1LrtPPX5VcIvOTObTpJZNyHL5lGDDQI3G+/wD1JO9U+IlCFe1dtkAEnwkMJ9nWY25VQYzEeJsrCOXiWJ6gZtPhQt/Ek23D3ArwGUggHMD5fwlqhtxV88eV9BszX8Mt+IYtFzG0pldTLSI56ZRtvp0pmFwh8bi+LinwwoJAJZD4jsIkD/urIWeKvrmObSNcxjUa7jX1mtLw3vFsxbuOg00Vm1J1MmdgIEbb6U6bbrCHiKV5bLvHYZ5JBYDXQHTaOvSjWMoB5a1nCNIuXvH/AB3GPyLUsYlpVUgEzMsrMfdA1HWnS8me9+CrxfBrxdoE6/dP4LSqfHK1tyovsoEaZjpIB6+ddqqj5Dc/BcHA4W4wLXGZjGpXxHpqRVdcfD2j4kY9MuUQD5kfhXcLdlk9Z+Gv4VVPL3mSdwd+oWR6a1ckhRsubeMtsCUswBze8AfcAlRpx22kzaaRvluBjHkCuo9/KspjboD6D/sPKDETOtN/aQrDwZZ8/wBGsrp4RdXg3+E41bvyEYyN1Oh9RBhh6Gpb96dqwISCHTMrTmBB/X6Nbfsky4tHkW0e0Mzh3dfDzuA5ojr0+FarXpZMnoZwGYMaEkTEfOnIitdRY5lz6KJ+ulWNrg6lGuWzbuKoJJt380aTyJoFbi2sua06vdBRTmDA6gkDmDsdaiWumqTLh6eV3RnuO8Tm4VnXl0MyNfgPiagwvZrGOcyYZyja6LCn41q8DwO0lwXGYd594nRI18H8Wu/w87q+rBM5ckcg7klvd+FXDRfcieok8GXwfY7iOXVdwIzPBGkQY3FWVvsRiYEkAxr+8NHlkKy2bN0WAB+Zok3VTdRECMyIT8etabKJ3eSuXsTiIjPr/wDsP51IOw9+Ae8YOOYc7+WsiiktqohVDBtyy5iP6smKgxFo/wDLshYjVmUBx5gnnU47NDydbsjjP/c3h/8A3P4tVDa4djWL57922FDRnvt4ipWJgkkNrppsdadxLF3basUv5Xt7jvSraAGVGeHHXSrrtVhjcsPoDKyPUagH31nKnguNopeG47F2dRiLYOoCm6HJPMDMYOkab60uJduMYi+K4vn4II68+VYlLKIBJBtXNwfsHk31BjlNMv4l4azdmR7J9/syd9Nj/Kix7cmjvdoMSbwz4hnU+EgaBSR+EgzVJi+J3GbLfY3I0Gfx+7Xb3VVW8QZBJkaAjnAGnwq44rg87EwdQGB157j1maSwNojtNbectlSBodBv8Kkuomv/AKflvlFR8MwzI4JdkDaPpHOJ1EVZ4d2LEOIClYYH2hmhpBJ0jpFWmmS20U1pQHBFsAiIMD8tKDxtnxtA/USPpWlx+LTXKsfCs9j8eHKjIigCDkkFvNpJ15VOp7ZJVz9GulFShKTfFY82V1y3uRt56H9flVkOJkYdbQvXMobMLeuQb6xMTPlTf20QFVFJEiSIOvWDrHKgMZfLEyc2u53/AFNYzjGVWvk1hOUE6fwSXMeTGkZZ1A1JMHUjcA7DlTjeZtogk7kTvQOUjlROHc2yYa1ryeSR8qrhYIcr5OFD+j/Oj8PxI27b2hbtMLhWWZQXEHTIx1Tzig77NcAl7Kx0JH4GhLtvKR4lb+qZ+oqZQU17kVDUcPwst7eJYMGBIEQfCCCB1J0EVcXbqW7htm6TlIl0JynSZHhn5VUYDFZbDnY5hE9NBP1oR8dP3fh/KtYScZXePH7f4MpxjKNVnyWhw/earOWSCTzjzihb+GCEBlgnWdPyoFsZy0HuprYudyPgK162eDHo45Crl4A/aPv/AJUqEGLP8Py/KlT6/wAD6KPRrHBHsg3LzKIDADNOpEViOIDMzwRqTB5b6VrH4g9y5mf2ZYcpAgjSdPf51jsXo7ev11rjjrylqOLWPJ6ep6PT09BaimnLuvFki8MciSV05lo+HWunhTMNbtuf6/8AKhUYnT61YYfAAjxsQegjT31qcJ21w487yegYn8KjyNbuZkuLEFTvBB0KnTmKLfCr7NsEsYALEbmp+9ySrW1DDQ7H4EaVCnBy23k1ehqRhvadeQvgGGTu3WxeIv3Aq5XhBowMKdQxOwkjfatlwpMQtgreuFwGltBlRtsgIG+viPU5dgc1b2MwQZWxDW10OW3oFgxBcHkQTAPUVfPggRGR8vIC6Y+EUdDSc1OatrjHAn6nUWk9KPDdskPdnLmxLBlEiChVegB112mh7OKUuBfuPdXkE1121Bj5UbazroEYAACMynQeqfOo8RaZypK3AV2y3Av0StY6s7p8f98HPOEHwcuiwcxVGAGkO+UzzgD865hLVpw4CRECTnfWN9tKkS5cWFHeacs6k+uqTvzpji4c0994t4uxMCOSdKtarE4R7P6QLg+IMrZEObXuwG0Gv29VgAba1b2MM7ZkVpuAKSSUIEzoCAef4daAXDkf0b/2x/krgsOpJXvlnfLdgf8AxolKL4FFO8mR7SYacrBkkO+dM0sWJy6eEaSNq2nFL2mQ/ZMe6q7/AHJbkMyu2Vs0O5aTObXQHeuYzEZiSdyday/MqKfcyfGltM722DAFZ0A9oaEj/CfjQFm7auYYreADroH0nbwyeemnuNXPF+Gd66uLmSNDpM/MfqKETgaLmDu7ZgNgF2MgjU/o0ix3Cu0llbOW8gNxCFBUAZ12Vuk9fSaNtcdtNOW2JjZgKom4PY8TKzFlMEFh7wfDvBofi9lbFrvLXtHwmTMA6zHnEUDovMRxifsgegqsxGJ7zLbJylnAVpjKT5nYUN34IBJnSYH57VX8SxAIXQCGneZjrRYUWOP4ObYJOIB8g6k/I1nZ1O8edLEcSL/ZA8htQy3KtysEq4JrbQD76je5tG/P41y4JOgNH4fDoQJXXnUjA7il4gctatsPhbZAzL4uZ6mpbOHUbCiktigLIF4da+5Ug4Xa+4KJVRUgoECYnBSjKoEkRVVY4bdXUKs+esemlaIEV3MKkZnLmDvHUpbPnAmozgrv3LfwFafOOlDGZ1jy/U0rKM2cDc+4vwFdrSEGuUWLBBxB7RuQ20kAzJHkx5jz+M71XX8oOXKZrl9Cw5T+t6ZZuxCttsD0PQ+VNRSDqzcdt48A9zE5WgAH1qzTiAYBiY6iKr7mCeGYjbf471HaGlME8UW54kOrH4D6UPex2Yzl+p+tCAV2p2q7L6ktu3sbjsxiMdeQ2rBHdos5StuAN58Q1kzUB7R3VbS4mx1yWRrt9z1+NDYPhzWhKcRS2SBK5riMJHsmKFPZ1TtjcKPV21/w1lDrKb3NV28/qbzfpWltUi6s9rsSAALqgDYAW49B4aSducR/1v8AAn+WqT/hk8sbhP70/wCWnJ2XcbYvCf33/jW6fk5ZKH9Nlsvay6Lhud742UKTlXYGQPZohe2WIP8AT/4U/wAtUR7LXT/9zhf77/xpf8JXv/cYX++/8aNyJSyaNe1WJ/63yt/5a7a7T4osR3/SPDa3P/b6Vnh2SvR/9Rhf7/8A8aYvZy7bYN3+HkGQVvTBGs+zWbcqxR0RWjeb+jQcd4xxGyssWVW2Y20APPTw60Pw7iz3LKO2rEGTtJBImoeKpjcQo77GWXA2BvKI9wUUDg3SzbW21xCwmcpkasTp13rP071tv/tV/F19j11oUuld97/0WOMfvFKN7LaGuNdgRJgCAKbjuM2LNlT7ZeYC7+c9IocOuUMWABE61ucwnbfzoDi94CzkgTccKCdIgTPx0p97iNsbSx8hVJxnFlyoiAJ0nr/pQgFdxZA8hQ9r94YqBbRNF4fCwaYx44T/ABU5eE/xUXZtmiUWmIFt4ACiEw8VNlqSKAI1t09Vrs+ddoA5NOmlA60iKLA7NdzUyKVSM61NMU0mo2NSMflXpSob4V2mMhQZzC5p8jP5VFxfBlFBM7jcQa0tmzbt/wBJr5Lr6SW291MxmGs3IFx2YTMZl6RyGnxrRtGCUrMumKdoUSVAgiJnTnXcPZuXWFq1azuZICjxGBJ20OlW+Mwlm2RkXQjWSTXbDopzIArfeG499RZpRQYuzctNlu2nQ9HBX4daZbxXLKB5ityvGGuLkvxdT+LUj41S4jhCK3g1U6j06UWMBS8fvn3j+dXlntRdVVX90QAAJtDlp1rP4gW1JDMwI8qaHtffb+zSavkqMnHg0jdqLh07nDnQ693H4mrbBYK7bVSTYllVvFakwVNyfa909R61iLNy3Phck/1Sa0y9ubqqFK2dAFk2mkwIE+LeIqXDFIpzt2y0x/Z66zFi9sEqrQtsgAHT73pPrVRxPhbWkD5rb+LKQFIgwSdZ12I9Qa7/AMdXP/wnYa23O227cqC4p2nN9QrNaUAg+C2w2GUTqeVJRl5E2gMX+uUH0/nUZvfxL/Z/nQblD/S/I0xAvO4PcDWiRNk2JvGPaHuFAmTzqa8q8nB9xoePOmIjuCrVgo319aq52PTWnftHXWgA25io20oW343HmaixN3NGkR0qXh5hgY2oAtbeDopLEUy1emiEamBxUqQJXQa6KBHAK7lpwSnhaVoZHkpGpKQ9KQDAPKuGpAaVIYzJ5j41EwqauUgBmPrULvHKjSKFxLgaUDBGelTDcX9A/lSosY6xiCygnepBdpUqZI2680lauUqBnGxWVS3SlwnizM4Vtjt5UqVC4FLkk7Spoh8yPofwqjS+V250qVUJFzwNwtssdyT8tPzruMxqmZUH1FKlVCKi9dU7KBQ5alSpDFNcmlSpAKacKVKmBJ9k01LU0qVIAq1Yo2zZpUqBhlu3U6iu0qBEiinhvM12lSAeoJpFaVKkMWWnZNaVKgEjpWmEEc6VKkMUU1hSpUgIGuxvQNxgZkn4UqVCGQk+dKlSphR//9k="/>
-          <p:cNvSpPr>
-            <a:spLocks noChangeAspect="1" noChangeArrowheads="1"/>
-          </p:cNvSpPr>
-          <p:nvPr/>
-        </p:nvSpPr>
-        <p:spPr bwMode="auto">
-          <a:xfrm>
-            <a:off x="4498975" y="-144463"/>
-            <a:ext cx="304800" cy="304801"/>
-          </a:xfrm>
-          <a:prstGeom prst="rect">
-            <a:avLst/>
-          </a:prstGeom>
-          <a:noFill/>
-          <a:ln w="9525">
-            <a:noFill/>
-            <a:miter lim="800000"/>
-            <a:headEnd/>
-            <a:tailEnd/>
-          </a:ln>
-        </p:spPr>
-        <p:txBody>
-          <a:bodyPr/>
-          <a:lstStyle/>
-          <a:p>
-            <a:endParaRPr lang="en-US" dirty="0"/>
-          </a:p>
-        </p:txBody>
-      </p:sp>
-      <p:sp>
-        <p:nvSpPr>
-          <p:cNvPr id="9222" name="AutoShape 4" descr="data:image/jpeg;base64,/9j/4AAQSkZJRgABAQAAAQABAAD/2wCEAAkGBxQTEhQUExIWFhQXGRcYGRgXGBoaGRccGhgcFxoXGB0dHCggGR0lGxoYITEhJSkrLi4uFx8zODMsNygtLisBCgoKDg0OGxAQGywkHyQsLCwsLCwsLCwsLCwsLCwsLCwsLCwsLCwsLCwsLCwsLCwsLCwsLCwsLCwsLCwsLCwsLP/AABEIALcBEwMBIgACEQEDEQH/xAAcAAABBQEBAQAAAAAAAAAAAAAEAAIDBQYBBwj/xABIEAACAQIEAwUFBQQHBwMFAAABAhEAAwQSITEFQVEGEyJhcTKBkaGxQlLB0fAUI2LhQ3KSk6LS8QcVFjNTguIkVLI0RGNzg//EABkBAAMBAQEAAAAAAAAAAAAAAAABAgMEBf/EAC0RAAICAQMDBAAFBQEAAAAAAAABAhEhAxIxE0FRBCJhoTJxgbHRQlKRwfAj/9oADAMBAAIRAxEAPwDziIOpEDkN/dSuMWbLB157ev4V2YbTUncbeQorGYcWwjkSSdRGwOxB6fmKkkig+yANuvymnYORv/p/OmJe1/U7HlT0M8/jpympYBi6CZ9DrP8ArUCyRJOkn302dIOnkfnUtpSdABqQNeXKfLelQI4tkmSuuX7O/qR6aU+zPTX9TTrAJbKHUGQNYiOuulSNhyGygEsdQTIkdR668uVPsFj8oAn9CmKhJnN8qgxrnQAHq2+mux6bGus5MRzaBqfF/VnUr50bXQ0wsKPsk+e5oiydJ6/ragLF0ztOsc6sEvoVWAc07cvcfWoZRGwMnXX6eVSpbcjRSeZMRtUbJrI+H4U/9oIFFk15JMrLEyJ+OlabgNu05kXTauKBq8Mp3kQRBrLo5InlR9lAqgk6kiAOY5/Ch2NKj1PgOOvOSrG2yrHjQ6GdvCdQdOpHlWgrD9hluLmyrmU5ZM7b7THwrcVrHgLyKlSpVQCrldpUAMMDX3etQraGrRldhqdz5eWnTapbtkNv8t46T0NdCiTpv86dktWA2sMFDF2Y5idzyMDYeGY+FUHcXjcKs1x0DSqgsvhiZZjGuUqMoJgmWrWuDpH68qDslvFnUEKZVlGrTM6ciNvPeqTM5RKY21tWlOqkBtL7ELAkgEoSJ3jfSa5wm+914Yd0Agym2QQQdSMxGp9kyAB68rS/wy1dLZ2ZjoSCSI0MSBHInQ0ctoAjeAIHyqrIoqb+FcKwdwRlMwDPqTuPn6xWdxfCiCq94IbQlPCJPiImN8o0JgiSNzW3azPmep/XyqrtlbguKNR4gByI2nnI3Hnr507CjNJEOtizcMyC8EvHhGZiTm0htwY5A6CsDx/g7W0uXLpD5nA8EAW31hbgkeIAHwjqZ8vbeE8MSymRBpJJJ1LEnQk/hWJ7e9jGxAtjDXAFV/3ludELj2wBrPlv4yaTLRiuzOHswWS9kYLGdwogn2mGsqAGA5zrpT+ONYXwWme7dhvGUVhAEkKRoTLHUhvwq87QcPTh+GWyozMZJuKMpzbmPaKj2dJ66iTWBW7cb7RPIRJc+SmDB1ncbioeMDXkgxGNAZh3doanRg0zznXrSrTYPtVhVRQvDbZAESxBJ8ySJmlSpFGWw95pY6Q3XXQa/SanvFmXQk6ncyZ0nn5CgrKgwRvrv+Ao0YYESCZ0ED5n9daybGVtq6VkkAHWSdRUlvEk+0SSQACeijKPgABTMdoxWNYGvqJiuKgO06aaCYnYE7Cr7DLHG4hCbarIIENJ0JzZtOnT3VO4y6EySNeUHcjz+VQYfDbgAz7JkZvX3j1FTWnZYJggGAGnTfcTMGZipbAmt3oNt1VcyRuJBjeQf1v1qQ465cul5CsWWAo2PKNf18KEW0d9Pdr8aKwWFNxwqCSRtqcxGoQdCeuw51N9hUclFu3mZgctpwpMhs7KFBUAmTnO3QzRVhHt2+5RWFxgS7AKIPtFAYzHLENroVIEa1XX8r386szpmSSiwTsTlk+1uJPMVqe2/ELTpZXDGUCATADaFpUGPFHM6DfUma07AZS7ipkQupU7aAlRp8DRSBRGuvofz/Co8BZtmCzFrheMoXOQoGrACSx2idBFXB4fnQOzC2kAqlsSTIGpJ3aImNPxiVGlWCBSdtKaggwdxUKvsNxyPl7qLa6QuhEGJkfj+tqy7mZ3DN4gDOUkeenMR5VqbeCRcssCJhZUjQ7iAwG2u2tZ9cC7EKgluUMB8uWlaLh+CzStxTI5E+4QGqjWJpuzHDwtyQ0plJkaagiPqa2VZHsbgCsqSSNSAZGkjz0rXdauEuxLWbO0qVKtBCpVEbWclZIiDKmD1rqtJOmxj1+dZy1YxdMai2SUq5+v1rXaqMlJWgaoD4jIGYFoUGVUauTAGsSADrp+FOtW+7QLLPGksZJ9TzoquVdk1mxogAbAUxbssBHLXXbp9DUj/GuIsUImS4IcSTERvpOmk6fr1rtmyFEDpz+Q0ipmWaSjrVXgjbkgLlVJyzEwF3Mbe+qLi3CnN0YhbncqBLjcv/W+yPs7zGXzNaS2ulMxN5UUs7BVESzEADWBvpvReQr2niPa/jH7QpgM/dqQGAMe1lZ8xHsaR6tE6CsvhrrkqhRWgaJIGYD94ZIIEaH0nqa3nbPFWLK3sIgUBipF0HMQS8urk+IksNxMCB6eaYpwCAm45+fkI2pS5HEcLCneJ5+E79PaFKgTcPMma5UF0OSZAnY1oLV9GtsdVYAkg84ExG3X5VnVssSROsgVMbceEiW2BB+tS1ZQ61hzddyxjwNc1PIDwj1OmlXF2yqqcPmUiCyMvNiJCn+OTl15VVYO7lZlcZTEfKAtabhnDUdwCc4Agg6A9ZP62pSlRSRXcHxds2oKTcktmPQRPrz+VC8TuKdUDbGSGkGOg6AeZoruHt3buCtqpW4y3FZ9WsgCWKtv7Ijzjzqe4VTJbaBlF6y/MHMvtLG+ZY+dLvYiK/hHstD2yoOoEyB6N9oTPxpjOcpgwwJg9dD589vjVrwrEliTcuCbgynOAd9DEggaFifOKpbrBr3cqZOYrm20BkEedJck1kMvondYVAVRTn7xoHeZlLM/2o2ygTG4qXhid81qzlYXUBzGfEQDlVEG8AfDU+ovafBtbvWwysEJhcwCzBCsSNp5E6bCrM3Bh3x6Nlz2yj27itrbfQAIRqZzRG0AztWjdoaRN2fvNZtXnNsSLpglJ2hck8tdN6HXE5wq5QbajVsoAJ1AA+8oPPnlFCdnMM+KJtM8WxLkkwFLRLMRqdAYWfqauLFoW1zEKwggAE7QR3kTpPKs2qZVlVdjaddPIfryoiwrsVU6SdPrt8NasbvD37tXW2QF13kydOkeUE86t24K93KRqo+yBEayTOaAJJ2J+dImjMYiyQ7ySDm3O/xq84FcgDKzFp1EZt/XlQHErah2VrgzgmQZn3zz9KM7NxmgNOvWDHP1pN4NEb3hl28zIbJWYObPI00HJWkzWjOLCJmuEE6TE7+sDy10rI2MYbSgwx32OsGNdNxVjj7Fx8OrFs0gQM2pmNPPn1qeAYXie0iDUAxzJ89hp1ozh/FluNljK2+pGo6jn8qwWIHdrrCtM+JtTAiYmN/rVhwMuueQpzKfaYAyPFqeQrRzdEJG3N5bOZ7txQpO5MR0HnVSONYfMf8A1CZhzGaIJ0AOxrz/ALQ8aN9wG0CADKGJWebbwSfpVRcxGp8O/Qae6s3FPLHuaPb8PiEcHI6vG5Ugx8KlNeF2seeRI+W1XXCe1WIsjwsGTmr6/CdR7jWkHtVUS3Z6ldxiK4RnAYiQDpImNDt7qIrC2+2tm4y95ZI0jMrTEzsOY9fOtxajKsbQIHlFXGVgJjpvFNQanU68qT2gf1t6V1EitCXdj6Q89aVcApClV5O1Hftqw8QBHQiR61LHWmxoZppWTKaqj537Z8YS7euC3aCg3GYuTmd2P8UaJGyj3zWTY+evzr0T/aJg7K3pUEnWQSIHOYHXWsJiF5gCk8OikBk+dKmvuaVAw67YyFTIAYBgTsSpPzINdtXmZw5tl9IgaD9fnQl7FZrSrEwNyddOnSrjgt1UtidswJEesx7oqHhFrkbxNS6Ibtp7IhijxmU8wJGoE6e+rDsli1ulbWovHYzAYRqRr7XlV9g8QG/Z0LD/AJbe17MEqSp9QI51l+LcPEtfsfu3Qhso0Ezuh5GeVRaaplcZDreBL8RVFnMEf1MSI0qt4mmbEEDUKxTN1KjbzgyKZheOMmI/bAsZVZP+82mH/wAtau3wAs4cx7dpVfN/HkRnmeRJYe+m8C5KqzOXKPvbj3aTy1oaxgme7oTmkkEbgjXQzuImrXAFFu3ELLkYpc1j78so10Jg/KgrLzcfL/1SB0ALFY+mvlRlcCoh4jfe4tkMTsx15nNr9KBS1DFW9kEEgcxvHzj31oOMYPJjQhPhVgyiZgFTcf8AxfWq0BTiwGOmdV2/hjb1FVGWB0WPBu8K3QrMoLSyidZBMkc4BI99T3A+mWQPFy1MRJNX3BbAt4oSPDft5l9VaI/skVc38OsWxsP3/Lyn8Kxc8lqODGNaxGXUvlPUbg+70o3DXcTZEq7AeUgaiDA01jSvRRhVgCB5VQ38VbZxEn94wHmRmkDzGYUt9hsozLYPOjXGIzkg/Ej86tuzFrcZQYM+m21CY3jdsObJtuTmy6ZYaSI13HrV12aFtmuG2txMrAEORII3AidNabfYZ3i+LbIGBZSrMNCQBy5elVHEMddche9zBTpJMVoOOlbKgm7kzMYJEiSCYgCs+2BR1DKS0sQXHsyToBMa+tFWQyLHXxI07wwVg5gNonf7Jg+6g8Xi3+9IHlE029fgx0OkbnX8aZi78ObbEAiP9DRYSVHQSdcunWuviY/OdKHbEx6fKmXryEb/AIULJDHXr2bw5uf4bmmrpHXqD8zQ2EfNy2Ma68/yqS+B9nX5EfnWnGCaDFuHpp5VruAdrrlrKr5mAAGrEiB5HyrDWr2m9E2b8UZQHt2A7QWLpUK8M2ykEH0PKiLsi4WzNlUCVEkGdNAOded9h+L/ALzu3QOGGmoBUgzpPKvRr8qxOYDMUAn+tqPfPzqt2B07CSSGAI3kiASNI3MQDrTzXVpp05j0pKSumKS7iyzXXGkCkgihcfbL22VSQSIkbj0rpUaOaUtzPIO3+CCAj2rpaXIk7A6c405SPSvPb7RXo/a/gl0rKkvEZuknRdzrvy9a83xKanykVnNZOiJDlpVEbc8zSqaGRYd4UzRVh+a++q7OZ050bhGMEfo0MZcYS8xIltADGpgTE+/ai7yrllSANiJ/Df8A1qssPvl3gz6aV23iNY2P661k0Fg922ugGxYGPfr8q0d3iIdGz6hzqDudAPwrK42+Q0DSNfWjeH4kXAF+1qT9dqprFjiw/hrJ3ql9YTK39YNHLy1oJwBevwfCzmOoGbOPwp+Yq3kTHlpH8q5cSfETSBsO4hiTcv8AfEmcoHT7OX6Gq3HtLO3NmVvQzyqVWkHX0qO8k6NoR7oojgLZr+L4s9zYugw6EOo8oiN9J008ql/327C3n8AAua6wZQ++T186y9jik2e6MQBp+c71aYFpQRPLYjpUqHY1j7nRprXHWYADVtSBPPcRBideZ50Wb3eC3FsIyhrmusEyCQBodT97nWcNuNm+Bq67PWGNxvHni20gEnpO45U5aaSuzVwpXZV3sCCe9Y6i4smAANRr5Va9lrqnvhI0ct5biD03HKs1xTi95HYIiG3ykTpHPWKuex+M7wOzogExCJExBBMetRs92/4oz3Y2lp2xtqbJGYaMG35xrHzrJ8P4S7pnVjBJG55c61vHbtsLrtmOYZZkweXrzoDAYq0Vyi53ZMABUYjpGsx8a0gZyKjgmERzdW6SCggDmZIgjmTvVbiLQzMpnvQzCAJkKcoO/hkgyPIVacb/AHF6xcFwHvEe2W2AAIYH3TVZZVwWvCYJYoSBLAtqzefl0p1Qhn7PHtSPdUeIK5jlOYCNQCPXere0xbxeJj/EJ1j31S8QMFwTDmIERptP1oWRCRteQFNVzmMt8KbZsyFy6ltI6HaNaZdtwWUgBhE6/lRi6FWCWTyqUXNKEW5rXWeflRQIs8NiSpBBIPvrVYftTeZQGuGQVMnUkg5gSTzmsQl8TvRWHv661Mo2UehDtCCCXGZiB4iAdQZnSOVaXgvHLbZgb6wuWM3M84J1+teVpiSOWnnR+D4qyRkaBM7D5zvWSbTKfg9nLUG3EEmNSfT3c6xOG7ZXBlzBSByAjT0GlXWD7R4a4yq5CHf2jlnkJOgrqevj2nPHQ/uJuMYUX7ZyxBMmVB5Rp585ryPtJ2Ve0hddVDHNIgrqYmvWLmOsM5t23Vo5R9NBPup/FuzoxFhlBz5iGMnUDaATt9ql1k+TTp1wfOjJrSrTcb7PtbvundZIIhSSSAQCJ0PIjnSov5CmYi4kURhWMelSthyRopPoDXHwzLupE9QRVtAiYXNDO5Gm3UU1Ubp8YrtiwSrsBooBPlLAVEaFERzEISNeXpSwVzKTl3iK6OdRSQaGuw0w8XydwZnz+NON+BBMeVDo/nReG4TiL5Hc2blzl4VJHvOw+NLYKx6KWEx7/jTLzXGv5GBN1yFht5aCPlHxrTcH7D44kd5YKrzl0HyzU1/9mnEC5eLYMyCbuv0oUMjtAHaTgty1kc2cigAMQSQ3IE6nXy0qXCYg5AxUKpJA00JG+7eXyq4P+z/HsjC4yMYOXNdJgyDuw0GmsUKOwWMWJW0YBkLdQz8SKHCi1qNO0RpiQdo+X+aj+HcTFpzlbumIZSSUMAxJ3/UVR4jht6wzrdtskwAT7LbnQ7H41CcSX8eXxN08v9Khp9y5az8mgxosd29sXknTLIeTCgclMVP2HdVdreYGQTpPkPtACst3rZ87bk/yp1rDOc7KRGVjGmsQTvRtxVmLnk9RxXDmKtAVpJ3dPh7RqkvWWiM4BVdFAkTJklgNBsd6x4x1xk8JVdQCNJ2M8oirrhaY27ZYYS0HglH9gRK6RJG+tChXcNxS9qccLptqAYQHNPUmCBHLSry1w+4cIt13nM3hA5AzIIjeaosVwq6l2yt4BXL+NdBlCkHWNNq3AgYRRbkjQKOeubeKbo0j+FkWBVRb0gzrsKzvaTCk2jd2ZWUgRyG8nnsDRve30Uj9mvRqPYPn76nwTHEv3WXQKGIII9kgMDI01IqMxfAYZlr2LQS9uCA1vQDSSizHP2poXjF4M5YT4vWtHi+xN21fVlVMkKxUXF8LejHUc/jQHGOzF4ORaysp1k3LQg/d1ea0UVdkOT4Kaw/7pz9qVj015VGl7Q1d4Xgl9bLJ+zqWJUh+8tkiNxo/6k0OOzeKzPFhgoEkkqF9QSYPupxVNjlJOjmVf2S2YGc3X15wFHP1p/D8OzzB2E0Dass+RFDFiXAWNNgRl8959BWm4Rw25bnOjLmgajlrO3u+NRGDSf5scpJtECPDC2R4goYyevlHl1qVHCkDw6zE5tY99ScQ4WzPnW9k0UbHkIJ36zUV3hVxgk4hQVnxkEaGNzOkdavprwZuWaJMTcgE5ZidmI2E9D0qvtceVjlKlT7iKuMNwvwMjYyywIMe1IlSvTbWqTF9lWtjMt+y8R7LMCPium1J6cRqTLbD8Va0wdQCRsTrHLb0NabDdt8Rpqn9gVk7fDW7sBmAMDU77DXSamWxlXRgYG3XnWT0x2H8QxxvXGuOtss2pOQdIpVQPjBO495FKimPcaPs0+OUMXR2lrY/eOFyiGLsu88tPSpuNYXFYi26Mi93Las8nQSrga6yNvOs3wPtbk71z3ZuuAFVc8k5yzBtIEAnnPKrbH9s7T5VtIXIMsHQjwwQcskeKSvumtWyKMhhsAyq1s/0oA9kyMpDSOvT304dn+rH+yPxauqzZgc40nn16UR42HtH3A1G5mu1ENvs+PvN/h/nQfG+EiyqMpJkkGTPKRyHnV/heBX2AIIAO2ZlH1M1O/ZG48Z8TbAGsZg3l+daRjNkOUEZnDcJDorZyF3Y6eFV1c76kKDGm8Vs+E9prxtKlphZtoIVEVdBykmST1PMzUWH7I21VlOMWGEaEDmCdNQZjnRNnszYQaYpY5/vI29BWii1yZyknwEf75xB1OIuH3x9KlGPu7nEXT/3t+dQWuAWLYzXcRlG4BMmPOR+VQkWWYCzibdwEwJcIZ6a6H3UUItuH8cPerae6zC4rQrmSCATIPu+dZK52hvC8Ea4CM5QiCI3AO/WKtmwIW+jkmbBJhAGBJEEEkiOYjWoMRwjCO5uOL0sc2hRRJ6a01ANyK+zx+9cS5aYgNGaMsq2U+JWBJnQzpB8NZkYiCBMATI6H8q9AwnCMID3ndXyxLGcyx4pB0noaDxfCOHqyk2b8swAlxlJ2gj1pOHkLTMpfzi3n8WWJBIMes7Vadkr1l3i7eFoZT4iheTI0ga1bjBgN+4wV4ZdmEMP7LKB8DVmmBxn2bd33So+oqelGSpsG/gkdcKSg7+4cq5ZXC3CCJkDTpJFWvDeMph0dbC3bxImTYuWwh2Cwy+LUkyD+dCLw3G7d3en72diPhOlVfF8DxQFe6TERzClvjq3ypL08Iuxbrd0ScSxj3GNx8KCx3PcuT05k8gKlXizFQGK5dCA9r6R5R8arbV3HBXS/hr5JDBWC3CQSNAQJBET6fCM9b4rYw75L1jEC4PaClQuojYkEfyq9i5K3OqNfjuNC3bY21QjQNKFQVaQCBm5MPpQ+E4xbw9m5i5DaZAgWD3jfZIgAwAWME6AdapbXbHBeIHD3MrCCGUHnMSLkxMaeVMx3arAMhtHC3MpkwuZdWyz/TfwJ8PWq702Pa9u7t+n7Ffw/AXL2a7eF1mdix3UnqTpr/KjV4FP9Hd/tvQbcb4bkIXBXS8AAkwAesd4RvrEa1V8SxVlicthlPncJieW1S0xpmjPZ8R/y7nvd6ms4Zkw2JRM6EKLwkne37UeqFp/qis9gMBZuAHvMnmRMHoY1oy1h8RY/fWgXsy9rvDIUyCpG8jSazeoov3NZwv4Nem5L2rjks8HxhruHJ/cLcRwCBYADKR95EMEkRpvVjwvDY7NnbCylwAwRk7uCVyquhVjqY8xqKxWGtZgyZ8ucxImNGDAjaIjn51e2cOyBB3shY1LrtPPX5VcIvOTObTpJZNyHL5lGDDQI3G+/wD1JO9U+IlCFe1dtkAEnwkMJ9nWY25VQYzEeJsrCOXiWJ6gZtPhQt/Ek23D3ArwGUggHMD5fwlqhtxV88eV9BszX8Mt+IYtFzG0pldTLSI56ZRtvp0pmFwh8bi+LinwwoJAJZD4jsIkD/urIWeKvrmObSNcxjUa7jX1mtLw3vFsxbuOg00Vm1J1MmdgIEbb6U6bbrCHiKV5bLvHYZ5JBYDXQHTaOvSjWMoB5a1nCNIuXvH/AB3GPyLUsYlpVUgEzMsrMfdA1HWnS8me9+CrxfBrxdoE6/dP4LSqfHK1tyovsoEaZjpIB6+ddqqj5Dc/BcHA4W4wLXGZjGpXxHpqRVdcfD2j4kY9MuUQD5kfhXcLdlk9Z+Gv4VVPL3mSdwd+oWR6a1ckhRsubeMtsCUswBze8AfcAlRpx22kzaaRvluBjHkCuo9/KspjboD6D/sPKDETOtN/aQrDwZZ8/wBGsrp4RdXg3+E41bvyEYyN1Oh9RBhh6Gpb96dqwISCHTMrTmBB/X6Nbfsky4tHkW0e0Mzh3dfDzuA5ojr0+FarXpZMnoZwGYMaEkTEfOnIitdRY5lz6KJ+ulWNrg6lGuWzbuKoJJt380aTyJoFbi2sua06vdBRTmDA6gkDmDsdaiWumqTLh6eV3RnuO8Tm4VnXl0MyNfgPiagwvZrGOcyYZyja6LCn41q8DwO0lwXGYd594nRI18H8Wu/w87q+rBM5ckcg7klvd+FXDRfcieok8GXwfY7iOXVdwIzPBGkQY3FWVvsRiYEkAxr+8NHlkKy2bN0WAB+Zok3VTdRECMyIT8etabKJ3eSuXsTiIjPr/wDsP51IOw9+Ae8YOOYc7+WsiiktqohVDBtyy5iP6smKgxFo/wDLshYjVmUBx5gnnU47NDydbsjjP/c3h/8A3P4tVDa4djWL57922FDRnvt4ipWJgkkNrppsdadxLF3basUv5Xt7jvSraAGVGeHHXSrrtVhjcsPoDKyPUagH31nKnguNopeG47F2dRiLYOoCm6HJPMDMYOkab60uJduMYi+K4vn4II68+VYlLKIBJBtXNwfsHk31BjlNMv4l4azdmR7J9/syd9Nj/Kix7cmjvdoMSbwz4hnU+EgaBSR+EgzVJi+J3GbLfY3I0Gfx+7Xb3VVW8QZBJkaAjnAGnwq44rg87EwdQGB157j1maSwNojtNbectlSBodBv8Kkuomv/AKflvlFR8MwzI4JdkDaPpHOJ1EVZ4d2LEOIClYYH2hmhpBJ0jpFWmmS20U1pQHBFsAiIMD8tKDxtnxtA/USPpWlx+LTXKsfCs9j8eHKjIigCDkkFvNpJ15VOp7ZJVz9GulFShKTfFY82V1y3uRt56H9flVkOJkYdbQvXMobMLeuQb6xMTPlTf20QFVFJEiSIOvWDrHKgMZfLEyc2u53/AFNYzjGVWvk1hOUE6fwSXMeTGkZZ1A1JMHUjcA7DlTjeZtogk7kTvQOUjlROHc2yYa1ryeSR8qrhYIcr5OFD+j/Oj8PxI27b2hbtMLhWWZQXEHTIx1Tzig77NcAl7Kx0JH4GhLtvKR4lb+qZ+oqZQU17kVDUcPwst7eJYMGBIEQfCCCB1J0EVcXbqW7htm6TlIl0JynSZHhn5VUYDFZbDnY5hE9NBP1oR8dP3fh/KtYScZXePH7f4MpxjKNVnyWhw/earOWSCTzjzihb+GCEBlgnWdPyoFsZy0HuprYudyPgK162eDHo45Crl4A/aPv/AJUqEGLP8Py/KlT6/wAD6KPRrHBHsg3LzKIDADNOpEViOIDMzwRqTB5b6VrH4g9y5mf2ZYcpAgjSdPf51jsXo7ev11rjjrylqOLWPJ6ep6PT09BaimnLuvFki8MciSV05lo+HWunhTMNbtuf6/8AKhUYnT61YYfAAjxsQegjT31qcJ21w487yegYn8KjyNbuZkuLEFTvBB0KnTmKLfCr7NsEsYALEbmp+9ySrW1DDQ7H4EaVCnBy23k1ehqRhvadeQvgGGTu3WxeIv3Aq5XhBowMKdQxOwkjfatlwpMQtgreuFwGltBlRtsgIG+viPU5dgc1b2MwQZWxDW10OW3oFgxBcHkQTAPUVfPggRGR8vIC6Y+EUdDSc1OatrjHAn6nUWk9KPDdskPdnLmxLBlEiChVegB112mh7OKUuBfuPdXkE1121Bj5UbazroEYAACMynQeqfOo8RaZypK3AV2y3Av0StY6s7p8f98HPOEHwcuiwcxVGAGkO+UzzgD865hLVpw4CRECTnfWN9tKkS5cWFHeacs6k+uqTvzpji4c0994t4uxMCOSdKtarE4R7P6QLg+IMrZEObXuwG0Gv29VgAba1b2MM7ZkVpuAKSSUIEzoCAef4daAXDkf0b/2x/krgsOpJXvlnfLdgf8AxolKL4FFO8mR7SYacrBkkO+dM0sWJy6eEaSNq2nFL2mQ/ZMe6q7/AHJbkMyu2Vs0O5aTObXQHeuYzEZiSdyday/MqKfcyfGltM722DAFZ0A9oaEj/CfjQFm7auYYreADroH0nbwyeemnuNXPF+Gd66uLmSNDpM/MfqKETgaLmDu7ZgNgF2MgjU/o0ix3Cu0llbOW8gNxCFBUAZ12Vuk9fSaNtcdtNOW2JjZgKom4PY8TKzFlMEFh7wfDvBofi9lbFrvLXtHwmTMA6zHnEUDovMRxifsgegqsxGJ7zLbJylnAVpjKT5nYUN34IBJnSYH57VX8SxAIXQCGneZjrRYUWOP4ObYJOIB8g6k/I1nZ1O8edLEcSL/ZA8htQy3KtysEq4JrbQD76je5tG/P41y4JOgNH4fDoQJXXnUjA7il4gctatsPhbZAzL4uZ6mpbOHUbCiktigLIF4da+5Ug4Xa+4KJVRUgoECYnBSjKoEkRVVY4bdXUKs+esemlaIEV3MKkZnLmDvHUpbPnAmozgrv3LfwFafOOlDGZ1jy/U0rKM2cDc+4vwFdrSEGuUWLBBxB7RuQ20kAzJHkx5jz+M71XX8oOXKZrl9Cw5T+t6ZZuxCttsD0PQ+VNRSDqzcdt48A9zE5WgAH1qzTiAYBiY6iKr7mCeGYjbf471HaGlME8UW54kOrH4D6UPex2Yzl+p+tCAV2p2q7L6ktu3sbjsxiMdeQ2rBHdos5StuAN58Q1kzUB7R3VbS4mx1yWRrt9z1+NDYPhzWhKcRS2SBK5riMJHsmKFPZ1TtjcKPV21/w1lDrKb3NV28/qbzfpWltUi6s9rsSAALqgDYAW49B4aSducR/1v8AAn+WqT/hk8sbhP70/wCWnJ2XcbYvCf33/jW6fk5ZKH9Nlsvay6Lhud742UKTlXYGQPZohe2WIP8AT/4U/wAtUR7LXT/9zhf77/xpf8JXv/cYX++/8aNyJSyaNe1WJ/63yt/5a7a7T4osR3/SPDa3P/b6Vnh2SvR/9Rhf7/8A8aYvZy7bYN3+HkGQVvTBGs+zWbcqxR0RWjeb+jQcd4xxGyssWVW2Y20APPTw60Pw7iz3LKO2rEGTtJBImoeKpjcQo77GWXA2BvKI9wUUDg3SzbW21xCwmcpkasTp13rP071tv/tV/F19j11oUuld97/0WOMfvFKN7LaGuNdgRJgCAKbjuM2LNlT7ZeYC7+c9IocOuUMWABE61ucwnbfzoDi94CzkgTccKCdIgTPx0p97iNsbSx8hVJxnFlyoiAJ0nr/pQgFdxZA8hQ9r94YqBbRNF4fCwaYx44T/ABU5eE/xUXZtmiUWmIFt4ACiEw8VNlqSKAI1t09Vrs+ddoA5NOmlA60iKLA7NdzUyKVSM61NMU0mo2NSMflXpSob4V2mMhQZzC5p8jP5VFxfBlFBM7jcQa0tmzbt/wBJr5Lr6SW291MxmGs3IFx2YTMZl6RyGnxrRtGCUrMumKdoUSVAgiJnTnXcPZuXWFq1azuZICjxGBJ20OlW+Mwlm2RkXQjWSTXbDopzIArfeG499RZpRQYuzctNlu2nQ9HBX4daZbxXLKB5ityvGGuLkvxdT+LUj41S4jhCK3g1U6j06UWMBS8fvn3j+dXlntRdVVX90QAAJtDlp1rP4gW1JDMwI8qaHtffb+zSavkqMnHg0jdqLh07nDnQ693H4mrbBYK7bVSTYllVvFakwVNyfa909R61iLNy3Phck/1Sa0y9ubqqFK2dAFk2mkwIE+LeIqXDFIpzt2y0x/Z66zFi9sEqrQtsgAHT73pPrVRxPhbWkD5rb+LKQFIgwSdZ12I9Qa7/AMdXP/wnYa23O227cqC4p2nN9QrNaUAg+C2w2GUTqeVJRl5E2gMX+uUH0/nUZvfxL/Z/nQblD/S/I0xAvO4PcDWiRNk2JvGPaHuFAmTzqa8q8nB9xoePOmIjuCrVgo319aq52PTWnftHXWgA25io20oW343HmaixN3NGkR0qXh5hgY2oAtbeDopLEUy1emiEamBxUqQJXQa6KBHAK7lpwSnhaVoZHkpGpKQ9KQDAPKuGpAaVIYzJ5j41EwqauUgBmPrULvHKjSKFxLgaUDBGelTDcX9A/lSosY6xiCygnepBdpUqZI2680lauUqBnGxWVS3SlwnizM4Vtjt5UqVC4FLkk7Spoh8yPofwqjS+V250qVUJFzwNwtssdyT8tPzruMxqmZUH1FKlVCKi9dU7KBQ5alSpDFNcmlSpAKacKVKmBJ9k01LU0qVIAq1Yo2zZpUqBhlu3U6iu0qBEiinhvM12lSAeoJpFaVKkMWWnZNaVKgEjpWmEEc6VKkMUU1hSpUgIGuxvQNxgZkn4UqVCGQk+dKlSphR//9k="/>
-          <p:cNvSpPr>
-            <a:spLocks noChangeAspect="1" noChangeArrowheads="1"/>
-          </p:cNvSpPr>
-          <p:nvPr/>
-        </p:nvSpPr>
-        <p:spPr bwMode="auto">
-          <a:xfrm>
-            <a:off x="4651375" y="7938"/>
-            <a:ext cx="304800" cy="304800"/>
-          </a:xfrm>
-          <a:prstGeom prst="rect">
-            <a:avLst/>
-          </a:prstGeom>
-          <a:noFill/>
-          <a:ln w="9525">
-            <a:noFill/>
-            <a:miter lim="800000"/>
-            <a:headEnd/>
-            <a:tailEnd/>
-          </a:ln>
-        </p:spPr>
-        <p:txBody>
-          <a:bodyPr/>
-          <a:lstStyle/>
-          <a:p>
-            <a:endParaRPr lang="en-US" dirty="0"/>
-          </a:p>
-        </p:txBody>
-      </p:sp>
-      <p:sp>
-        <p:nvSpPr>
-          <p:cNvPr id="8" name="Rectangle 2"/>
-          <p:cNvSpPr>
-            <a:spLocks noGrp="1" noChangeArrowheads="1"/>
-          </p:cNvSpPr>
-          <p:nvPr>
-            <p:ph type="title"/>
-          </p:nvPr>
-        </p:nvSpPr>
-        <p:spPr>
-          <a:xfrm>
-            <a:off x="0" y="0"/>
-            <a:ext cx="9144000" cy="631825"/>
-          </a:xfrm>
-          <a:solidFill>
-            <a:schemeClr val="accent2">
-              <a:lumMod val="75000"/>
-            </a:schemeClr>
-          </a:solidFill>
-          <a:ln algn="ctr"/>
-        </p:spPr>
-        <p:txBody>
-          <a:bodyPr/>
-          <a:lstStyle/>
-          <a:p>
-            <a:pPr algn="l">
-              <a:tabLst>
-                <a:tab pos="358775" algn="l"/>
-              </a:tabLst>
-              <a:defRPr/>
-            </a:pPr>
-            <a:r>
-              <a:rPr lang="es-UY" b="0" kern="1200" noProof="0" dirty="0" smtClean="0">
-                <a:solidFill>
-                  <a:schemeClr val="bg1"/>
-                </a:solidFill>
-                <a:effectLst>
-                  <a:outerShdw blurRad="38100" dist="38100" dir="2700000" algn="tl">
-                    <a:srgbClr val="000000">
-                      <a:alpha val="43137"/>
-                    </a:srgbClr>
-                  </a:outerShdw>
-                </a:effectLst>
-                <a:latin typeface="Calibri" pitchFamily="34" charset="0"/>
-                <a:cs typeface="Calibri" pitchFamily="34" charset="0"/>
-              </a:rPr>
-              <a:t>Problema</a:t>
-            </a:r>
-            <a:endParaRPr lang="es-UY" b="0" kern="1200" noProof="0" dirty="0" smtClean="0">
-              <a:solidFill>
-                <a:schemeClr val="bg1"/>
-              </a:solidFill>
-              <a:effectLst>
-                <a:outerShdw blurRad="38100" dist="38100" dir="2700000" algn="tl">
-                  <a:srgbClr val="000000">
-                    <a:alpha val="43137"/>
-                  </a:srgbClr>
-                </a:outerShdw>
-              </a:effectLst>
-              <a:latin typeface="Calibri" pitchFamily="34" charset="0"/>
-              <a:cs typeface="Calibri" pitchFamily="34" charset="0"/>
-            </a:endParaRPr>
-          </a:p>
-        </p:txBody>
-      </p:sp>
-      <p:sp>
-        <p:nvSpPr>
-          <p:cNvPr id="9" name="Rectangle 2"/>
-          <p:cNvSpPr txBox="1">
-            <a:spLocks noChangeArrowheads="1"/>
-          </p:cNvSpPr>
-          <p:nvPr/>
-        </p:nvSpPr>
-        <p:spPr bwMode="auto">
-          <a:xfrm>
-            <a:off x="0" y="620713"/>
-            <a:ext cx="9144000" cy="631825"/>
-          </a:xfrm>
-          <a:prstGeom prst="rect">
-            <a:avLst/>
-          </a:prstGeom>
-          <a:solidFill>
-            <a:srgbClr val="6898D2"/>
-          </a:solidFill>
-          <a:ln w="9525" algn="ctr">
-            <a:noFill/>
-            <a:miter lim="800000"/>
-            <a:headEnd/>
-            <a:tailEnd/>
-          </a:ln>
-          <a:effectLst/>
-        </p:spPr>
-        <p:txBody>
-          <a:bodyPr anchor="ctr"/>
-          <a:lstStyle/>
-          <a:p>
-            <a:pPr algn="l" eaLnBrk="0" hangingPunct="0">
-              <a:tabLst>
-                <a:tab pos="358775" algn="l"/>
-              </a:tabLst>
-              <a:defRPr/>
-            </a:pPr>
-            <a:r>
-              <a:rPr lang="es-ES" sz="2600" smtClean="0">
-                <a:solidFill>
-                  <a:schemeClr val="bg1"/>
-                </a:solidFill>
-                <a:effectLst>
-                  <a:outerShdw blurRad="38100" dist="38100" dir="2700000" algn="tl">
-                    <a:srgbClr val="000000">
-                      <a:alpha val="43137"/>
-                    </a:srgbClr>
-                  </a:outerShdw>
-                </a:effectLst>
-                <a:latin typeface="Calibri" pitchFamily="34" charset="0"/>
-                <a:ea typeface="+mj-ea"/>
-                <a:cs typeface="Calibri" pitchFamily="34" charset="0"/>
-              </a:rPr>
-              <a:t>Garzon</a:t>
-            </a:r>
-            <a:endParaRPr lang="en-US" sz="2600" dirty="0">
-              <a:solidFill>
-                <a:schemeClr val="bg1"/>
-              </a:solidFill>
-              <a:effectLst>
-                <a:outerShdw blurRad="38100" dist="38100" dir="2700000" algn="tl">
-                  <a:srgbClr val="000000">
-                    <a:alpha val="43137"/>
-                  </a:srgbClr>
-                </a:outerShdw>
-              </a:effectLst>
-              <a:latin typeface="Calibri" pitchFamily="34" charset="0"/>
-              <a:ea typeface="+mj-ea"/>
-              <a:cs typeface="Calibri" pitchFamily="34" charset="0"/>
-            </a:endParaRPr>
-          </a:p>
-        </p:txBody>
-      </p:sp>
-      <p:pic>
-        <p:nvPicPr>
-          <p:cNvPr id="9225" name="Picture 14" descr="logo_udelar_fondo_blue.tif"/>
-          <p:cNvPicPr>
-            <a:picLocks noChangeAspect="1"/>
-          </p:cNvPicPr>
-          <p:nvPr/>
-        </p:nvPicPr>
-        <p:blipFill>
-          <a:blip r:embed="rId3" cstate="print"/>
-          <a:srcRect/>
-          <a:stretch>
-            <a:fillRect/>
-          </a:stretch>
-        </p:blipFill>
-        <p:spPr bwMode="auto">
-          <a:xfrm>
-            <a:off x="8096250" y="0"/>
-            <a:ext cx="1047750" cy="1250950"/>
-          </a:xfrm>
-          <a:prstGeom prst="rect">
-            <a:avLst/>
-          </a:prstGeom>
-          <a:noFill/>
-          <a:ln w="9525">
-            <a:noFill/>
-            <a:miter lim="800000"/>
-            <a:headEnd/>
-            <a:tailEnd/>
-          </a:ln>
-        </p:spPr>
-      </p:pic>
-      <p:sp>
-        <p:nvSpPr>
-          <p:cNvPr id="12" name="Rounded Rectangle 8"/>
-          <p:cNvSpPr/>
-          <p:nvPr/>
-        </p:nvSpPr>
-        <p:spPr bwMode="auto">
-          <a:xfrm>
-            <a:off x="586877" y="4544703"/>
-            <a:ext cx="6723062" cy="1611029"/>
-          </a:xfrm>
-          <a:prstGeom prst="roundRect">
-            <a:avLst/>
-          </a:prstGeom>
-          <a:solidFill>
-            <a:schemeClr val="accent5"/>
-          </a:solidFill>
-          <a:ln w="38100" cap="flat" cmpd="sng" algn="ctr">
-            <a:solidFill>
-              <a:schemeClr val="accent2">
-                <a:lumMod val="50000"/>
-              </a:schemeClr>
-            </a:solidFill>
-            <a:prstDash val="solid"/>
-            <a:round/>
-            <a:headEnd type="none" w="med" len="med"/>
-            <a:tailEnd type="none" w="med" len="med"/>
-          </a:ln>
-          <a:effectLst/>
-        </p:spPr>
-        <p:txBody>
-          <a:bodyPr anchor="ctr"/>
-          <a:lstStyle/>
-          <a:p>
-            <a:pPr algn="just">
-              <a:defRPr/>
-            </a:pPr>
-            <a:r>
-              <a:rPr lang="es-ES" sz="2400" smtClean="0">
-                <a:solidFill>
-                  <a:srgbClr val="800000"/>
-                </a:solidFill>
-                <a:latin typeface="Calibri" pitchFamily="-108" charset="0"/>
-                <a:ea typeface="PMingLiU" pitchFamily="18" charset="-120"/>
-              </a:rPr>
-              <a:t>gg</a:t>
-            </a:r>
-            <a:endParaRPr lang="en-US" sz="2400" dirty="0">
-              <a:solidFill>
-                <a:srgbClr val="003399"/>
-              </a:solidFill>
-              <a:latin typeface="Calibri" pitchFamily="-108" charset="0"/>
-              <a:ea typeface="PMingLiU" pitchFamily="18" charset="-120"/>
-            </a:endParaRPr>
-          </a:p>
-        </p:txBody>
-      </p:sp>
-    </p:spTree>
-  </p:cSld>
-  <p:clrMapOvr>
-    <a:masterClrMapping/>
-  </p:clrMapOvr>
-  <p:transition advTm="16365"/>
-  <p:timing>
-    <p:tnLst>
-      <p:par>
-        <p:cTn id="1" dur="indefinite" restart="never" nodeType="tmRoot">
-          <p:childTnLst>
-            <p:seq concurrent="1" nextAc="seek">
-              <p:cTn id="2" dur="indefinite" nodeType="mainSeq">
-                <p:childTnLst>
-                  <p:par>
-                    <p:cTn id="3" fill="hold">
-                      <p:stCondLst>
-                        <p:cond delay="indefinite"/>
-                        <p:cond evt="onBegin" delay="0">
-                          <p:tn val="2"/>
-                        </p:cond>
-                      </p:stCondLst>
-                      <p:childTnLst>
-                        <p:par>
-                          <p:cTn id="4" fill="hold">
-                            <p:stCondLst>
-                              <p:cond delay="0"/>
-                            </p:stCondLst>
-                            <p:childTnLst>
-                              <p:par>
-                                <p:cTn id="5" presetID="1" presetClass="entr" presetSubtype="0" fill="hold" grpId="0" nodeType="withEffect">
-                                  <p:stCondLst>
-                                    <p:cond delay="0"/>
-                                  </p:stCondLst>
-                                  <p:childTnLst>
-                                    <p:set>
-                                      <p:cBhvr>
-                                        <p:cTn id="6" dur="1" fill="hold">
-                                          <p:stCondLst>
-                                            <p:cond delay="0"/>
-                                          </p:stCondLst>
-                                        </p:cTn>
-                                        <p:tgtEl>
-                                          <p:spTgt spid="12"/>
-                                        </p:tgtEl>
-                                        <p:attrNameLst>
-                                          <p:attrName>style.visibility</p:attrName>
-                                        </p:attrNameLst>
-                                      </p:cBhvr>
-                                      <p:to>
-                                        <p:strVal val="visible"/>
-                                      </p:to>
-                                    </p:set>
-                                  </p:childTnLst>
-                                </p:cTn>
-                              </p:par>
-                            </p:childTnLst>
-                          </p:cTn>
-                        </p:par>
-                      </p:childTnLst>
-                    </p:cTn>
-                  </p:par>
-                </p:childTnLst>
-              </p:cTn>
-              <p:prevCondLst>
-                <p:cond evt="onPrev" delay="0">
-                  <p:tgtEl>
-                    <p:sldTgt/>
-                  </p:tgtEl>
-                </p:cond>
-              </p:prevCondLst>
-              <p:nextCondLst>
-                <p:cond evt="onNext" delay="0">
-                  <p:tgtEl>
-                    <p:sldTgt/>
-                  </p:tgtEl>
-                </p:cond>
-              </p:nextCondLst>
-            </p:seq>
-          </p:childTnLst>
-        </p:cTn>
-      </p:par>
-    </p:tnLst>
-    <p:bldLst>
-      <p:bldP spid="12" grpId="0" animBg="1"/>
-    </p:bldLst>
-  </p:timing>
-</p:sld>
-</file>
-
-<file path=ppt/slides/slide11.xml><?xml version="1.0" encoding="utf-8"?>
 <p:sld xmlns:a="http://schemas.openxmlformats.org/drawingml/2006/main" xmlns:r="http://schemas.openxmlformats.org/officeDocument/2006/relationships" xmlns:p="http://schemas.openxmlformats.org/presentationml/2006/main" showMasterPhAnim="0">
   <p:cSld>
     <p:spTree>
@@ -8323,7 +7569,7 @@
 </p:sld>
 </file>
 
-<file path=ppt/slides/slide12.xml><?xml version="1.0" encoding="utf-8"?>
+<file path=ppt/slides/slide11.xml><?xml version="1.0" encoding="utf-8"?>
 <p:sld xmlns:a="http://schemas.openxmlformats.org/drawingml/2006/main" xmlns:r="http://schemas.openxmlformats.org/officeDocument/2006/relationships" xmlns:p="http://schemas.openxmlformats.org/presentationml/2006/main">
   <p:cSld>
     <p:spTree>
@@ -8895,7 +8141,7 @@
 </p:sld>
 </file>
 
-<file path=ppt/slides/slide13.xml><?xml version="1.0" encoding="utf-8"?>
+<file path=ppt/slides/slide12.xml><?xml version="1.0" encoding="utf-8"?>
 <p:sld xmlns:a="http://schemas.openxmlformats.org/drawingml/2006/main" xmlns:r="http://schemas.openxmlformats.org/officeDocument/2006/relationships" xmlns:p="http://schemas.openxmlformats.org/presentationml/2006/main">
   <p:cSld>
     <p:spTree>
@@ -9274,7 +8520,7 @@
 </p:sld>
 </file>
 
-<file path=ppt/slides/slide14.xml><?xml version="1.0" encoding="utf-8"?>
+<file path=ppt/slides/slide13.xml><?xml version="1.0" encoding="utf-8"?>
 <p:sld xmlns:a="http://schemas.openxmlformats.org/drawingml/2006/main" xmlns:r="http://schemas.openxmlformats.org/officeDocument/2006/relationships" xmlns:p="http://schemas.openxmlformats.org/presentationml/2006/main">
   <p:cSld>
     <p:spTree>
@@ -9944,7 +9190,7 @@
 </p:sld>
 </file>
 
-<file path=ppt/slides/slide15.xml><?xml version="1.0" encoding="utf-8"?>
+<file path=ppt/slides/slide14.xml><?xml version="1.0" encoding="utf-8"?>
 <p:sld xmlns:a="http://schemas.openxmlformats.org/drawingml/2006/main" xmlns:r="http://schemas.openxmlformats.org/officeDocument/2006/relationships" xmlns:p="http://schemas.openxmlformats.org/presentationml/2006/main">
   <p:cSld>
     <p:spTree>
@@ -10197,7 +9443,7 @@
 </p:sld>
 </file>
 
-<file path=ppt/slides/slide16.xml><?xml version="1.0" encoding="utf-8"?>
+<file path=ppt/slides/slide15.xml><?xml version="1.0" encoding="utf-8"?>
 <p:sld xmlns:a="http://schemas.openxmlformats.org/drawingml/2006/main" xmlns:r="http://schemas.openxmlformats.org/officeDocument/2006/relationships" xmlns:p="http://schemas.openxmlformats.org/presentationml/2006/main">
   <p:cSld>
     <p:spTree>
@@ -10946,7 +10192,7 @@
 </p:sld>
 </file>
 
-<file path=ppt/slides/slide17.xml><?xml version="1.0" encoding="utf-8"?>
+<file path=ppt/slides/slide16.xml><?xml version="1.0" encoding="utf-8"?>
 <p:sld xmlns:a="http://schemas.openxmlformats.org/drawingml/2006/main" xmlns:r="http://schemas.openxmlformats.org/officeDocument/2006/relationships" xmlns:p="http://schemas.openxmlformats.org/presentationml/2006/main">
   <p:cSld>
     <p:spTree>
@@ -11057,7 +10303,21 @@
                 <a:latin typeface="Calibri" pitchFamily="34" charset="0"/>
                 <a:ea typeface="PMingLiU" pitchFamily="18" charset="-120"/>
               </a:rPr>
-              <a:t>Análisis de datos de GPS de la IMM para obtener la velocidad media de los ómnibus, esto permitió ajustar el modelo de simulación</a:t>
+              <a:t>Análisis de </a:t>
+            </a:r>
+            <a:r>
+              <a:rPr lang="es-UY" noProof="0" dirty="0" smtClean="0">
+                <a:latin typeface="Calibri" pitchFamily="34" charset="0"/>
+                <a:ea typeface="PMingLiU" pitchFamily="18" charset="-120"/>
+              </a:rPr>
+              <a:t>datos de GPS de la IMM </a:t>
+            </a:r>
+            <a:r>
+              <a:rPr lang="es-UY" b="0" noProof="0" dirty="0" smtClean="0">
+                <a:latin typeface="Calibri" pitchFamily="34" charset="0"/>
+                <a:ea typeface="PMingLiU" pitchFamily="18" charset="-120"/>
+              </a:rPr>
+              <a:t>para obtener la velocidad media de los ómnibus, esto permitió ajustar el modelo de simulación</a:t>
             </a:r>
           </a:p>
           <a:p>
@@ -11265,7 +10525,7 @@
               <a:defRPr/>
             </a:pPr>
             <a:r>
-              <a:rPr kumimoji="0" lang="es-ES" sz="2200" b="0" i="0" u="none" strike="noStrike" kern="0" cap="none" spc="0" normalizeH="0" baseline="0" noProof="0" smtClean="0">
+              <a:rPr kumimoji="0" lang="es-ES" sz="2200" b="1" i="0" u="none" strike="noStrike" kern="0" cap="none" spc="0" normalizeH="0" baseline="0" noProof="0" smtClean="0">
                 <a:ln>
                   <a:noFill/>
                 </a:ln>
@@ -11282,7 +10542,7 @@
               <a:t>Relevamiento</a:t>
             </a:r>
             <a:r>
-              <a:rPr kumimoji="0" lang="es-ES" sz="2200" b="0" i="0" u="none" strike="noStrike" kern="0" cap="none" spc="0" normalizeH="0" noProof="0" smtClean="0">
+              <a:rPr kumimoji="0" lang="es-ES" sz="2200" b="1" i="0" u="none" strike="noStrike" kern="0" cap="none" spc="0" normalizeH="0" noProof="0" smtClean="0">
                 <a:ln>
                   <a:noFill/>
                 </a:ln>
@@ -11477,7 +10737,7 @@
 </p:sld>
 </file>
 
-<file path=ppt/slides/slide18.xml><?xml version="1.0" encoding="utf-8"?>
+<file path=ppt/slides/slide17.xml><?xml version="1.0" encoding="utf-8"?>
 <p:sld xmlns:a="http://schemas.openxmlformats.org/drawingml/2006/main" xmlns:r="http://schemas.openxmlformats.org/officeDocument/2006/relationships" xmlns:p="http://schemas.openxmlformats.org/presentationml/2006/main">
   <p:cSld>
     <p:spTree>
@@ -11949,7 +11209,7 @@
         </p:blipFill>
         <p:spPr>
           <a:xfrm>
-            <a:off x="2657616" y="2395467"/>
+            <a:off x="1579443" y="2409115"/>
             <a:ext cx="6076951" cy="3923974"/>
           </a:xfrm>
           <a:prstGeom prst="rect">
@@ -11981,11 +11241,18 @@
               <a:defRPr/>
             </a:pPr>
             <a:r>
+              <a:rPr lang="es-UY" noProof="0" dirty="0" smtClean="0">
+                <a:latin typeface="Calibri" pitchFamily="34" charset="0"/>
+                <a:ea typeface="PMingLiU" pitchFamily="18" charset="-120"/>
+              </a:rPr>
+              <a:t>Simular el escenario </a:t>
+            </a:r>
+            <a:r>
               <a:rPr lang="es-UY" b="0" noProof="0" dirty="0" smtClean="0">
                 <a:latin typeface="Calibri" pitchFamily="34" charset="0"/>
                 <a:ea typeface="PMingLiU" pitchFamily="18" charset="-120"/>
               </a:rPr>
-              <a:t>Simular el escenario en SUMO, utilizando la configuración de semáforos,  trafico vehicular y  frecuencias ómnibus.</a:t>
+              <a:t>en SUMO, utilizando la configuración de semáforos,  trafico vehicular y  frecuencias ómnibus.</a:t>
             </a:r>
             <a:endParaRPr lang="es-UY" sz="2200" b="0" noProof="0" dirty="0" smtClean="0">
               <a:latin typeface="Calibri" pitchFamily="34" charset="0"/>
@@ -12168,7 +11435,7 @@
 </p:sld>
 </file>
 
-<file path=ppt/slides/slide19.xml><?xml version="1.0" encoding="utf-8"?>
+<file path=ppt/slides/slide18.xml><?xml version="1.0" encoding="utf-8"?>
 <p:sld xmlns:a="http://schemas.openxmlformats.org/drawingml/2006/main" xmlns:r="http://schemas.openxmlformats.org/officeDocument/2006/relationships" xmlns:p="http://schemas.openxmlformats.org/presentationml/2006/main">
   <p:cSld>
     <p:spTree>
@@ -12523,6 +11790,234 @@
     <a:masterClrMapping/>
   </p:clrMapOvr>
   <p:transition/>
+  <p:timing>
+    <p:tnLst>
+      <p:par>
+        <p:cTn id="1" dur="indefinite" restart="never" nodeType="tmRoot"/>
+      </p:par>
+    </p:tnLst>
+  </p:timing>
+</p:sld>
+</file>
+
+<file path=ppt/slides/slide19.xml><?xml version="1.0" encoding="utf-8"?>
+<p:sld xmlns:a="http://schemas.openxmlformats.org/drawingml/2006/main" xmlns:r="http://schemas.openxmlformats.org/officeDocument/2006/relationships" xmlns:p="http://schemas.openxmlformats.org/presentationml/2006/main">
+  <p:cSld>
+    <p:spTree>
+      <p:nvGrpSpPr>
+        <p:cNvPr id="1" name=""/>
+        <p:cNvGrpSpPr/>
+        <p:nvPr/>
+      </p:nvGrpSpPr>
+      <p:grpSpPr>
+        <a:xfrm>
+          <a:off x="0" y="0"/>
+          <a:ext cx="0" cy="0"/>
+          <a:chOff x="0" y="0"/>
+          <a:chExt cx="0" cy="0"/>
+        </a:xfrm>
+      </p:grpSpPr>
+      <p:sp>
+        <p:nvSpPr>
+          <p:cNvPr id="653314" name="Rectangle 2"/>
+          <p:cNvSpPr>
+            <a:spLocks noGrp="1" noChangeArrowheads="1"/>
+          </p:cNvSpPr>
+          <p:nvPr>
+            <p:ph type="title"/>
+          </p:nvPr>
+        </p:nvSpPr>
+        <p:spPr>
+          <a:xfrm>
+            <a:off x="0" y="0"/>
+            <a:ext cx="9144000" cy="631825"/>
+          </a:xfrm>
+          <a:solidFill>
+            <a:schemeClr val="accent2">
+              <a:lumMod val="75000"/>
+            </a:schemeClr>
+          </a:solidFill>
+          <a:ln algn="ctr"/>
+        </p:spPr>
+        <p:txBody>
+          <a:bodyPr/>
+          <a:lstStyle/>
+          <a:p>
+            <a:pPr algn="l">
+              <a:tabLst>
+                <a:tab pos="358775" algn="l"/>
+              </a:tabLst>
+              <a:defRPr/>
+            </a:pPr>
+            <a:r>
+              <a:rPr lang="es-UY" sz="3000" b="0" kern="1200" noProof="0" dirty="0" smtClean="0">
+                <a:solidFill>
+                  <a:schemeClr val="bg1"/>
+                </a:solidFill>
+                <a:effectLst>
+                  <a:outerShdw blurRad="38100" dist="38100" dir="2700000" algn="tl">
+                    <a:srgbClr val="000000">
+                      <a:alpha val="43137"/>
+                    </a:srgbClr>
+                  </a:outerShdw>
+                </a:effectLst>
+                <a:latin typeface="Calibri" pitchFamily="34" charset="0"/>
+                <a:cs typeface="Calibri" pitchFamily="34" charset="0"/>
+              </a:rPr>
+              <a:t>2 - Sincronización de semáforos en corredor Garzón</a:t>
+            </a:r>
+            <a:endParaRPr lang="es-UY" sz="3000" b="0" kern="1200" noProof="0" dirty="0" smtClean="0">
+              <a:solidFill>
+                <a:schemeClr val="bg1"/>
+              </a:solidFill>
+              <a:effectLst>
+                <a:outerShdw blurRad="38100" dist="38100" dir="2700000" algn="tl">
+                  <a:srgbClr val="000000">
+                    <a:alpha val="43137"/>
+                  </a:srgbClr>
+                </a:outerShdw>
+              </a:effectLst>
+              <a:latin typeface="Calibri" pitchFamily="34" charset="0"/>
+              <a:cs typeface="Calibri" pitchFamily="34" charset="0"/>
+            </a:endParaRPr>
+          </a:p>
+        </p:txBody>
+      </p:sp>
+      <p:sp>
+        <p:nvSpPr>
+          <p:cNvPr id="11" name="Rectangle 2"/>
+          <p:cNvSpPr txBox="1">
+            <a:spLocks noChangeArrowheads="1"/>
+          </p:cNvSpPr>
+          <p:nvPr/>
+        </p:nvSpPr>
+        <p:spPr bwMode="auto">
+          <a:xfrm>
+            <a:off x="0" y="620713"/>
+            <a:ext cx="9144000" cy="631825"/>
+          </a:xfrm>
+          <a:prstGeom prst="rect">
+            <a:avLst/>
+          </a:prstGeom>
+          <a:solidFill>
+            <a:srgbClr val="6898D2"/>
+          </a:solidFill>
+          <a:ln w="9525" algn="ctr">
+            <a:noFill/>
+            <a:miter lim="800000"/>
+            <a:headEnd/>
+            <a:tailEnd/>
+          </a:ln>
+          <a:effectLst/>
+        </p:spPr>
+        <p:txBody>
+          <a:bodyPr anchor="ctr"/>
+          <a:lstStyle/>
+          <a:p>
+            <a:pPr algn="l" eaLnBrk="0" hangingPunct="0">
+              <a:tabLst>
+                <a:tab pos="358775" algn="l"/>
+              </a:tabLst>
+              <a:defRPr/>
+            </a:pPr>
+            <a:r>
+              <a:rPr lang="es-ES" sz="2600" smtClean="0">
+                <a:solidFill>
+                  <a:schemeClr val="bg1"/>
+                </a:solidFill>
+                <a:effectLst>
+                  <a:outerShdw blurRad="38100" dist="38100" dir="2700000" algn="tl">
+                    <a:srgbClr val="000000">
+                      <a:alpha val="43137"/>
+                    </a:srgbClr>
+                  </a:outerShdw>
+                </a:effectLst>
+                <a:latin typeface="Calibri" pitchFamily="34" charset="0"/>
+                <a:ea typeface="+mj-ea"/>
+                <a:cs typeface="Calibri" pitchFamily="34" charset="0"/>
+              </a:rPr>
+              <a:t>Arquitectura</a:t>
+            </a:r>
+            <a:endParaRPr lang="en-US" sz="2600" dirty="0">
+              <a:solidFill>
+                <a:schemeClr val="bg1"/>
+              </a:solidFill>
+              <a:effectLst>
+                <a:outerShdw blurRad="38100" dist="38100" dir="2700000" algn="tl">
+                  <a:srgbClr val="000000">
+                    <a:alpha val="43137"/>
+                  </a:srgbClr>
+                </a:outerShdw>
+              </a:effectLst>
+              <a:latin typeface="Calibri" pitchFamily="34" charset="0"/>
+              <a:ea typeface="+mj-ea"/>
+              <a:cs typeface="Calibri" pitchFamily="34" charset="0"/>
+            </a:endParaRPr>
+          </a:p>
+        </p:txBody>
+      </p:sp>
+      <p:pic>
+        <p:nvPicPr>
+          <p:cNvPr id="11269" name="Picture 14" descr="logo_udelar_fondo_blue.tif"/>
+          <p:cNvPicPr>
+            <a:picLocks noChangeAspect="1"/>
+          </p:cNvPicPr>
+          <p:nvPr/>
+        </p:nvPicPr>
+        <p:blipFill>
+          <a:blip r:embed="rId3" cstate="print"/>
+          <a:srcRect/>
+          <a:stretch>
+            <a:fillRect/>
+          </a:stretch>
+        </p:blipFill>
+        <p:spPr bwMode="auto">
+          <a:xfrm>
+            <a:off x="8096250" y="0"/>
+            <a:ext cx="1047750" cy="1250950"/>
+          </a:xfrm>
+          <a:prstGeom prst="rect">
+            <a:avLst/>
+          </a:prstGeom>
+          <a:noFill/>
+          <a:ln w="9525">
+            <a:noFill/>
+            <a:miter lim="800000"/>
+            <a:headEnd/>
+            <a:tailEnd/>
+          </a:ln>
+        </p:spPr>
+      </p:pic>
+      <p:pic>
+        <p:nvPicPr>
+          <p:cNvPr id="7" name="6 Imagen" descr="arquitectura1.jpg"/>
+          <p:cNvPicPr>
+            <a:picLocks noChangeAspect="1"/>
+          </p:cNvPicPr>
+          <p:nvPr/>
+        </p:nvPicPr>
+        <p:blipFill>
+          <a:blip r:embed="rId4" cstate="print"/>
+          <a:stretch>
+            <a:fillRect/>
+          </a:stretch>
+        </p:blipFill>
+        <p:spPr>
+          <a:xfrm>
+            <a:off x="1686066" y="1436521"/>
+            <a:ext cx="5055927" cy="3683063"/>
+          </a:xfrm>
+          <a:prstGeom prst="rect">
+            <a:avLst/>
+          </a:prstGeom>
+        </p:spPr>
+      </p:pic>
+    </p:spTree>
+  </p:cSld>
+  <p:clrMapOvr>
+    <a:masterClrMapping/>
+  </p:clrMapOvr>
+  <p:transition advTm="19172"/>
   <p:timing>
     <p:tnLst>
       <p:par>
@@ -12942,234 +12437,6 @@
 </file>
 
 <file path=ppt/slides/slide20.xml><?xml version="1.0" encoding="utf-8"?>
-<p:sld xmlns:a="http://schemas.openxmlformats.org/drawingml/2006/main" xmlns:r="http://schemas.openxmlformats.org/officeDocument/2006/relationships" xmlns:p="http://schemas.openxmlformats.org/presentationml/2006/main">
-  <p:cSld>
-    <p:spTree>
-      <p:nvGrpSpPr>
-        <p:cNvPr id="1" name=""/>
-        <p:cNvGrpSpPr/>
-        <p:nvPr/>
-      </p:nvGrpSpPr>
-      <p:grpSpPr>
-        <a:xfrm>
-          <a:off x="0" y="0"/>
-          <a:ext cx="0" cy="0"/>
-          <a:chOff x="0" y="0"/>
-          <a:chExt cx="0" cy="0"/>
-        </a:xfrm>
-      </p:grpSpPr>
-      <p:sp>
-        <p:nvSpPr>
-          <p:cNvPr id="653314" name="Rectangle 2"/>
-          <p:cNvSpPr>
-            <a:spLocks noGrp="1" noChangeArrowheads="1"/>
-          </p:cNvSpPr>
-          <p:nvPr>
-            <p:ph type="title"/>
-          </p:nvPr>
-        </p:nvSpPr>
-        <p:spPr>
-          <a:xfrm>
-            <a:off x="0" y="0"/>
-            <a:ext cx="9144000" cy="631825"/>
-          </a:xfrm>
-          <a:solidFill>
-            <a:schemeClr val="accent2">
-              <a:lumMod val="75000"/>
-            </a:schemeClr>
-          </a:solidFill>
-          <a:ln algn="ctr"/>
-        </p:spPr>
-        <p:txBody>
-          <a:bodyPr/>
-          <a:lstStyle/>
-          <a:p>
-            <a:pPr algn="l">
-              <a:tabLst>
-                <a:tab pos="358775" algn="l"/>
-              </a:tabLst>
-              <a:defRPr/>
-            </a:pPr>
-            <a:r>
-              <a:rPr lang="es-UY" sz="3000" b="0" kern="1200" noProof="0" dirty="0" smtClean="0">
-                <a:solidFill>
-                  <a:schemeClr val="bg1"/>
-                </a:solidFill>
-                <a:effectLst>
-                  <a:outerShdw blurRad="38100" dist="38100" dir="2700000" algn="tl">
-                    <a:srgbClr val="000000">
-                      <a:alpha val="43137"/>
-                    </a:srgbClr>
-                  </a:outerShdw>
-                </a:effectLst>
-                <a:latin typeface="Calibri" pitchFamily="34" charset="0"/>
-                <a:cs typeface="Calibri" pitchFamily="34" charset="0"/>
-              </a:rPr>
-              <a:t>2 - Sincronización de semáforos en corredor Garzón</a:t>
-            </a:r>
-            <a:endParaRPr lang="es-UY" sz="3000" b="0" kern="1200" noProof="0" dirty="0" smtClean="0">
-              <a:solidFill>
-                <a:schemeClr val="bg1"/>
-              </a:solidFill>
-              <a:effectLst>
-                <a:outerShdw blurRad="38100" dist="38100" dir="2700000" algn="tl">
-                  <a:srgbClr val="000000">
-                    <a:alpha val="43137"/>
-                  </a:srgbClr>
-                </a:outerShdw>
-              </a:effectLst>
-              <a:latin typeface="Calibri" pitchFamily="34" charset="0"/>
-              <a:cs typeface="Calibri" pitchFamily="34" charset="0"/>
-            </a:endParaRPr>
-          </a:p>
-        </p:txBody>
-      </p:sp>
-      <p:sp>
-        <p:nvSpPr>
-          <p:cNvPr id="11" name="Rectangle 2"/>
-          <p:cNvSpPr txBox="1">
-            <a:spLocks noChangeArrowheads="1"/>
-          </p:cNvSpPr>
-          <p:nvPr/>
-        </p:nvSpPr>
-        <p:spPr bwMode="auto">
-          <a:xfrm>
-            <a:off x="0" y="620713"/>
-            <a:ext cx="9144000" cy="631825"/>
-          </a:xfrm>
-          <a:prstGeom prst="rect">
-            <a:avLst/>
-          </a:prstGeom>
-          <a:solidFill>
-            <a:srgbClr val="6898D2"/>
-          </a:solidFill>
-          <a:ln w="9525" algn="ctr">
-            <a:noFill/>
-            <a:miter lim="800000"/>
-            <a:headEnd/>
-            <a:tailEnd/>
-          </a:ln>
-          <a:effectLst/>
-        </p:spPr>
-        <p:txBody>
-          <a:bodyPr anchor="ctr"/>
-          <a:lstStyle/>
-          <a:p>
-            <a:pPr algn="l" eaLnBrk="0" hangingPunct="0">
-              <a:tabLst>
-                <a:tab pos="358775" algn="l"/>
-              </a:tabLst>
-              <a:defRPr/>
-            </a:pPr>
-            <a:r>
-              <a:rPr lang="es-ES" sz="2600" smtClean="0">
-                <a:solidFill>
-                  <a:schemeClr val="bg1"/>
-                </a:solidFill>
-                <a:effectLst>
-                  <a:outerShdw blurRad="38100" dist="38100" dir="2700000" algn="tl">
-                    <a:srgbClr val="000000">
-                      <a:alpha val="43137"/>
-                    </a:srgbClr>
-                  </a:outerShdw>
-                </a:effectLst>
-                <a:latin typeface="Calibri" pitchFamily="34" charset="0"/>
-                <a:ea typeface="+mj-ea"/>
-                <a:cs typeface="Calibri" pitchFamily="34" charset="0"/>
-              </a:rPr>
-              <a:t>Arquitectura</a:t>
-            </a:r>
-            <a:endParaRPr lang="en-US" sz="2600" dirty="0">
-              <a:solidFill>
-                <a:schemeClr val="bg1"/>
-              </a:solidFill>
-              <a:effectLst>
-                <a:outerShdw blurRad="38100" dist="38100" dir="2700000" algn="tl">
-                  <a:srgbClr val="000000">
-                    <a:alpha val="43137"/>
-                  </a:srgbClr>
-                </a:outerShdw>
-              </a:effectLst>
-              <a:latin typeface="Calibri" pitchFamily="34" charset="0"/>
-              <a:ea typeface="+mj-ea"/>
-              <a:cs typeface="Calibri" pitchFamily="34" charset="0"/>
-            </a:endParaRPr>
-          </a:p>
-        </p:txBody>
-      </p:sp>
-      <p:pic>
-        <p:nvPicPr>
-          <p:cNvPr id="11269" name="Picture 14" descr="logo_udelar_fondo_blue.tif"/>
-          <p:cNvPicPr>
-            <a:picLocks noChangeAspect="1"/>
-          </p:cNvPicPr>
-          <p:nvPr/>
-        </p:nvPicPr>
-        <p:blipFill>
-          <a:blip r:embed="rId3" cstate="print"/>
-          <a:srcRect/>
-          <a:stretch>
-            <a:fillRect/>
-          </a:stretch>
-        </p:blipFill>
-        <p:spPr bwMode="auto">
-          <a:xfrm>
-            <a:off x="8096250" y="0"/>
-            <a:ext cx="1047750" cy="1250950"/>
-          </a:xfrm>
-          <a:prstGeom prst="rect">
-            <a:avLst/>
-          </a:prstGeom>
-          <a:noFill/>
-          <a:ln w="9525">
-            <a:noFill/>
-            <a:miter lim="800000"/>
-            <a:headEnd/>
-            <a:tailEnd/>
-          </a:ln>
-        </p:spPr>
-      </p:pic>
-      <p:pic>
-        <p:nvPicPr>
-          <p:cNvPr id="7" name="6 Imagen" descr="arquitectura1.jpg"/>
-          <p:cNvPicPr>
-            <a:picLocks noChangeAspect="1"/>
-          </p:cNvPicPr>
-          <p:nvPr/>
-        </p:nvPicPr>
-        <p:blipFill>
-          <a:blip r:embed="rId4" cstate="print"/>
-          <a:stretch>
-            <a:fillRect/>
-          </a:stretch>
-        </p:blipFill>
-        <p:spPr>
-          <a:xfrm>
-            <a:off x="1686066" y="1436521"/>
-            <a:ext cx="5055927" cy="3683063"/>
-          </a:xfrm>
-          <a:prstGeom prst="rect">
-            <a:avLst/>
-          </a:prstGeom>
-        </p:spPr>
-      </p:pic>
-    </p:spTree>
-  </p:cSld>
-  <p:clrMapOvr>
-    <a:masterClrMapping/>
-  </p:clrMapOvr>
-  <p:transition advTm="19172"/>
-  <p:timing>
-    <p:tnLst>
-      <p:par>
-        <p:cTn id="1" dur="indefinite" restart="never" nodeType="tmRoot"/>
-      </p:par>
-    </p:tnLst>
-  </p:timing>
-</p:sld>
-</file>
-
-<file path=ppt/slides/slide21.xml><?xml version="1.0" encoding="utf-8"?>
 <p:sld xmlns:a="http://schemas.openxmlformats.org/drawingml/2006/main" xmlns:r="http://schemas.openxmlformats.org/officeDocument/2006/relationships" xmlns:p="http://schemas.openxmlformats.org/presentationml/2006/main">
   <p:cSld>
     <p:spTree>
@@ -13637,7 +12904,7 @@
 </p:sld>
 </file>
 
-<file path=ppt/slides/slide22.xml><?xml version="1.0" encoding="utf-8"?>
+<file path=ppt/slides/slide21.xml><?xml version="1.0" encoding="utf-8"?>
 <p:sld xmlns:a="http://schemas.openxmlformats.org/drawingml/2006/main" xmlns:r="http://schemas.openxmlformats.org/officeDocument/2006/relationships" xmlns:p="http://schemas.openxmlformats.org/presentationml/2006/main">
   <p:cSld>
     <p:spTree>
@@ -14082,7 +13349,7 @@
 </p:sld>
 </file>
 
-<file path=ppt/slides/slide23.xml><?xml version="1.0" encoding="utf-8"?>
+<file path=ppt/slides/slide22.xml><?xml version="1.0" encoding="utf-8"?>
 <p:sld xmlns:a="http://schemas.openxmlformats.org/drawingml/2006/main" xmlns:r="http://schemas.openxmlformats.org/officeDocument/2006/relationships" xmlns:p="http://schemas.openxmlformats.org/presentationml/2006/main">
   <p:cSld>
     <p:spTree>
@@ -14624,7 +13891,7 @@
 </p:sld>
 </file>
 
-<file path=ppt/slides/slide24.xml><?xml version="1.0" encoding="utf-8"?>
+<file path=ppt/slides/slide23.xml><?xml version="1.0" encoding="utf-8"?>
 <p:sld xmlns:a="http://schemas.openxmlformats.org/drawingml/2006/main" xmlns:r="http://schemas.openxmlformats.org/officeDocument/2006/relationships" xmlns:p="http://schemas.openxmlformats.org/presentationml/2006/main">
   <p:cSld>
     <p:spTree>
@@ -15047,7 +14314,7 @@
 </p:sld>
 </file>
 
-<file path=ppt/slides/slide25.xml><?xml version="1.0" encoding="utf-8"?>
+<file path=ppt/slides/slide24.xml><?xml version="1.0" encoding="utf-8"?>
 <p:sld xmlns:a="http://schemas.openxmlformats.org/drawingml/2006/main" xmlns:r="http://schemas.openxmlformats.org/officeDocument/2006/relationships" xmlns:p="http://schemas.openxmlformats.org/presentationml/2006/main">
   <p:cSld>
     <p:spTree>
@@ -15489,7 +14756,7 @@
 </p:sld>
 </file>
 
-<file path=ppt/slides/slide26.xml><?xml version="1.0" encoding="utf-8"?>
+<file path=ppt/slides/slide25.xml><?xml version="1.0" encoding="utf-8"?>
 <p:sld xmlns:a="http://schemas.openxmlformats.org/drawingml/2006/main" xmlns:r="http://schemas.openxmlformats.org/officeDocument/2006/relationships" xmlns:p="http://schemas.openxmlformats.org/presentationml/2006/main">
   <p:cSld>
     <p:spTree>
@@ -16114,7 +15381,7 @@
 </p:sld>
 </file>
 
-<file path=ppt/slides/slide27.xml><?xml version="1.0" encoding="utf-8"?>
+<file path=ppt/slides/slide26.xml><?xml version="1.0" encoding="utf-8"?>
 <p:sld xmlns:a="http://schemas.openxmlformats.org/drawingml/2006/main" xmlns:r="http://schemas.openxmlformats.org/officeDocument/2006/relationships" xmlns:p="http://schemas.openxmlformats.org/presentationml/2006/main">
   <p:cSld>
     <p:spTree>
@@ -16311,7 +15578,7 @@
         <p:spPr bwMode="auto">
           <a:xfrm>
             <a:off x="0" y="1304925"/>
-            <a:ext cx="8620125" cy="3924151"/>
+            <a:ext cx="8620125" cy="2949525"/>
           </a:xfrm>
           <a:prstGeom prst="rect">
             <a:avLst/>
@@ -16347,382 +15614,18 @@
                 <a:latin typeface="Calibri" pitchFamily="34" charset="0"/>
                 <a:ea typeface="PMingLiU" pitchFamily="18" charset="-120"/>
               </a:rPr>
-              <a:t>Fitness:  </a:t>
+              <a:t>Fitness</a:t>
             </a:r>
             <a:r>
               <a:rPr lang="es-ES" sz="2200" smtClean="0">
                 <a:solidFill>
-                  <a:srgbClr val="003399"/>
+                  <a:srgbClr val="800000"/>
                 </a:solidFill>
                 <a:latin typeface="Calibri" pitchFamily="34" charset="0"/>
                 <a:ea typeface="PMingLiU" pitchFamily="18" charset="-120"/>
               </a:rPr>
-              <a:t>time </a:t>
-            </a:r>
-            <a:r>
-              <a:rPr lang="es-ES" sz="2200" dirty="0" err="1">
-                <a:solidFill>
-                  <a:srgbClr val="003399"/>
-                </a:solidFill>
-                <a:latin typeface="Calibri" pitchFamily="34" charset="0"/>
-                <a:ea typeface="PMingLiU" pitchFamily="18" charset="-120"/>
-              </a:rPr>
-              <a:t>acceleration</a:t>
-            </a:r>
-            <a:r>
-              <a:rPr lang="es-ES" sz="2200" dirty="0">
-                <a:solidFill>
-                  <a:srgbClr val="003399"/>
-                </a:solidFill>
-                <a:latin typeface="Calibri" pitchFamily="34" charset="0"/>
-                <a:ea typeface="PMingLiU" pitchFamily="18" charset="-120"/>
-              </a:rPr>
-              <a:t> </a:t>
-            </a:r>
-            <a:r>
-              <a:rPr lang="es-ES" sz="2200" dirty="0" err="1">
-                <a:solidFill>
-                  <a:srgbClr val="003399"/>
-                </a:solidFill>
-                <a:latin typeface="Calibri" pitchFamily="34" charset="0"/>
-                <a:ea typeface="PMingLiU" pitchFamily="18" charset="-120"/>
-              </a:rPr>
-              <a:t>when</a:t>
-            </a:r>
-            <a:r>
-              <a:rPr lang="es-ES" sz="2200" dirty="0">
-                <a:solidFill>
-                  <a:srgbClr val="003399"/>
-                </a:solidFill>
-                <a:latin typeface="Calibri" pitchFamily="34" charset="0"/>
-                <a:ea typeface="PMingLiU" pitchFamily="18" charset="-120"/>
-              </a:rPr>
-              <a:t> </a:t>
-            </a:r>
-            <a:r>
-              <a:rPr lang="es-ES" sz="2200" dirty="0" err="1">
-                <a:solidFill>
-                  <a:srgbClr val="003399"/>
-                </a:solidFill>
-                <a:latin typeface="Calibri" pitchFamily="34" charset="0"/>
-                <a:ea typeface="PMingLiU" pitchFamily="18" charset="-120"/>
-              </a:rPr>
-              <a:t>using</a:t>
-            </a:r>
-            <a:r>
-              <a:rPr lang="es-ES" sz="2200" dirty="0">
-                <a:solidFill>
-                  <a:srgbClr val="003399"/>
-                </a:solidFill>
-                <a:latin typeface="Calibri" pitchFamily="34" charset="0"/>
-                <a:ea typeface="PMingLiU" pitchFamily="18" charset="-120"/>
-              </a:rPr>
-              <a:t> </a:t>
-            </a:r>
-            <a:r>
-              <a:rPr lang="es-ES" sz="2200" dirty="0" err="1">
-                <a:solidFill>
-                  <a:srgbClr val="003399"/>
-                </a:solidFill>
-                <a:latin typeface="Calibri" pitchFamily="34" charset="0"/>
-                <a:ea typeface="PMingLiU" pitchFamily="18" charset="-120"/>
-              </a:rPr>
-              <a:t>parallelism</a:t>
-            </a:r>
-            <a:endParaRPr lang="es-ES" sz="2200" dirty="0">
-              <a:solidFill>
-                <a:srgbClr val="003399"/>
-              </a:solidFill>
-              <a:latin typeface="Calibri" pitchFamily="34" charset="0"/>
-              <a:ea typeface="PMingLiU" pitchFamily="18" charset="-120"/>
-            </a:endParaRPr>
-          </a:p>
-          <a:p>
-            <a:pPr lvl="3" indent="-457200" algn="just">
-              <a:spcBef>
-                <a:spcPts val="200"/>
-              </a:spcBef>
-              <a:buFont typeface="Arial" pitchFamily="34" charset="0"/>
-              <a:buChar char="•"/>
-              <a:defRPr/>
-            </a:pPr>
-            <a:r>
-              <a:rPr lang="es-ES" sz="2000" dirty="0">
-                <a:solidFill>
-                  <a:srgbClr val="003399"/>
-                </a:solidFill>
-                <a:latin typeface="Calibri" pitchFamily="34" charset="0"/>
-                <a:ea typeface="PMingLiU" pitchFamily="18" charset="-120"/>
-              </a:rPr>
-              <a:t>Ratio </a:t>
-            </a:r>
-            <a:r>
-              <a:rPr lang="es-ES" sz="2000" dirty="0" err="1">
-                <a:solidFill>
-                  <a:srgbClr val="003399"/>
-                </a:solidFill>
-                <a:latin typeface="Calibri" pitchFamily="34" charset="0"/>
-                <a:ea typeface="PMingLiU" pitchFamily="18" charset="-120"/>
-              </a:rPr>
-              <a:t>between</a:t>
-            </a:r>
-            <a:r>
-              <a:rPr lang="es-ES" sz="2000" dirty="0">
-                <a:solidFill>
-                  <a:srgbClr val="003399"/>
-                </a:solidFill>
-                <a:latin typeface="Calibri" pitchFamily="34" charset="0"/>
-                <a:ea typeface="PMingLiU" pitchFamily="18" charset="-120"/>
-              </a:rPr>
-              <a:t> </a:t>
-            </a:r>
-            <a:r>
-              <a:rPr lang="es-ES" sz="2000" dirty="0" err="1">
-                <a:solidFill>
-                  <a:srgbClr val="003399"/>
-                </a:solidFill>
-                <a:latin typeface="Calibri" pitchFamily="34" charset="0"/>
-                <a:ea typeface="PMingLiU" pitchFamily="18" charset="-120"/>
-              </a:rPr>
-              <a:t>the</a:t>
-            </a:r>
-            <a:r>
-              <a:rPr lang="es-ES" sz="2000" dirty="0">
-                <a:solidFill>
-                  <a:srgbClr val="003399"/>
-                </a:solidFill>
-                <a:latin typeface="Calibri" pitchFamily="34" charset="0"/>
-                <a:ea typeface="PMingLiU" pitchFamily="18" charset="-120"/>
-              </a:rPr>
-              <a:t> </a:t>
-            </a:r>
-            <a:r>
-              <a:rPr lang="es-ES" sz="2000" dirty="0" err="1">
-                <a:solidFill>
-                  <a:srgbClr val="003399"/>
-                </a:solidFill>
-                <a:latin typeface="Calibri" pitchFamily="34" charset="0"/>
-                <a:ea typeface="PMingLiU" pitchFamily="18" charset="-120"/>
-              </a:rPr>
-              <a:t>execution</a:t>
-            </a:r>
-            <a:r>
-              <a:rPr lang="es-ES" sz="2000" dirty="0">
-                <a:solidFill>
-                  <a:srgbClr val="003399"/>
-                </a:solidFill>
-                <a:latin typeface="Calibri" pitchFamily="34" charset="0"/>
-                <a:ea typeface="PMingLiU" pitchFamily="18" charset="-120"/>
-              </a:rPr>
-              <a:t> time of </a:t>
-            </a:r>
-            <a:r>
-              <a:rPr lang="es-ES" sz="2000" dirty="0" err="1">
-                <a:solidFill>
-                  <a:srgbClr val="003399"/>
-                </a:solidFill>
-                <a:latin typeface="Calibri" pitchFamily="34" charset="0"/>
-                <a:ea typeface="PMingLiU" pitchFamily="18" charset="-120"/>
-              </a:rPr>
-              <a:t>the</a:t>
-            </a:r>
-            <a:r>
-              <a:rPr lang="es-ES" sz="2000" dirty="0">
-                <a:solidFill>
-                  <a:srgbClr val="003399"/>
-                </a:solidFill>
-                <a:latin typeface="Calibri" pitchFamily="34" charset="0"/>
-                <a:ea typeface="PMingLiU" pitchFamily="18" charset="-120"/>
-              </a:rPr>
-              <a:t> </a:t>
-            </a:r>
-            <a:r>
-              <a:rPr lang="es-ES" sz="2000" dirty="0" err="1">
-                <a:solidFill>
-                  <a:srgbClr val="003399"/>
-                </a:solidFill>
-                <a:latin typeface="Calibri" pitchFamily="34" charset="0"/>
-                <a:ea typeface="PMingLiU" pitchFamily="18" charset="-120"/>
-              </a:rPr>
-              <a:t>sequential</a:t>
-            </a:r>
-            <a:r>
-              <a:rPr lang="es-ES" sz="2000" dirty="0">
-                <a:solidFill>
-                  <a:srgbClr val="003399"/>
-                </a:solidFill>
-                <a:latin typeface="Calibri" pitchFamily="34" charset="0"/>
-                <a:ea typeface="PMingLiU" pitchFamily="18" charset="-120"/>
-              </a:rPr>
-              <a:t> </a:t>
-            </a:r>
-            <a:r>
-              <a:rPr lang="es-ES" sz="2000" dirty="0" err="1">
-                <a:solidFill>
-                  <a:srgbClr val="003399"/>
-                </a:solidFill>
-                <a:latin typeface="Calibri" pitchFamily="34" charset="0"/>
-                <a:ea typeface="PMingLiU" pitchFamily="18" charset="-120"/>
-              </a:rPr>
-              <a:t>algorithm</a:t>
-            </a:r>
-            <a:r>
-              <a:rPr lang="es-ES" sz="2000" dirty="0">
-                <a:solidFill>
-                  <a:srgbClr val="003399"/>
-                </a:solidFill>
-                <a:latin typeface="Calibri" pitchFamily="34" charset="0"/>
-                <a:ea typeface="PMingLiU" pitchFamily="18" charset="-120"/>
-              </a:rPr>
-              <a:t> and </a:t>
-            </a:r>
-            <a:r>
-              <a:rPr lang="es-ES" sz="2000" dirty="0" err="1">
-                <a:solidFill>
-                  <a:srgbClr val="003399"/>
-                </a:solidFill>
-                <a:latin typeface="Calibri" pitchFamily="34" charset="0"/>
-                <a:ea typeface="PMingLiU" pitchFamily="18" charset="-120"/>
-              </a:rPr>
-              <a:t>the</a:t>
-            </a:r>
-            <a:r>
-              <a:rPr lang="es-ES" sz="2000" dirty="0">
-                <a:solidFill>
-                  <a:srgbClr val="003399"/>
-                </a:solidFill>
-                <a:latin typeface="Calibri" pitchFamily="34" charset="0"/>
-                <a:ea typeface="PMingLiU" pitchFamily="18" charset="-120"/>
-              </a:rPr>
-              <a:t> </a:t>
-            </a:r>
-            <a:r>
-              <a:rPr lang="es-ES" sz="2000" dirty="0" err="1">
-                <a:solidFill>
-                  <a:srgbClr val="003399"/>
-                </a:solidFill>
-                <a:latin typeface="Calibri" pitchFamily="34" charset="0"/>
-                <a:ea typeface="PMingLiU" pitchFamily="18" charset="-120"/>
-              </a:rPr>
-              <a:t>parallel</a:t>
-            </a:r>
-            <a:r>
-              <a:rPr lang="es-ES" sz="2000" dirty="0">
-                <a:solidFill>
-                  <a:srgbClr val="003399"/>
-                </a:solidFill>
-                <a:latin typeface="Calibri" pitchFamily="34" charset="0"/>
-                <a:ea typeface="PMingLiU" pitchFamily="18" charset="-120"/>
-              </a:rPr>
-              <a:t> </a:t>
-            </a:r>
-            <a:r>
-              <a:rPr lang="es-ES" sz="2000" dirty="0" err="1">
-                <a:solidFill>
-                  <a:srgbClr val="003399"/>
-                </a:solidFill>
-                <a:latin typeface="Calibri" pitchFamily="34" charset="0"/>
-                <a:ea typeface="PMingLiU" pitchFamily="18" charset="-120"/>
-              </a:rPr>
-              <a:t>algorithm</a:t>
-            </a:r>
-            <a:r>
-              <a:rPr lang="es-ES" sz="2000" dirty="0">
-                <a:solidFill>
-                  <a:srgbClr val="003399"/>
-                </a:solidFill>
-                <a:latin typeface="Calibri" pitchFamily="34" charset="0"/>
-                <a:ea typeface="PMingLiU" pitchFamily="18" charset="-120"/>
-              </a:rPr>
-              <a:t> </a:t>
-            </a:r>
-            <a:r>
-              <a:rPr lang="es-ES" sz="2000" dirty="0" err="1">
-                <a:solidFill>
-                  <a:srgbClr val="003399"/>
-                </a:solidFill>
-                <a:latin typeface="Calibri" pitchFamily="34" charset="0"/>
-                <a:ea typeface="PMingLiU" pitchFamily="18" charset="-120"/>
-              </a:rPr>
-              <a:t>using</a:t>
-            </a:r>
-            <a:r>
-              <a:rPr lang="es-ES" sz="2000" dirty="0">
-                <a:solidFill>
-                  <a:srgbClr val="003399"/>
-                </a:solidFill>
-                <a:latin typeface="Calibri" pitchFamily="34" charset="0"/>
-                <a:ea typeface="PMingLiU" pitchFamily="18" charset="-120"/>
-              </a:rPr>
-              <a:t> </a:t>
-            </a:r>
-            <a:r>
-              <a:rPr lang="es-ES" sz="2000" i="1" dirty="0">
-                <a:solidFill>
-                  <a:srgbClr val="003399"/>
-                </a:solidFill>
-                <a:latin typeface="Calibri" pitchFamily="34" charset="0"/>
-                <a:ea typeface="PMingLiU" pitchFamily="18" charset="-120"/>
-              </a:rPr>
-              <a:t>N</a:t>
-            </a:r>
-            <a:r>
-              <a:rPr lang="es-ES" sz="2000" dirty="0">
-                <a:solidFill>
-                  <a:srgbClr val="003399"/>
-                </a:solidFill>
-                <a:latin typeface="Calibri" pitchFamily="34" charset="0"/>
-                <a:ea typeface="PMingLiU" pitchFamily="18" charset="-120"/>
-              </a:rPr>
-              <a:t> </a:t>
-            </a:r>
-            <a:r>
-              <a:rPr lang="es-ES" sz="2000" dirty="0" err="1">
-                <a:solidFill>
-                  <a:srgbClr val="003399"/>
-                </a:solidFill>
-                <a:latin typeface="Calibri" pitchFamily="34" charset="0"/>
-                <a:ea typeface="PMingLiU" pitchFamily="18" charset="-120"/>
-              </a:rPr>
-              <a:t>computing</a:t>
-            </a:r>
-            <a:r>
-              <a:rPr lang="es-ES" sz="2000" dirty="0">
-                <a:solidFill>
-                  <a:srgbClr val="003399"/>
-                </a:solidFill>
-                <a:latin typeface="Calibri" pitchFamily="34" charset="0"/>
-                <a:ea typeface="PMingLiU" pitchFamily="18" charset="-120"/>
-              </a:rPr>
-              <a:t> </a:t>
-            </a:r>
-            <a:r>
-              <a:rPr lang="es-ES" sz="2000" dirty="0" err="1">
-                <a:solidFill>
-                  <a:srgbClr val="003399"/>
-                </a:solidFill>
-                <a:latin typeface="Calibri" pitchFamily="34" charset="0"/>
-                <a:ea typeface="PMingLiU" pitchFamily="18" charset="-120"/>
-              </a:rPr>
-              <a:t>resources</a:t>
-            </a:r>
-            <a:endParaRPr lang="es-ES" sz="2000" dirty="0">
-              <a:solidFill>
-                <a:srgbClr val="003399"/>
-              </a:solidFill>
-              <a:latin typeface="Calibri" pitchFamily="34" charset="0"/>
-              <a:ea typeface="PMingLiU" pitchFamily="18" charset="-120"/>
-            </a:endParaRPr>
-          </a:p>
-          <a:p>
-            <a:pPr lvl="3" indent="-457200" algn="just">
-              <a:spcBef>
-                <a:spcPts val="200"/>
-              </a:spcBef>
-              <a:buFont typeface="Arial" pitchFamily="34" charset="0"/>
-              <a:buChar char="•"/>
-              <a:defRPr/>
-            </a:pPr>
+              <a:t>: </a:t>
+            </a:r>
             <a:endParaRPr lang="es-ES" sz="2000" dirty="0">
               <a:solidFill>
                 <a:srgbClr val="003399"/>
@@ -16817,8 +15720,15 @@
                 <a:latin typeface="Calibri" pitchFamily="34" charset="0"/>
                 <a:ea typeface="PMingLiU" pitchFamily="18" charset="-120"/>
               </a:rPr>
-              <a:t>time acceleration when using parallelism</a:t>
-            </a:r>
+              <a:t>Aceleracion del tiempo al usar paralelismo</a:t>
+            </a:r>
+            <a:endParaRPr lang="es-ES" sz="2200" smtClean="0">
+              <a:solidFill>
+                <a:srgbClr val="003399"/>
+              </a:solidFill>
+              <a:latin typeface="Calibri" pitchFamily="34" charset="0"/>
+              <a:ea typeface="PMingLiU" pitchFamily="18" charset="-120"/>
+            </a:endParaRPr>
           </a:p>
           <a:p>
             <a:pPr lvl="3" indent="-457200" algn="just">
@@ -16837,28 +15747,15 @@
                 <a:latin typeface="Calibri" pitchFamily="34" charset="0"/>
                 <a:ea typeface="PMingLiU" pitchFamily="18" charset="-120"/>
               </a:rPr>
-              <a:t>Ratio between the execution time of the sequential algorithm and the parallel algorithm using </a:t>
-            </a:r>
-            <a:r>
-              <a:rPr lang="es-ES" sz="2000" i="1" smtClean="0">
-                <a:solidFill>
-                  <a:srgbClr val="003399"/>
-                </a:solidFill>
-                <a:latin typeface="Calibri" pitchFamily="34" charset="0"/>
-                <a:ea typeface="PMingLiU" pitchFamily="18" charset="-120"/>
-              </a:rPr>
-              <a:t>N</a:t>
-            </a:r>
-            <a:r>
-              <a:rPr lang="es-ES" sz="2000" smtClean="0">
-                <a:solidFill>
-                  <a:srgbClr val="003399"/>
-                </a:solidFill>
-                <a:latin typeface="Calibri" pitchFamily="34" charset="0"/>
-                <a:ea typeface="PMingLiU" pitchFamily="18" charset="-120"/>
-              </a:rPr>
-              <a:t> computing resources</a:t>
-            </a:r>
+              <a:t>Ratio entre el tiempo de ejecucion del algoritmo secuencial y el paralelo usando N procesadores.</a:t>
+            </a:r>
+            <a:endParaRPr lang="es-ES" sz="2000" smtClean="0">
+              <a:solidFill>
+                <a:srgbClr val="003399"/>
+              </a:solidFill>
+              <a:latin typeface="Calibri" pitchFamily="34" charset="0"/>
+              <a:ea typeface="PMingLiU" pitchFamily="18" charset="-120"/>
+            </a:endParaRPr>
           </a:p>
           <a:p>
             <a:pPr lvl="3" indent="-457200" algn="just">
@@ -16967,32 +15864,12 @@
           <p:nvPr/>
         </p:nvGraphicFramePr>
         <p:xfrm>
-          <a:off x="3385830" y="4875284"/>
+          <a:off x="3372182" y="4534090"/>
           <a:ext cx="1597025" cy="862013"/>
         </p:xfrm>
         <a:graphic>
           <a:graphicData uri="http://schemas.openxmlformats.org/presentationml/2006/ole">
             <p:oleObj spid="_x0000_s1026" name="Equation" r:id="rId6" imgW="799753" imgH="431613" progId="Equation.3">
-              <p:embed/>
-            </p:oleObj>
-          </a:graphicData>
-        </a:graphic>
-      </p:graphicFrame>
-      <p:graphicFrame>
-        <p:nvGraphicFramePr>
-          <p:cNvPr id="5" name="Object 1"/>
-          <p:cNvGraphicFramePr>
-            <a:graphicFrameLocks noChangeAspect="1"/>
-          </p:cNvGraphicFramePr>
-          <p:nvPr/>
-        </p:nvGraphicFramePr>
-        <p:xfrm>
-          <a:off x="3237031" y="2461929"/>
-          <a:ext cx="1597025" cy="862012"/>
-        </p:xfrm>
-        <a:graphic>
-          <a:graphicData uri="http://schemas.openxmlformats.org/presentationml/2006/ole">
-            <p:oleObj spid="_x0000_s1029" name="Equation" r:id="rId7" imgW="799753" imgH="431613" progId="Equation.3">
               <p:embed/>
             </p:oleObj>
           </a:graphicData>
@@ -17074,7 +15951,7 @@
                                         <p:tgtEl>
                                           <p:spTgt spid="27653">
                                             <p:txEl>
-                                              <p:pRg st="1" end="1"/>
+                                              <p:pRg st="4" end="4"/>
                                             </p:txEl>
                                           </p:spTgt>
                                         </p:tgtEl>
@@ -17105,7 +15982,7 @@
                                         <p:tgtEl>
                                           <p:spTgt spid="27653">
                                             <p:txEl>
-                                              <p:pRg st="6" end="6"/>
+                                              <p:pRg st="5" end="5"/>
                                             </p:txEl>
                                           </p:spTgt>
                                         </p:tgtEl>
@@ -17134,65 +16011,7 @@
                                           </p:stCondLst>
                                         </p:cTn>
                                         <p:tgtEl>
-                                          <p:spTgt spid="27653">
-                                            <p:txEl>
-                                              <p:pRg st="7" end="7"/>
-                                            </p:txEl>
-                                          </p:spTgt>
-                                        </p:tgtEl>
-                                        <p:attrNameLst>
-                                          <p:attrName>style.visibility</p:attrName>
-                                        </p:attrNameLst>
-                                      </p:cBhvr>
-                                      <p:to>
-                                        <p:strVal val="visible"/>
-                                      </p:to>
-                                    </p:set>
-                                  </p:childTnLst>
-                                </p:cTn>
-                              </p:par>
-                              <p:par>
-                                <p:cTn id="13" presetID="1" presetClass="entr" presetSubtype="0" fill="hold" nodeType="withEffect">
-                                  <p:stCondLst>
-                                    <p:cond delay="0"/>
-                                  </p:stCondLst>
-                                  <p:childTnLst>
-                                    <p:set>
-                                      <p:cBhvr>
-                                        <p:cTn id="14" dur="1" fill="hold">
-                                          <p:stCondLst>
-                                            <p:cond delay="0"/>
-                                          </p:stCondLst>
-                                        </p:cTn>
-                                        <p:tgtEl>
                                           <p:spTgt spid="2"/>
-                                        </p:tgtEl>
-                                        <p:attrNameLst>
-                                          <p:attrName>style.visibility</p:attrName>
-                                        </p:attrNameLst>
-                                      </p:cBhvr>
-                                      <p:to>
-                                        <p:strVal val="visible"/>
-                                      </p:to>
-                                    </p:set>
-                                  </p:childTnLst>
-                                </p:cTn>
-                              </p:par>
-                              <p:par>
-                                <p:cTn id="15" presetID="1" presetClass="entr" presetSubtype="0" fill="hold" nodeType="withEffect">
-                                  <p:stCondLst>
-                                    <p:cond delay="0"/>
-                                  </p:stCondLst>
-                                  <p:childTnLst>
-                                    <p:set>
-                                      <p:cBhvr>
-                                        <p:cTn id="16" dur="1" fill="hold">
-                                          <p:stCondLst>
-                                            <p:cond delay="0"/>
-                                          </p:stCondLst>
-                                        </p:cTn>
-                                        <p:tgtEl>
-                                          <p:spTgt spid="5"/>
                                         </p:tgtEl>
                                         <p:attrNameLst>
                                           <p:attrName>style.visibility</p:attrName>
@@ -17236,7 +16055,7 @@
 </p:sld>
 </file>
 
-<file path=ppt/slides/slide28.xml><?xml version="1.0" encoding="utf-8"?>
+<file path=ppt/slides/slide27.xml><?xml version="1.0" encoding="utf-8"?>
 <p:sld xmlns:a="http://schemas.openxmlformats.org/drawingml/2006/main" xmlns:r="http://schemas.openxmlformats.org/officeDocument/2006/relationships" xmlns:p="http://schemas.openxmlformats.org/presentationml/2006/main">
   <p:cSld>
     <p:spTree>
@@ -17498,38 +16317,6 @@
           </a:p>
         </p:txBody>
       </p:sp>
-      <p:pic>
-        <p:nvPicPr>
-          <p:cNvPr id="18438" name="Picture 2"/>
-          <p:cNvPicPr>
-            <a:picLocks noChangeAspect="1" noChangeArrowheads="1"/>
-          </p:cNvPicPr>
-          <p:nvPr/>
-        </p:nvPicPr>
-        <p:blipFill>
-          <a:blip r:embed="rId5" cstate="print"/>
-          <a:srcRect/>
-          <a:stretch>
-            <a:fillRect/>
-          </a:stretch>
-        </p:blipFill>
-        <p:spPr bwMode="auto">
-          <a:xfrm>
-            <a:off x="535842" y="2939862"/>
-            <a:ext cx="5332696" cy="1403350"/>
-          </a:xfrm>
-          <a:prstGeom prst="rect">
-            <a:avLst/>
-          </a:prstGeom>
-          <a:noFill/>
-          <a:ln w="9525">
-            <a:noFill/>
-            <a:miter lim="800000"/>
-            <a:headEnd/>
-            <a:tailEnd/>
-          </a:ln>
-        </p:spPr>
-      </p:pic>
       <p:sp>
         <p:nvSpPr>
           <p:cNvPr id="19" name="Rectangle 5"/>
@@ -17734,33 +16521,6 @@
                                   </p:childTnLst>
                                 </p:cTn>
                               </p:par>
-                              <p:par>
-                                <p:cTn id="11" presetID="1" presetClass="entr" presetSubtype="0" fill="hold" nodeType="withEffect">
-                                  <p:stCondLst>
-                                    <p:cond delay="0"/>
-                                  </p:stCondLst>
-                                  <p:childTnLst>
-                                    <p:set>
-                                      <p:cBhvr>
-                                        <p:cTn id="12" dur="1" fill="hold">
-                                          <p:stCondLst>
-                                            <p:cond delay="0"/>
-                                          </p:stCondLst>
-                                        </p:cTn>
-                                        <p:tgtEl>
-                                          <p:spTgt spid="18438"/>
-                                        </p:tgtEl>
-                                        <p:attrNameLst>
-                                          <p:attrName>style.visibility</p:attrName>
-                                        </p:attrNameLst>
-                                      </p:cBhvr>
-                                      <p:to>
-                                        <p:strVal val="visible"/>
-                                      </p:to>
-                                    </p:set>
-                                  </p:childTnLst>
-                                </p:cTn>
-                              </p:par>
                             </p:childTnLst>
                           </p:cTn>
                         </p:par>
@@ -17768,26 +16528,26 @@
                     </p:cTn>
                   </p:par>
                   <p:par>
-                    <p:cTn id="13" fill="hold">
+                    <p:cTn id="11" fill="hold">
                       <p:stCondLst>
                         <p:cond delay="indefinite"/>
                       </p:stCondLst>
                       <p:childTnLst>
                         <p:par>
-                          <p:cTn id="14" fill="hold">
+                          <p:cTn id="12" fill="hold">
                             <p:stCondLst>
                               <p:cond delay="0"/>
                             </p:stCondLst>
                             <p:childTnLst>
                               <p:par>
-                                <p:cTn id="15" presetID="1" presetClass="entr" presetSubtype="0" fill="hold" nodeType="clickEffect">
+                                <p:cTn id="13" presetID="1" presetClass="entr" presetSubtype="0" fill="hold" nodeType="clickEffect">
                                   <p:stCondLst>
                                     <p:cond delay="0"/>
                                   </p:stCondLst>
                                   <p:childTnLst>
                                     <p:set>
                                       <p:cBhvr>
-                                        <p:cTn id="16" dur="1" fill="hold">
+                                        <p:cTn id="14" dur="1" fill="hold">
                                           <p:stCondLst>
                                             <p:cond delay="0"/>
                                           </p:stCondLst>
@@ -17817,26 +16577,26 @@
                     </p:cTn>
                   </p:par>
                   <p:par>
-                    <p:cTn id="17" fill="hold">
+                    <p:cTn id="15" fill="hold">
                       <p:stCondLst>
                         <p:cond delay="indefinite"/>
                       </p:stCondLst>
                       <p:childTnLst>
                         <p:par>
-                          <p:cTn id="18" fill="hold">
+                          <p:cTn id="16" fill="hold">
                             <p:stCondLst>
                               <p:cond delay="0"/>
                             </p:stCondLst>
                             <p:childTnLst>
                               <p:par>
-                                <p:cTn id="19" presetID="1" presetClass="entr" presetSubtype="0" fill="hold" nodeType="clickEffect">
+                                <p:cTn id="17" presetID="1" presetClass="entr" presetSubtype="0" fill="hold" nodeType="clickEffect">
                                   <p:stCondLst>
                                     <p:cond delay="0"/>
                                   </p:stCondLst>
                                   <p:childTnLst>
                                     <p:set>
                                       <p:cBhvr>
-                                        <p:cTn id="20" dur="1" fill="hold">
+                                        <p:cTn id="18" dur="1" fill="hold">
                                           <p:stCondLst>
                                             <p:cond delay="0"/>
                                           </p:stCondLst>
@@ -17866,26 +16626,26 @@
                     </p:cTn>
                   </p:par>
                   <p:par>
-                    <p:cTn id="21" fill="hold">
+                    <p:cTn id="19" fill="hold">
                       <p:stCondLst>
                         <p:cond delay="indefinite"/>
                       </p:stCondLst>
                       <p:childTnLst>
                         <p:par>
-                          <p:cTn id="22" fill="hold">
+                          <p:cTn id="20" fill="hold">
                             <p:stCondLst>
                               <p:cond delay="0"/>
                             </p:stCondLst>
                             <p:childTnLst>
                               <p:par>
-                                <p:cTn id="23" presetID="1" presetClass="entr" presetSubtype="0" fill="hold" nodeType="clickEffect">
+                                <p:cTn id="21" presetID="1" presetClass="entr" presetSubtype="0" fill="hold" nodeType="clickEffect">
                                   <p:stCondLst>
                                     <p:cond delay="0"/>
                                   </p:stCondLst>
                                   <p:childTnLst>
                                     <p:set>
                                       <p:cBhvr>
-                                        <p:cTn id="24" dur="1" fill="hold">
+                                        <p:cTn id="22" dur="1" fill="hold">
                                           <p:stCondLst>
                                             <p:cond delay="0"/>
                                           </p:stCondLst>
@@ -17894,6 +16654,340 @@
                                           <p:spTgt spid="19">
                                             <p:txEl>
                                               <p:pRg st="2" end="2"/>
+                                            </p:txEl>
+                                          </p:spTgt>
+                                        </p:tgtEl>
+                                        <p:attrNameLst>
+                                          <p:attrName>style.visibility</p:attrName>
+                                        </p:attrNameLst>
+                                      </p:cBhvr>
+                                      <p:to>
+                                        <p:strVal val="visible"/>
+                                      </p:to>
+                                    </p:set>
+                                  </p:childTnLst>
+                                </p:cTn>
+                              </p:par>
+                            </p:childTnLst>
+                          </p:cTn>
+                        </p:par>
+                      </p:childTnLst>
+                    </p:cTn>
+                  </p:par>
+                </p:childTnLst>
+              </p:cTn>
+              <p:prevCondLst>
+                <p:cond evt="onPrev" delay="0">
+                  <p:tgtEl>
+                    <p:sldTgt/>
+                  </p:tgtEl>
+                </p:cond>
+              </p:prevCondLst>
+              <p:nextCondLst>
+                <p:cond evt="onNext" delay="0">
+                  <p:tgtEl>
+                    <p:sldTgt/>
+                  </p:tgtEl>
+                </p:cond>
+              </p:nextCondLst>
+            </p:seq>
+          </p:childTnLst>
+        </p:cTn>
+      </p:par>
+    </p:tnLst>
+  </p:timing>
+</p:sld>
+</file>
+
+<file path=ppt/slides/slide28.xml><?xml version="1.0" encoding="utf-8"?>
+<p:sld xmlns:a="http://schemas.openxmlformats.org/drawingml/2006/main" xmlns:r="http://schemas.openxmlformats.org/officeDocument/2006/relationships" xmlns:p="http://schemas.openxmlformats.org/presentationml/2006/main">
+  <p:cSld>
+    <p:spTree>
+      <p:nvGrpSpPr>
+        <p:cNvPr id="1" name=""/>
+        <p:cNvGrpSpPr/>
+        <p:nvPr/>
+      </p:nvGrpSpPr>
+      <p:grpSpPr>
+        <a:xfrm>
+          <a:off x="0" y="0"/>
+          <a:ext cx="0" cy="0"/>
+          <a:chOff x="0" y="0"/>
+          <a:chExt cx="0" cy="0"/>
+        </a:xfrm>
+      </p:grpSpPr>
+      <p:sp>
+        <p:nvSpPr>
+          <p:cNvPr id="653314" name="Rectangle 2"/>
+          <p:cNvSpPr>
+            <a:spLocks noGrp="1" noChangeArrowheads="1"/>
+          </p:cNvSpPr>
+          <p:nvPr>
+            <p:ph type="title"/>
+          </p:nvPr>
+        </p:nvSpPr>
+        <p:spPr>
+          <a:xfrm>
+            <a:off x="0" y="0"/>
+            <a:ext cx="9144000" cy="631825"/>
+          </a:xfrm>
+          <a:solidFill>
+            <a:schemeClr val="accent2">
+              <a:lumMod val="75000"/>
+            </a:schemeClr>
+          </a:solidFill>
+          <a:ln algn="ctr"/>
+        </p:spPr>
+        <p:txBody>
+          <a:bodyPr/>
+          <a:lstStyle/>
+          <a:p>
+            <a:pPr algn="l">
+              <a:tabLst>
+                <a:tab pos="358775" algn="l"/>
+              </a:tabLst>
+              <a:defRPr/>
+            </a:pPr>
+            <a:r>
+              <a:rPr lang="es-UY" sz="3200" b="0" kern="1200" noProof="0" dirty="0" smtClean="0">
+                <a:solidFill>
+                  <a:schemeClr val="bg1"/>
+                </a:solidFill>
+                <a:effectLst>
+                  <a:outerShdw blurRad="38100" dist="38100" dir="2700000" algn="tl">
+                    <a:srgbClr val="000000">
+                      <a:alpha val="43137"/>
+                    </a:srgbClr>
+                  </a:outerShdw>
+                </a:effectLst>
+                <a:latin typeface="Calibri" pitchFamily="34" charset="0"/>
+                <a:cs typeface="Calibri" pitchFamily="34" charset="0"/>
+              </a:rPr>
+              <a:t>Análisis Experimental</a:t>
+            </a:r>
+            <a:endParaRPr lang="es-UY" b="0" kern="1200" noProof="0" dirty="0" smtClean="0">
+              <a:solidFill>
+                <a:schemeClr val="bg1"/>
+              </a:solidFill>
+              <a:effectLst>
+                <a:outerShdw blurRad="38100" dist="38100" dir="2700000" algn="tl">
+                  <a:srgbClr val="000000">
+                    <a:alpha val="43137"/>
+                  </a:srgbClr>
+                </a:outerShdw>
+              </a:effectLst>
+              <a:latin typeface="Calibri" pitchFamily="34" charset="0"/>
+              <a:cs typeface="Calibri" pitchFamily="34" charset="0"/>
+            </a:endParaRPr>
+          </a:p>
+        </p:txBody>
+      </p:sp>
+      <p:sp>
+        <p:nvSpPr>
+          <p:cNvPr id="11" name="Rectangle 2"/>
+          <p:cNvSpPr txBox="1">
+            <a:spLocks noChangeArrowheads="1"/>
+          </p:cNvSpPr>
+          <p:nvPr/>
+        </p:nvSpPr>
+        <p:spPr bwMode="auto">
+          <a:xfrm>
+            <a:off x="0" y="620713"/>
+            <a:ext cx="9144000" cy="631825"/>
+          </a:xfrm>
+          <a:prstGeom prst="rect">
+            <a:avLst/>
+          </a:prstGeom>
+          <a:solidFill>
+            <a:srgbClr val="6898D2"/>
+          </a:solidFill>
+          <a:ln w="9525" algn="ctr">
+            <a:noFill/>
+            <a:miter lim="800000"/>
+            <a:headEnd/>
+            <a:tailEnd/>
+          </a:ln>
+          <a:effectLst/>
+        </p:spPr>
+        <p:txBody>
+          <a:bodyPr anchor="ctr"/>
+          <a:lstStyle/>
+          <a:p>
+            <a:pPr algn="l" eaLnBrk="0" hangingPunct="0">
+              <a:tabLst>
+                <a:tab pos="358775" algn="l"/>
+              </a:tabLst>
+              <a:defRPr/>
+            </a:pPr>
+            <a:r>
+              <a:rPr lang="en-US" sz="2600" smtClean="0">
+                <a:solidFill>
+                  <a:schemeClr val="bg1"/>
+                </a:solidFill>
+                <a:effectLst>
+                  <a:outerShdw blurRad="38100" dist="38100" dir="2700000" algn="tl">
+                    <a:srgbClr val="000000">
+                      <a:alpha val="43137"/>
+                    </a:srgbClr>
+                  </a:outerShdw>
+                </a:effectLst>
+                <a:latin typeface="Calibri" pitchFamily="34" charset="0"/>
+                <a:cs typeface="Calibri" pitchFamily="34" charset="0"/>
+              </a:rPr>
+              <a:t>Resultados caso base</a:t>
+            </a:r>
+            <a:endParaRPr lang="en-US" sz="2600" dirty="0">
+              <a:solidFill>
+                <a:schemeClr val="bg1"/>
+              </a:solidFill>
+              <a:effectLst>
+                <a:outerShdw blurRad="38100" dist="38100" dir="2700000" algn="tl">
+                  <a:srgbClr val="000000">
+                    <a:alpha val="43137"/>
+                  </a:srgbClr>
+                </a:outerShdw>
+              </a:effectLst>
+              <a:latin typeface="Calibri" pitchFamily="34" charset="0"/>
+              <a:cs typeface="Calibri" pitchFamily="34" charset="0"/>
+            </a:endParaRPr>
+          </a:p>
+        </p:txBody>
+      </p:sp>
+      <p:pic>
+        <p:nvPicPr>
+          <p:cNvPr id="45060" name="Picture 14" descr="logo_udelar_fondo_blue.tif"/>
+          <p:cNvPicPr>
+            <a:picLocks noChangeAspect="1"/>
+          </p:cNvPicPr>
+          <p:nvPr/>
+        </p:nvPicPr>
+        <p:blipFill>
+          <a:blip r:embed="rId4" cstate="print"/>
+          <a:srcRect/>
+          <a:stretch>
+            <a:fillRect/>
+          </a:stretch>
+        </p:blipFill>
+        <p:spPr bwMode="auto">
+          <a:xfrm>
+            <a:off x="8096250" y="0"/>
+            <a:ext cx="1047750" cy="1250950"/>
+          </a:xfrm>
+          <a:prstGeom prst="rect">
+            <a:avLst/>
+          </a:prstGeom>
+          <a:noFill/>
+          <a:ln w="9525">
+            <a:noFill/>
+            <a:miter lim="800000"/>
+            <a:headEnd/>
+            <a:tailEnd/>
+          </a:ln>
+        </p:spPr>
+      </p:pic>
+      <p:sp>
+        <p:nvSpPr>
+          <p:cNvPr id="18437" name="Rectangle 5"/>
+          <p:cNvSpPr>
+            <a:spLocks noChangeArrowheads="1"/>
+          </p:cNvSpPr>
+          <p:nvPr/>
+        </p:nvSpPr>
+        <p:spPr bwMode="auto">
+          <a:xfrm>
+            <a:off x="355600" y="1414463"/>
+            <a:ext cx="8788400" cy="430887"/>
+          </a:xfrm>
+          <a:prstGeom prst="rect">
+            <a:avLst/>
+          </a:prstGeom>
+          <a:noFill/>
+          <a:ln w="9525">
+            <a:noFill/>
+            <a:miter lim="800000"/>
+            <a:headEnd/>
+            <a:tailEnd/>
+          </a:ln>
+        </p:spPr>
+        <p:txBody>
+          <a:bodyPr>
+            <a:spAutoFit/>
+          </a:bodyPr>
+          <a:lstStyle/>
+          <a:p>
+            <a:pPr lvl="1" indent="-457200" algn="just">
+              <a:spcBef>
+                <a:spcPts val="600"/>
+              </a:spcBef>
+              <a:buFont typeface="Courier New" pitchFamily="49" charset="0"/>
+              <a:buAutoNum type="arabicPeriod"/>
+            </a:pPr>
+            <a:r>
+              <a:rPr lang="es-ES" sz="2200" smtClean="0">
+                <a:solidFill>
+                  <a:srgbClr val="003399"/>
+                </a:solidFill>
+                <a:latin typeface="Calibri" pitchFamily="34" charset="0"/>
+                <a:ea typeface="PMingLiU" pitchFamily="18" charset="-120"/>
+              </a:rPr>
+              <a:t>Poner tabla caso base</a:t>
+            </a:r>
+            <a:endParaRPr lang="es-ES" sz="2000">
+              <a:solidFill>
+                <a:srgbClr val="003399"/>
+              </a:solidFill>
+              <a:latin typeface="Calibri" pitchFamily="34" charset="0"/>
+              <a:ea typeface="PMingLiU" pitchFamily="18" charset="-120"/>
+            </a:endParaRPr>
+          </a:p>
+        </p:txBody>
+      </p:sp>
+    </p:spTree>
+    <p:custDataLst>
+      <p:tags r:id="rId1"/>
+    </p:custDataLst>
+  </p:cSld>
+  <p:clrMapOvr>
+    <a:masterClrMapping/>
+  </p:clrMapOvr>
+  <p:transition/>
+  <p:timing>
+    <p:tnLst>
+      <p:par>
+        <p:cTn id="1" dur="indefinite" restart="never" nodeType="tmRoot">
+          <p:childTnLst>
+            <p:seq concurrent="1" nextAc="seek">
+              <p:cTn id="2" dur="indefinite" nodeType="mainSeq">
+                <p:childTnLst>
+                  <p:par>
+                    <p:cTn id="3" fill="hold" nodeType="clickPar">
+                      <p:stCondLst>
+                        <p:cond delay="indefinite"/>
+                      </p:stCondLst>
+                      <p:childTnLst>
+                        <p:par>
+                          <p:cTn id="4" fill="hold" nodeType="withGroup">
+                            <p:stCondLst>
+                              <p:cond delay="0"/>
+                            </p:stCondLst>
+                            <p:childTnLst>
+                              <p:par>
+                                <p:cTn id="5" presetID="1" presetClass="entr" presetSubtype="0" fill="hold" nodeType="clickEffect">
+                                  <p:stCondLst>
+                                    <p:cond delay="0"/>
+                                  </p:stCondLst>
+                                  <p:childTnLst>
+                                    <p:set>
+                                      <p:cBhvr>
+                                        <p:cTn id="6" dur="1" fill="hold">
+                                          <p:stCondLst>
+                                            <p:cond delay="0"/>
+                                          </p:stCondLst>
+                                        </p:cTn>
+                                        <p:tgtEl>
+                                          <p:spTgt spid="18437">
+                                            <p:txEl>
+                                              <p:pRg st="0" end="0"/>
                                             </p:txEl>
                                           </p:spTgt>
                                         </p:tgtEl>
@@ -18074,7 +17168,7 @@
                 <a:latin typeface="Calibri" pitchFamily="34" charset="0"/>
                 <a:cs typeface="Calibri" pitchFamily="34" charset="0"/>
               </a:rPr>
-              <a:t>Resultados caso base</a:t>
+              <a:t>Resultado aplicacion el algoritmo</a:t>
             </a:r>
             <a:endParaRPr lang="en-US" sz="2600" dirty="0">
               <a:solidFill>
@@ -18159,8 +17253,8 @@
               <a:spcBef>
                 <a:spcPts val="600"/>
               </a:spcBef>
-              <a:buFont typeface="Courier New" pitchFamily="49" charset="0"/>
-              <a:buAutoNum type="arabicPeriod"/>
+              <a:buFont typeface="Arial" pitchFamily="34" charset="0"/>
+              <a:buChar char="•"/>
             </a:pPr>
             <a:r>
               <a:rPr lang="es-ES" sz="2200" smtClean="0">
@@ -18170,7 +17264,7 @@
                 <a:latin typeface="Calibri" pitchFamily="34" charset="0"/>
                 <a:ea typeface="PMingLiU" pitchFamily="18" charset="-120"/>
               </a:rPr>
-              <a:t>Poner tabla caso base</a:t>
+              <a:t>Tabla algoritmo</a:t>
             </a:r>
             <a:endParaRPr lang="es-ES" sz="2000">
               <a:solidFill>
@@ -18182,25 +17276,18 @@
           </a:p>
         </p:txBody>
       </p:sp>
-      <p:pic>
-        <p:nvPicPr>
-          <p:cNvPr id="18438" name="Picture 2"/>
-          <p:cNvPicPr>
-            <a:picLocks noChangeAspect="1" noChangeArrowheads="1"/>
-          </p:cNvPicPr>
+      <p:sp>
+        <p:nvSpPr>
+          <p:cNvPr id="9" name="Rectangle 5"/>
+          <p:cNvSpPr>
+            <a:spLocks noChangeArrowheads="1"/>
+          </p:cNvSpPr>
           <p:nvPr/>
-        </p:nvPicPr>
-        <p:blipFill>
-          <a:blip r:embed="rId5" cstate="print"/>
-          <a:srcRect/>
-          <a:stretch>
-            <a:fillRect/>
-          </a:stretch>
-        </p:blipFill>
+        </p:nvSpPr>
         <p:spPr bwMode="auto">
           <a:xfrm>
-            <a:off x="1163638" y="2393950"/>
-            <a:ext cx="6289675" cy="1403350"/>
+            <a:off x="355600" y="4692200"/>
+            <a:ext cx="8788400" cy="430887"/>
           </a:xfrm>
           <a:prstGeom prst="rect">
             <a:avLst/>
@@ -18213,85 +17300,36 @@
             <a:tailEnd/>
           </a:ln>
         </p:spPr>
-      </p:pic>
-      <p:sp>
-        <p:nvSpPr>
-          <p:cNvPr id="45064" name="15 Rectángulo"/>
-          <p:cNvSpPr>
-            <a:spLocks noChangeArrowheads="1"/>
-          </p:cNvSpPr>
-          <p:nvPr/>
-        </p:nvSpPr>
-        <p:spPr bwMode="auto">
-          <a:xfrm>
-            <a:off x="1200150" y="2432050"/>
-            <a:ext cx="6140450" cy="303213"/>
-          </a:xfrm>
-          <a:prstGeom prst="rect">
-            <a:avLst/>
-          </a:prstGeom>
-          <a:solidFill>
-            <a:schemeClr val="bg1"/>
-          </a:solidFill>
-          <a:ln w="9525" algn="ctr">
-            <a:noFill/>
-            <a:round/>
-            <a:headEnd/>
-            <a:tailEnd/>
-          </a:ln>
-        </p:spPr>
         <p:txBody>
-          <a:bodyPr wrap="none" anchor="ctr"/>
+          <a:bodyPr>
+            <a:spAutoFit/>
+          </a:bodyPr>
           <a:lstStyle/>
           <a:p>
-            <a:pPr algn="l"/>
-            <a:r>
-              <a:rPr lang="es-UY" b="1">
-                <a:latin typeface="Times New Roman" pitchFamily="18" charset="0"/>
-                <a:cs typeface="Times New Roman" pitchFamily="18" charset="0"/>
+            <a:pPr lvl="1" indent="-457200" algn="just">
+              <a:spcBef>
+                <a:spcPts val="600"/>
+              </a:spcBef>
+              <a:buFont typeface="Arial" pitchFamily="34" charset="0"/>
+              <a:buChar char="•"/>
+            </a:pPr>
+            <a:r>
+              <a:rPr lang="es-ES" sz="2200" smtClean="0">
+                <a:solidFill>
+                  <a:srgbClr val="003399"/>
+                </a:solidFill>
+                <a:latin typeface="Calibri" pitchFamily="34" charset="0"/>
+                <a:ea typeface="PMingLiU" pitchFamily="18" charset="-120"/>
               </a:rPr>
-              <a:t>   algorithm            #p               images        time            speedup</a:t>
-            </a:r>
-          </a:p>
-        </p:txBody>
-      </p:sp>
-      <p:sp>
-        <p:nvSpPr>
-          <p:cNvPr id="45066" name="17 CuadroTexto"/>
-          <p:cNvSpPr txBox="1">
-            <a:spLocks noChangeArrowheads="1"/>
-          </p:cNvSpPr>
-          <p:nvPr/>
-        </p:nvSpPr>
-        <p:spPr bwMode="auto">
-          <a:xfrm>
-            <a:off x="1343025" y="2794000"/>
-            <a:ext cx="1349375" cy="301625"/>
-          </a:xfrm>
-          <a:prstGeom prst="rect">
-            <a:avLst/>
-          </a:prstGeom>
-          <a:solidFill>
-            <a:schemeClr val="bg1"/>
-          </a:solidFill>
-          <a:ln w="9525">
-            <a:noFill/>
-            <a:miter lim="800000"/>
-            <a:headEnd/>
-            <a:tailEnd/>
-          </a:ln>
-        </p:spPr>
-        <p:txBody>
-          <a:bodyPr anchor="b"/>
-          <a:lstStyle/>
-          <a:p>
-            <a:r>
-              <a:rPr lang="es-UY" sz="2000">
-                <a:latin typeface="Times New Roman" pitchFamily="18" charset="0"/>
-                <a:cs typeface="Times New Roman" pitchFamily="18" charset="0"/>
-              </a:rPr>
-              <a:t>sequential</a:t>
-            </a:r>
+              <a:t>Se mejoro en un %</a:t>
+            </a:r>
+            <a:endParaRPr lang="es-ES" sz="2000">
+              <a:solidFill>
+                <a:srgbClr val="003399"/>
+              </a:solidFill>
+              <a:latin typeface="Calibri" pitchFamily="34" charset="0"/>
+              <a:ea typeface="PMingLiU" pitchFamily="18" charset="-120"/>
+            </a:endParaRPr>
           </a:p>
         </p:txBody>
       </p:sp>
@@ -18355,21 +17393,43 @@
                                   </p:childTnLst>
                                 </p:cTn>
                               </p:par>
+                            </p:childTnLst>
+                          </p:cTn>
+                        </p:par>
+                      </p:childTnLst>
+                    </p:cTn>
+                  </p:par>
+                  <p:par>
+                    <p:cTn id="7" fill="hold">
+                      <p:stCondLst>
+                        <p:cond delay="indefinite"/>
+                      </p:stCondLst>
+                      <p:childTnLst>
+                        <p:par>
+                          <p:cTn id="8" fill="hold">
+                            <p:stCondLst>
+                              <p:cond delay="0"/>
+                            </p:stCondLst>
+                            <p:childTnLst>
                               <p:par>
-                                <p:cTn id="7" presetID="1" presetClass="entr" presetSubtype="0" fill="hold" nodeType="withEffect">
+                                <p:cTn id="9" presetID="1" presetClass="entr" presetSubtype="0" fill="hold" nodeType="clickEffect">
                                   <p:stCondLst>
                                     <p:cond delay="0"/>
                                   </p:stCondLst>
                                   <p:childTnLst>
                                     <p:set>
                                       <p:cBhvr>
-                                        <p:cTn id="8" dur="1" fill="hold">
+                                        <p:cTn id="10" dur="1" fill="hold">
                                           <p:stCondLst>
                                             <p:cond delay="0"/>
                                           </p:stCondLst>
                                         </p:cTn>
                                         <p:tgtEl>
-                                          <p:spTgt spid="18438"/>
+                                          <p:spTgt spid="9">
+                                            <p:txEl>
+                                              <p:pRg st="0" end="0"/>
+                                            </p:txEl>
+                                          </p:spTgt>
                                         </p:tgtEl>
                                         <p:attrNameLst>
                                           <p:attrName>style.visibility</p:attrName>
@@ -18985,7 +18045,7 @@
                 <a:latin typeface="Calibri" pitchFamily="34" charset="0"/>
                 <a:cs typeface="Calibri" pitchFamily="34" charset="0"/>
               </a:rPr>
-              <a:t>Aplicacion del algoritmo</a:t>
+              <a:t>Resultado caso Alternativo</a:t>
             </a:r>
             <a:endParaRPr lang="en-US" sz="2600" dirty="0">
               <a:solidFill>
@@ -19081,7 +18141,7 @@
                 <a:latin typeface="Calibri" pitchFamily="34" charset="0"/>
                 <a:ea typeface="PMingLiU" pitchFamily="18" charset="-120"/>
               </a:rPr>
-              <a:t>Tabla algoritmo</a:t>
+              <a:t>Tabla caso base alternativo comparado con caso base</a:t>
             </a:r>
             <a:endParaRPr lang="es-ES" sz="2000">
               <a:solidFill>
@@ -19090,119 +18150,6 @@
               <a:latin typeface="Calibri" pitchFamily="34" charset="0"/>
               <a:ea typeface="PMingLiU" pitchFamily="18" charset="-120"/>
             </a:endParaRPr>
-          </a:p>
-        </p:txBody>
-      </p:sp>
-      <p:pic>
-        <p:nvPicPr>
-          <p:cNvPr id="18438" name="Picture 2"/>
-          <p:cNvPicPr>
-            <a:picLocks noChangeAspect="1" noChangeArrowheads="1"/>
-          </p:cNvPicPr>
-          <p:nvPr/>
-        </p:nvPicPr>
-        <p:blipFill>
-          <a:blip r:embed="rId5" cstate="print"/>
-          <a:srcRect/>
-          <a:stretch>
-            <a:fillRect/>
-          </a:stretch>
-        </p:blipFill>
-        <p:spPr bwMode="auto">
-          <a:xfrm>
-            <a:off x="1163638" y="2393950"/>
-            <a:ext cx="6289675" cy="1403350"/>
-          </a:xfrm>
-          <a:prstGeom prst="rect">
-            <a:avLst/>
-          </a:prstGeom>
-          <a:noFill/>
-          <a:ln w="9525">
-            <a:noFill/>
-            <a:miter lim="800000"/>
-            <a:headEnd/>
-            <a:tailEnd/>
-          </a:ln>
-        </p:spPr>
-      </p:pic>
-      <p:sp>
-        <p:nvSpPr>
-          <p:cNvPr id="45064" name="15 Rectángulo"/>
-          <p:cNvSpPr>
-            <a:spLocks noChangeArrowheads="1"/>
-          </p:cNvSpPr>
-          <p:nvPr/>
-        </p:nvSpPr>
-        <p:spPr bwMode="auto">
-          <a:xfrm>
-            <a:off x="1200150" y="2432050"/>
-            <a:ext cx="6140450" cy="303213"/>
-          </a:xfrm>
-          <a:prstGeom prst="rect">
-            <a:avLst/>
-          </a:prstGeom>
-          <a:solidFill>
-            <a:schemeClr val="bg1"/>
-          </a:solidFill>
-          <a:ln w="9525" algn="ctr">
-            <a:noFill/>
-            <a:round/>
-            <a:headEnd/>
-            <a:tailEnd/>
-          </a:ln>
-        </p:spPr>
-        <p:txBody>
-          <a:bodyPr wrap="none" anchor="ctr"/>
-          <a:lstStyle/>
-          <a:p>
-            <a:pPr algn="l"/>
-            <a:r>
-              <a:rPr lang="es-UY" b="1">
-                <a:latin typeface="Times New Roman" pitchFamily="18" charset="0"/>
-                <a:cs typeface="Times New Roman" pitchFamily="18" charset="0"/>
-              </a:rPr>
-              <a:t>   algorithm            #p               images        time            speedup</a:t>
-            </a:r>
-          </a:p>
-        </p:txBody>
-      </p:sp>
-      <p:sp>
-        <p:nvSpPr>
-          <p:cNvPr id="45066" name="17 CuadroTexto"/>
-          <p:cNvSpPr txBox="1">
-            <a:spLocks noChangeArrowheads="1"/>
-          </p:cNvSpPr>
-          <p:nvPr/>
-        </p:nvSpPr>
-        <p:spPr bwMode="auto">
-          <a:xfrm>
-            <a:off x="1343025" y="2794000"/>
-            <a:ext cx="1349375" cy="301625"/>
-          </a:xfrm>
-          <a:prstGeom prst="rect">
-            <a:avLst/>
-          </a:prstGeom>
-          <a:solidFill>
-            <a:schemeClr val="bg1"/>
-          </a:solidFill>
-          <a:ln w="9525">
-            <a:noFill/>
-            <a:miter lim="800000"/>
-            <a:headEnd/>
-            <a:tailEnd/>
-          </a:ln>
-        </p:spPr>
-        <p:txBody>
-          <a:bodyPr anchor="b"/>
-          <a:lstStyle/>
-          <a:p>
-            <a:r>
-              <a:rPr lang="es-UY" sz="2000">
-                <a:latin typeface="Times New Roman" pitchFamily="18" charset="0"/>
-                <a:cs typeface="Times New Roman" pitchFamily="18" charset="0"/>
-              </a:rPr>
-              <a:t>sequential</a:t>
-            </a:r>
           </a:p>
         </p:txBody>
       </p:sp>
@@ -19251,7 +18198,7 @@
                 <a:latin typeface="Calibri" pitchFamily="34" charset="0"/>
                 <a:ea typeface="PMingLiU" pitchFamily="18" charset="-120"/>
               </a:rPr>
-              <a:t>Se mejoro en un %</a:t>
+              <a:t>Aplicando el algoritmo comparando con caso base</a:t>
             </a:r>
             <a:endParaRPr lang="es-ES" sz="2000">
               <a:solidFill>
@@ -19323,33 +18270,6 @@
                                   </p:childTnLst>
                                 </p:cTn>
                               </p:par>
-                              <p:par>
-                                <p:cTn id="7" presetID="1" presetClass="entr" presetSubtype="0" fill="hold" nodeType="withEffect">
-                                  <p:stCondLst>
-                                    <p:cond delay="0"/>
-                                  </p:stCondLst>
-                                  <p:childTnLst>
-                                    <p:set>
-                                      <p:cBhvr>
-                                        <p:cTn id="8" dur="1" fill="hold">
-                                          <p:stCondLst>
-                                            <p:cond delay="0"/>
-                                          </p:stCondLst>
-                                        </p:cTn>
-                                        <p:tgtEl>
-                                          <p:spTgt spid="18438"/>
-                                        </p:tgtEl>
-                                        <p:attrNameLst>
-                                          <p:attrName>style.visibility</p:attrName>
-                                        </p:attrNameLst>
-                                      </p:cBhvr>
-                                      <p:to>
-                                        <p:strVal val="visible"/>
-                                      </p:to>
-                                    </p:set>
-                                  </p:childTnLst>
-                                </p:cTn>
-                              </p:par>
                             </p:childTnLst>
                           </p:cTn>
                         </p:par>
@@ -19357,26 +18277,26 @@
                     </p:cTn>
                   </p:par>
                   <p:par>
-                    <p:cTn id="9" fill="hold">
+                    <p:cTn id="7" fill="hold">
                       <p:stCondLst>
                         <p:cond delay="indefinite"/>
                       </p:stCondLst>
                       <p:childTnLst>
                         <p:par>
-                          <p:cTn id="10" fill="hold">
+                          <p:cTn id="8" fill="hold">
                             <p:stCondLst>
                               <p:cond delay="0"/>
                             </p:stCondLst>
                             <p:childTnLst>
                               <p:par>
-                                <p:cTn id="11" presetID="1" presetClass="entr" presetSubtype="0" fill="hold" nodeType="clickEffect">
+                                <p:cTn id="9" presetID="1" presetClass="entr" presetSubtype="0" fill="hold" nodeType="clickEffect">
                                   <p:stCondLst>
                                     <p:cond delay="0"/>
                                   </p:stCondLst>
                                   <p:childTnLst>
                                     <p:set>
                                       <p:cBhvr>
-                                        <p:cTn id="12" dur="1" fill="hold">
+                                        <p:cTn id="10" dur="1" fill="hold">
                                           <p:stCondLst>
                                             <p:cond delay="0"/>
                                           </p:stCondLst>
@@ -19494,7 +18414,7 @@
                 <a:latin typeface="Calibri" pitchFamily="34" charset="0"/>
                 <a:cs typeface="Calibri" pitchFamily="34" charset="0"/>
               </a:rPr>
-              <a:t>Análisis Experimental</a:t>
+              <a:t>Experimental evaluación</a:t>
             </a:r>
             <a:endParaRPr lang="es-UY" b="0" kern="1200" noProof="0" dirty="0" smtClean="0">
               <a:solidFill>
@@ -19565,7 +18485,7 @@
                 <a:latin typeface="Calibri" pitchFamily="34" charset="0"/>
                 <a:cs typeface="Calibri" pitchFamily="34" charset="0"/>
               </a:rPr>
-              <a:t>Caso Alternativo</a:t>
+              <a:t>SpeedUp</a:t>
             </a:r>
             <a:endParaRPr lang="en-US" sz="2600" dirty="0">
               <a:solidFill>
@@ -19586,7 +18506,7 @@
       </p:sp>
       <p:pic>
         <p:nvPicPr>
-          <p:cNvPr id="45060" name="Picture 14" descr="logo_udelar_fondo_blue.tif"/>
+          <p:cNvPr id="44036" name="Picture 14" descr="logo_udelar_fondo_blue.tif"/>
           <p:cNvPicPr>
             <a:picLocks noChangeAspect="1"/>
           </p:cNvPicPr>
@@ -19616,233 +18536,30 @@
           </a:ln>
         </p:spPr>
       </p:pic>
-      <p:sp>
-        <p:nvSpPr>
-          <p:cNvPr id="18437" name="Rectangle 5"/>
-          <p:cNvSpPr>
-            <a:spLocks noChangeArrowheads="1"/>
-          </p:cNvSpPr>
-          <p:nvPr/>
-        </p:nvSpPr>
-        <p:spPr bwMode="auto">
-          <a:xfrm>
-            <a:off x="355600" y="1414463"/>
-            <a:ext cx="8788400" cy="430887"/>
-          </a:xfrm>
-          <a:prstGeom prst="rect">
-            <a:avLst/>
-          </a:prstGeom>
-          <a:noFill/>
-          <a:ln w="9525">
-            <a:noFill/>
-            <a:miter lim="800000"/>
-            <a:headEnd/>
-            <a:tailEnd/>
-          </a:ln>
-        </p:spPr>
-        <p:txBody>
-          <a:bodyPr>
-            <a:spAutoFit/>
-          </a:bodyPr>
-          <a:lstStyle/>
-          <a:p>
-            <a:pPr lvl="1" indent="-457200" algn="just">
-              <a:spcBef>
-                <a:spcPts val="600"/>
-              </a:spcBef>
-              <a:buFont typeface="Arial" pitchFamily="34" charset="0"/>
-              <a:buChar char="•"/>
-            </a:pPr>
-            <a:r>
-              <a:rPr lang="es-ES" sz="2200" smtClean="0">
-                <a:solidFill>
-                  <a:srgbClr val="003399"/>
-                </a:solidFill>
-                <a:latin typeface="Calibri" pitchFamily="34" charset="0"/>
-                <a:ea typeface="PMingLiU" pitchFamily="18" charset="-120"/>
-              </a:rPr>
-              <a:t>Tabla caso base alternativo comparado con caso base</a:t>
-            </a:r>
-            <a:endParaRPr lang="es-ES" sz="2000">
-              <a:solidFill>
-                <a:srgbClr val="003399"/>
-              </a:solidFill>
-              <a:latin typeface="Calibri" pitchFamily="34" charset="0"/>
-              <a:ea typeface="PMingLiU" pitchFamily="18" charset="-120"/>
-            </a:endParaRPr>
-          </a:p>
-        </p:txBody>
-      </p:sp>
       <p:pic>
         <p:nvPicPr>
-          <p:cNvPr id="18438" name="Picture 2"/>
+          <p:cNvPr id="14" name="13 Imagen" descr="speedup.jpg"/>
           <p:cNvPicPr>
-            <a:picLocks noChangeAspect="1" noChangeArrowheads="1"/>
+            <a:picLocks noChangeAspect="1"/>
           </p:cNvPicPr>
           <p:nvPr/>
         </p:nvPicPr>
         <p:blipFill>
           <a:blip r:embed="rId5" cstate="print"/>
-          <a:srcRect/>
           <a:stretch>
             <a:fillRect/>
           </a:stretch>
         </p:blipFill>
-        <p:spPr bwMode="auto">
+        <p:spPr>
           <a:xfrm>
-            <a:off x="1163638" y="2393950"/>
-            <a:ext cx="6289675" cy="1403350"/>
+            <a:off x="1612900" y="1752600"/>
+            <a:ext cx="5918200" cy="3352800"/>
           </a:xfrm>
           <a:prstGeom prst="rect">
             <a:avLst/>
           </a:prstGeom>
-          <a:noFill/>
-          <a:ln w="9525">
-            <a:noFill/>
-            <a:miter lim="800000"/>
-            <a:headEnd/>
-            <a:tailEnd/>
-          </a:ln>
         </p:spPr>
       </p:pic>
-      <p:sp>
-        <p:nvSpPr>
-          <p:cNvPr id="45064" name="15 Rectángulo"/>
-          <p:cNvSpPr>
-            <a:spLocks noChangeArrowheads="1"/>
-          </p:cNvSpPr>
-          <p:nvPr/>
-        </p:nvSpPr>
-        <p:spPr bwMode="auto">
-          <a:xfrm>
-            <a:off x="1200150" y="2432050"/>
-            <a:ext cx="6140450" cy="303213"/>
-          </a:xfrm>
-          <a:prstGeom prst="rect">
-            <a:avLst/>
-          </a:prstGeom>
-          <a:solidFill>
-            <a:schemeClr val="bg1"/>
-          </a:solidFill>
-          <a:ln w="9525" algn="ctr">
-            <a:noFill/>
-            <a:round/>
-            <a:headEnd/>
-            <a:tailEnd/>
-          </a:ln>
-        </p:spPr>
-        <p:txBody>
-          <a:bodyPr wrap="none" anchor="ctr"/>
-          <a:lstStyle/>
-          <a:p>
-            <a:pPr algn="l"/>
-            <a:r>
-              <a:rPr lang="es-UY" b="1">
-                <a:latin typeface="Times New Roman" pitchFamily="18" charset="0"/>
-                <a:cs typeface="Times New Roman" pitchFamily="18" charset="0"/>
-              </a:rPr>
-              <a:t>   algorithm            #p               images        time            speedup</a:t>
-            </a:r>
-          </a:p>
-        </p:txBody>
-      </p:sp>
-      <p:sp>
-        <p:nvSpPr>
-          <p:cNvPr id="45066" name="17 CuadroTexto"/>
-          <p:cNvSpPr txBox="1">
-            <a:spLocks noChangeArrowheads="1"/>
-          </p:cNvSpPr>
-          <p:nvPr/>
-        </p:nvSpPr>
-        <p:spPr bwMode="auto">
-          <a:xfrm>
-            <a:off x="1343025" y="2794000"/>
-            <a:ext cx="1349375" cy="301625"/>
-          </a:xfrm>
-          <a:prstGeom prst="rect">
-            <a:avLst/>
-          </a:prstGeom>
-          <a:solidFill>
-            <a:schemeClr val="bg1"/>
-          </a:solidFill>
-          <a:ln w="9525">
-            <a:noFill/>
-            <a:miter lim="800000"/>
-            <a:headEnd/>
-            <a:tailEnd/>
-          </a:ln>
-        </p:spPr>
-        <p:txBody>
-          <a:bodyPr anchor="b"/>
-          <a:lstStyle/>
-          <a:p>
-            <a:r>
-              <a:rPr lang="es-UY" sz="2000">
-                <a:latin typeface="Times New Roman" pitchFamily="18" charset="0"/>
-                <a:cs typeface="Times New Roman" pitchFamily="18" charset="0"/>
-              </a:rPr>
-              <a:t>sequential</a:t>
-            </a:r>
-          </a:p>
-        </p:txBody>
-      </p:sp>
-      <p:sp>
-        <p:nvSpPr>
-          <p:cNvPr id="9" name="Rectangle 5"/>
-          <p:cNvSpPr>
-            <a:spLocks noChangeArrowheads="1"/>
-          </p:cNvSpPr>
-          <p:nvPr/>
-        </p:nvSpPr>
-        <p:spPr bwMode="auto">
-          <a:xfrm>
-            <a:off x="355600" y="4692200"/>
-            <a:ext cx="8788400" cy="430887"/>
-          </a:xfrm>
-          <a:prstGeom prst="rect">
-            <a:avLst/>
-          </a:prstGeom>
-          <a:noFill/>
-          <a:ln w="9525">
-            <a:noFill/>
-            <a:miter lim="800000"/>
-            <a:headEnd/>
-            <a:tailEnd/>
-          </a:ln>
-        </p:spPr>
-        <p:txBody>
-          <a:bodyPr>
-            <a:spAutoFit/>
-          </a:bodyPr>
-          <a:lstStyle/>
-          <a:p>
-            <a:pPr lvl="1" indent="-457200" algn="just">
-              <a:spcBef>
-                <a:spcPts val="600"/>
-              </a:spcBef>
-              <a:buFont typeface="Arial" pitchFamily="34" charset="0"/>
-              <a:buChar char="•"/>
-            </a:pPr>
-            <a:r>
-              <a:rPr lang="es-ES" sz="2200" smtClean="0">
-                <a:solidFill>
-                  <a:srgbClr val="003399"/>
-                </a:solidFill>
-                <a:latin typeface="Calibri" pitchFamily="34" charset="0"/>
-                <a:ea typeface="PMingLiU" pitchFamily="18" charset="-120"/>
-              </a:rPr>
-              <a:t>Aplicando el algoritmo comparando con caso base</a:t>
-            </a:r>
-            <a:endParaRPr lang="es-ES" sz="2000">
-              <a:solidFill>
-                <a:srgbClr val="003399"/>
-              </a:solidFill>
-              <a:latin typeface="Calibri" pitchFamily="34" charset="0"/>
-              <a:ea typeface="PMingLiU" pitchFamily="18" charset="-120"/>
-            </a:endParaRPr>
-          </a:p>
-        </p:txBody>
-      </p:sp>
     </p:spTree>
     <p:custDataLst>
       <p:tags r:id="rId1"/>
@@ -19855,155 +18572,7 @@
   <p:timing>
     <p:tnLst>
       <p:par>
-        <p:cTn id="1" dur="indefinite" restart="never" nodeType="tmRoot">
-          <p:childTnLst>
-            <p:seq concurrent="1" nextAc="seek">
-              <p:cTn id="2" dur="indefinite" nodeType="mainSeq">
-                <p:childTnLst>
-                  <p:par>
-                    <p:cTn id="3" fill="hold" nodeType="clickPar">
-                      <p:stCondLst>
-                        <p:cond delay="indefinite"/>
-                      </p:stCondLst>
-                      <p:childTnLst>
-                        <p:par>
-                          <p:cTn id="4" fill="hold" nodeType="withGroup">
-                            <p:stCondLst>
-                              <p:cond delay="0"/>
-                            </p:stCondLst>
-                            <p:childTnLst>
-                              <p:par>
-                                <p:cTn id="5" presetID="1" presetClass="entr" presetSubtype="0" fill="hold" nodeType="clickEffect">
-                                  <p:stCondLst>
-                                    <p:cond delay="0"/>
-                                  </p:stCondLst>
-                                  <p:childTnLst>
-                                    <p:set>
-                                      <p:cBhvr>
-                                        <p:cTn id="6" dur="1" fill="hold">
-                                          <p:stCondLst>
-                                            <p:cond delay="0"/>
-                                          </p:stCondLst>
-                                        </p:cTn>
-                                        <p:tgtEl>
-                                          <p:spTgt spid="18437">
-                                            <p:txEl>
-                                              <p:pRg st="0" end="0"/>
-                                            </p:txEl>
-                                          </p:spTgt>
-                                        </p:tgtEl>
-                                        <p:attrNameLst>
-                                          <p:attrName>style.visibility</p:attrName>
-                                        </p:attrNameLst>
-                                      </p:cBhvr>
-                                      <p:to>
-                                        <p:strVal val="visible"/>
-                                      </p:to>
-                                    </p:set>
-                                  </p:childTnLst>
-                                </p:cTn>
-                              </p:par>
-                              <p:par>
-                                <p:cTn id="7" presetID="1" presetClass="entr" presetSubtype="0" fill="hold" nodeType="withEffect">
-                                  <p:stCondLst>
-                                    <p:cond delay="0"/>
-                                  </p:stCondLst>
-                                  <p:childTnLst>
-                                    <p:set>
-                                      <p:cBhvr>
-                                        <p:cTn id="8" dur="1" fill="hold">
-                                          <p:stCondLst>
-                                            <p:cond delay="0"/>
-                                          </p:stCondLst>
-                                        </p:cTn>
-                                        <p:tgtEl>
-                                          <p:spTgt spid="18438"/>
-                                        </p:tgtEl>
-                                        <p:attrNameLst>
-                                          <p:attrName>style.visibility</p:attrName>
-                                        </p:attrNameLst>
-                                      </p:cBhvr>
-                                      <p:to>
-                                        <p:strVal val="visible"/>
-                                      </p:to>
-                                    </p:set>
-                                  </p:childTnLst>
-                                </p:cTn>
-                              </p:par>
-                            </p:childTnLst>
-                          </p:cTn>
-                        </p:par>
-                      </p:childTnLst>
-                    </p:cTn>
-                  </p:par>
-                  <p:par>
-                    <p:cTn id="9" fill="hold">
-                      <p:stCondLst>
-                        <p:cond delay="indefinite"/>
-                      </p:stCondLst>
-                      <p:childTnLst>
-                        <p:par>
-                          <p:cTn id="10" fill="hold">
-                            <p:stCondLst>
-                              <p:cond delay="0"/>
-                            </p:stCondLst>
-                            <p:childTnLst>
-                              <p:par>
-                                <p:cTn id="11" presetID="1" presetClass="entr" presetSubtype="0" fill="hold" nodeType="clickEffect">
-                                  <p:stCondLst>
-                                    <p:cond delay="0"/>
-                                  </p:stCondLst>
-                                  <p:childTnLst>
-                                    <p:set>
-                                      <p:cBhvr>
-                                        <p:cTn id="12" dur="1" fill="hold">
-                                          <p:stCondLst>
-                                            <p:cond delay="0"/>
-                                          </p:stCondLst>
-                                        </p:cTn>
-                                        <p:tgtEl>
-                                          <p:spTgt spid="9">
-                                            <p:txEl>
-                                              <p:pRg st="0" end="0"/>
-                                            </p:txEl>
-                                          </p:spTgt>
-                                        </p:tgtEl>
-                                        <p:attrNameLst>
-                                          <p:attrName>style.visibility</p:attrName>
-                                        </p:attrNameLst>
-                                      </p:cBhvr>
-                                      <p:to>
-                                        <p:strVal val="visible"/>
-                                      </p:to>
-                                    </p:set>
-                                  </p:childTnLst>
-                                </p:cTn>
-                              </p:par>
-                            </p:childTnLst>
-                          </p:cTn>
-                        </p:par>
-                      </p:childTnLst>
-                    </p:cTn>
-                  </p:par>
-                </p:childTnLst>
-              </p:cTn>
-              <p:prevCondLst>
-                <p:cond evt="onPrev" delay="0">
-                  <p:tgtEl>
-                    <p:sldTgt/>
-                  </p:tgtEl>
-                </p:cond>
-              </p:prevCondLst>
-              <p:nextCondLst>
-                <p:cond evt="onNext" delay="0">
-                  <p:tgtEl>
-                    <p:sldTgt/>
-                  </p:tgtEl>
-                </p:cond>
-              </p:nextCondLst>
-            </p:seq>
-          </p:childTnLst>
-        </p:cTn>
+        <p:cTn id="1" dur="indefinite" restart="never" nodeType="tmRoot"/>
       </p:par>
     </p:tnLst>
   </p:timing>
@@ -20011,1008 +18580,6 @@
 </file>
 
 <file path=ppt/slides/slide32.xml><?xml version="1.0" encoding="utf-8"?>
-<p:sld xmlns:a="http://schemas.openxmlformats.org/drawingml/2006/main" xmlns:r="http://schemas.openxmlformats.org/officeDocument/2006/relationships" xmlns:p="http://schemas.openxmlformats.org/presentationml/2006/main">
-  <p:cSld>
-    <p:spTree>
-      <p:nvGrpSpPr>
-        <p:cNvPr id="1" name=""/>
-        <p:cNvGrpSpPr/>
-        <p:nvPr/>
-      </p:nvGrpSpPr>
-      <p:grpSpPr>
-        <a:xfrm>
-          <a:off x="0" y="0"/>
-          <a:ext cx="0" cy="0"/>
-          <a:chOff x="0" y="0"/>
-          <a:chExt cx="0" cy="0"/>
-        </a:xfrm>
-      </p:grpSpPr>
-      <p:sp>
-        <p:nvSpPr>
-          <p:cNvPr id="653314" name="Rectangle 2"/>
-          <p:cNvSpPr>
-            <a:spLocks noGrp="1" noChangeArrowheads="1"/>
-          </p:cNvSpPr>
-          <p:nvPr>
-            <p:ph type="title"/>
-          </p:nvPr>
-        </p:nvSpPr>
-        <p:spPr>
-          <a:xfrm>
-            <a:off x="0" y="0"/>
-            <a:ext cx="9144000" cy="631825"/>
-          </a:xfrm>
-          <a:solidFill>
-            <a:schemeClr val="accent2">
-              <a:lumMod val="75000"/>
-            </a:schemeClr>
-          </a:solidFill>
-          <a:ln algn="ctr"/>
-        </p:spPr>
-        <p:txBody>
-          <a:bodyPr/>
-          <a:lstStyle/>
-          <a:p>
-            <a:pPr algn="l">
-              <a:tabLst>
-                <a:tab pos="358775" algn="l"/>
-              </a:tabLst>
-              <a:defRPr/>
-            </a:pPr>
-            <a:r>
-              <a:rPr lang="es-UY" sz="3200" b="0" kern="1200" noProof="0" dirty="0" smtClean="0">
-                <a:solidFill>
-                  <a:schemeClr val="bg1"/>
-                </a:solidFill>
-                <a:effectLst>
-                  <a:outerShdw blurRad="38100" dist="38100" dir="2700000" algn="tl">
-                    <a:srgbClr val="000000">
-                      <a:alpha val="43137"/>
-                    </a:srgbClr>
-                  </a:outerShdw>
-                </a:effectLst>
-                <a:latin typeface="Calibri" pitchFamily="34" charset="0"/>
-                <a:cs typeface="Calibri" pitchFamily="34" charset="0"/>
-              </a:rPr>
-              <a:t>Experimental evaluación</a:t>
-            </a:r>
-            <a:endParaRPr lang="es-UY" b="0" kern="1200" noProof="0" dirty="0" smtClean="0">
-              <a:solidFill>
-                <a:schemeClr val="bg1"/>
-              </a:solidFill>
-              <a:effectLst>
-                <a:outerShdw blurRad="38100" dist="38100" dir="2700000" algn="tl">
-                  <a:srgbClr val="000000">
-                    <a:alpha val="43137"/>
-                  </a:srgbClr>
-                </a:outerShdw>
-              </a:effectLst>
-              <a:latin typeface="Calibri" pitchFamily="34" charset="0"/>
-              <a:cs typeface="Calibri" pitchFamily="34" charset="0"/>
-            </a:endParaRPr>
-          </a:p>
-        </p:txBody>
-      </p:sp>
-      <p:sp>
-        <p:nvSpPr>
-          <p:cNvPr id="11" name="Rectangle 2"/>
-          <p:cNvSpPr txBox="1">
-            <a:spLocks noChangeArrowheads="1"/>
-          </p:cNvSpPr>
-          <p:nvPr/>
-        </p:nvSpPr>
-        <p:spPr bwMode="auto">
-          <a:xfrm>
-            <a:off x="0" y="620713"/>
-            <a:ext cx="9144000" cy="631825"/>
-          </a:xfrm>
-          <a:prstGeom prst="rect">
-            <a:avLst/>
-          </a:prstGeom>
-          <a:solidFill>
-            <a:srgbClr val="6898D2"/>
-          </a:solidFill>
-          <a:ln w="9525" algn="ctr">
-            <a:noFill/>
-            <a:miter lim="800000"/>
-            <a:headEnd/>
-            <a:tailEnd/>
-          </a:ln>
-          <a:effectLst/>
-        </p:spPr>
-        <p:txBody>
-          <a:bodyPr anchor="ctr"/>
-          <a:lstStyle/>
-          <a:p>
-            <a:pPr algn="l" eaLnBrk="0" hangingPunct="0">
-              <a:tabLst>
-                <a:tab pos="358775" algn="l"/>
-              </a:tabLst>
-              <a:defRPr/>
-            </a:pPr>
-            <a:r>
-              <a:rPr lang="en-US" sz="2600" smtClean="0">
-                <a:solidFill>
-                  <a:schemeClr val="bg1"/>
-                </a:solidFill>
-                <a:effectLst>
-                  <a:outerShdw blurRad="38100" dist="38100" dir="2700000" algn="tl">
-                    <a:srgbClr val="000000">
-                      <a:alpha val="43137"/>
-                    </a:srgbClr>
-                  </a:outerShdw>
-                </a:effectLst>
-                <a:latin typeface="Calibri" pitchFamily="34" charset="0"/>
-                <a:cs typeface="Calibri" pitchFamily="34" charset="0"/>
-              </a:rPr>
-              <a:t>SpeedUp</a:t>
-            </a:r>
-            <a:endParaRPr lang="en-US" sz="2600" dirty="0">
-              <a:solidFill>
-                <a:schemeClr val="bg1"/>
-              </a:solidFill>
-              <a:effectLst>
-                <a:outerShdw blurRad="38100" dist="38100" dir="2700000" algn="tl">
-                  <a:srgbClr val="000000">
-                    <a:alpha val="43137"/>
-                  </a:srgbClr>
-                </a:outerShdw>
-              </a:effectLst>
-              <a:latin typeface="Calibri" pitchFamily="34" charset="0"/>
-              <a:cs typeface="Calibri" pitchFamily="34" charset="0"/>
-            </a:endParaRPr>
-          </a:p>
-        </p:txBody>
-      </p:sp>
-      <p:pic>
-        <p:nvPicPr>
-          <p:cNvPr id="44036" name="Picture 14" descr="logo_udelar_fondo_blue.tif"/>
-          <p:cNvPicPr>
-            <a:picLocks noChangeAspect="1"/>
-          </p:cNvPicPr>
-          <p:nvPr/>
-        </p:nvPicPr>
-        <p:blipFill>
-          <a:blip r:embed="rId5" cstate="print"/>
-          <a:srcRect/>
-          <a:stretch>
-            <a:fillRect/>
-          </a:stretch>
-        </p:blipFill>
-        <p:spPr bwMode="auto">
-          <a:xfrm>
-            <a:off x="8096250" y="0"/>
-            <a:ext cx="1047750" cy="1250950"/>
-          </a:xfrm>
-          <a:prstGeom prst="rect">
-            <a:avLst/>
-          </a:prstGeom>
-          <a:noFill/>
-          <a:ln w="9525">
-            <a:noFill/>
-            <a:miter lim="800000"/>
-            <a:headEnd/>
-            <a:tailEnd/>
-          </a:ln>
-        </p:spPr>
-      </p:pic>
-      <p:pic>
-        <p:nvPicPr>
-          <p:cNvPr id="44038" name="Picture 3"/>
-          <p:cNvPicPr>
-            <a:picLocks noChangeAspect="1" noChangeArrowheads="1"/>
-          </p:cNvPicPr>
-          <p:nvPr/>
-        </p:nvPicPr>
-        <p:blipFill>
-          <a:blip r:embed="rId6" cstate="print"/>
-          <a:srcRect/>
-          <a:stretch>
-            <a:fillRect/>
-          </a:stretch>
-        </p:blipFill>
-        <p:spPr bwMode="auto">
-          <a:xfrm>
-            <a:off x="0" y="3643668"/>
-            <a:ext cx="4740275" cy="2228850"/>
-          </a:xfrm>
-          <a:prstGeom prst="rect">
-            <a:avLst/>
-          </a:prstGeom>
-          <a:noFill/>
-          <a:ln w="9525">
-            <a:noFill/>
-            <a:miter lim="800000"/>
-            <a:headEnd/>
-            <a:tailEnd/>
-          </a:ln>
-        </p:spPr>
-      </p:pic>
-      <p:pic>
-        <p:nvPicPr>
-          <p:cNvPr id="44039" name="Picture 2"/>
-          <p:cNvPicPr>
-            <a:picLocks noChangeAspect="1"/>
-          </p:cNvPicPr>
-          <p:nvPr/>
-        </p:nvPicPr>
-        <p:blipFill>
-          <a:blip r:embed="rId7" cstate="print"/>
-          <a:srcRect/>
-          <a:stretch>
-            <a:fillRect/>
-          </a:stretch>
-        </p:blipFill>
-        <p:spPr bwMode="auto">
-          <a:xfrm>
-            <a:off x="4840549" y="2681739"/>
-            <a:ext cx="4085088" cy="3736680"/>
-          </a:xfrm>
-          <a:prstGeom prst="rect">
-            <a:avLst/>
-          </a:prstGeom>
-          <a:noFill/>
-          <a:ln w="9525">
-            <a:noFill/>
-            <a:miter lim="800000"/>
-            <a:headEnd/>
-            <a:tailEnd/>
-          </a:ln>
-        </p:spPr>
-      </p:pic>
-      <p:sp>
-        <p:nvSpPr>
-          <p:cNvPr id="17416" name="Rectangle 5"/>
-          <p:cNvSpPr>
-            <a:spLocks noChangeArrowheads="1"/>
-          </p:cNvSpPr>
-          <p:nvPr/>
-        </p:nvSpPr>
-        <p:spPr bwMode="auto">
-          <a:xfrm>
-            <a:off x="1587" y="6098369"/>
-            <a:ext cx="4575176" cy="431800"/>
-          </a:xfrm>
-          <a:prstGeom prst="rect">
-            <a:avLst/>
-          </a:prstGeom>
-          <a:noFill/>
-          <a:ln w="9525">
-            <a:noFill/>
-            <a:miter lim="800000"/>
-            <a:headEnd/>
-            <a:tailEnd/>
-          </a:ln>
-        </p:spPr>
-        <p:txBody>
-          <a:bodyPr>
-            <a:spAutoFit/>
-          </a:bodyPr>
-          <a:lstStyle/>
-          <a:p>
-            <a:pPr marL="342900" lvl="1" indent="-342900" algn="just">
-              <a:spcBef>
-                <a:spcPts val="200"/>
-              </a:spcBef>
-              <a:buFont typeface="Courier New" pitchFamily="49" charset="0"/>
-              <a:buChar char="•"/>
-            </a:pPr>
-            <a:r>
-              <a:rPr lang="es-ES" sz="2200">
-                <a:solidFill>
-                  <a:srgbClr val="C00000"/>
-                </a:solidFill>
-                <a:latin typeface="Calibri" pitchFamily="34" charset="0"/>
-                <a:ea typeface="PMingLiU" pitchFamily="18" charset="-120"/>
-              </a:rPr>
-              <a:t>Linear </a:t>
-            </a:r>
-            <a:r>
-              <a:rPr lang="es-ES" sz="2000">
-                <a:solidFill>
-                  <a:srgbClr val="003399"/>
-                </a:solidFill>
-                <a:latin typeface="Calibri" pitchFamily="34" charset="0"/>
-                <a:ea typeface="PMingLiU" pitchFamily="18" charset="-120"/>
-              </a:rPr>
-              <a:t>speedup</a:t>
-            </a:r>
-            <a:endParaRPr lang="es-ES" sz="2000">
-              <a:solidFill>
-                <a:srgbClr val="C00000"/>
-              </a:solidFill>
-              <a:latin typeface="Calibri" pitchFamily="34" charset="0"/>
-              <a:ea typeface="PMingLiU" pitchFamily="18" charset="-120"/>
-            </a:endParaRPr>
-          </a:p>
-        </p:txBody>
-      </p:sp>
-      <p:sp>
-        <p:nvSpPr>
-          <p:cNvPr id="2" name="Rounded Rectangle 1"/>
-          <p:cNvSpPr>
-            <a:spLocks noChangeArrowheads="1"/>
-          </p:cNvSpPr>
-          <p:nvPr/>
-        </p:nvSpPr>
-        <p:spPr bwMode="auto">
-          <a:xfrm>
-            <a:off x="4108450" y="5226832"/>
-            <a:ext cx="441325" cy="273050"/>
-          </a:xfrm>
-          <a:prstGeom prst="roundRect">
-            <a:avLst>
-              <a:gd name="adj" fmla="val 16667"/>
-            </a:avLst>
-          </a:prstGeom>
-          <a:noFill/>
-          <a:ln w="28575" algn="ctr">
-            <a:solidFill>
-              <a:srgbClr val="FF0000"/>
-            </a:solidFill>
-            <a:round/>
-            <a:headEnd/>
-            <a:tailEnd/>
-          </a:ln>
-        </p:spPr>
-        <p:txBody>
-          <a:bodyPr wrap="none" anchor="ctr"/>
-          <a:lstStyle/>
-          <a:p>
-            <a:endParaRPr lang="en-US"/>
-          </a:p>
-        </p:txBody>
-      </p:sp>
-      <p:cxnSp>
-        <p:nvCxnSpPr>
-          <p:cNvPr id="4" name="Elbow Connector 3"/>
-          <p:cNvCxnSpPr>
-            <a:cxnSpLocks noChangeShapeType="1"/>
-          </p:cNvCxnSpPr>
-          <p:nvPr/>
-        </p:nvCxnSpPr>
-        <p:spPr bwMode="auto">
-          <a:xfrm flipV="1">
-            <a:off x="2579688" y="5663394"/>
-            <a:ext cx="1749425" cy="650875"/>
-          </a:xfrm>
-          <a:prstGeom prst="bentConnector3">
-            <a:avLst>
-              <a:gd name="adj1" fmla="val 99931"/>
-            </a:avLst>
-          </a:prstGeom>
-          <a:noFill/>
-          <a:ln w="28575" algn="ctr">
-            <a:solidFill>
-              <a:srgbClr val="FF0000"/>
-            </a:solidFill>
-            <a:prstDash val="dash"/>
-            <a:round/>
-            <a:headEnd/>
-            <a:tailEnd type="arrow" w="med" len="med"/>
-          </a:ln>
-        </p:spPr>
-      </p:cxnSp>
-      <p:sp>
-        <p:nvSpPr>
-          <p:cNvPr id="44051" name="19 CuadroTexto"/>
-          <p:cNvSpPr txBox="1">
-            <a:spLocks noChangeArrowheads="1"/>
-          </p:cNvSpPr>
-          <p:nvPr/>
-        </p:nvSpPr>
-        <p:spPr bwMode="auto">
-          <a:xfrm>
-            <a:off x="6048375" y="5880100"/>
-            <a:ext cx="2038350" cy="252413"/>
-          </a:xfrm>
-          <a:prstGeom prst="rect">
-            <a:avLst/>
-          </a:prstGeom>
-          <a:solidFill>
-            <a:schemeClr val="bg1"/>
-          </a:solidFill>
-          <a:ln w="9525">
-            <a:noFill/>
-            <a:miter lim="800000"/>
-            <a:headEnd/>
-            <a:tailEnd/>
-          </a:ln>
-        </p:spPr>
-        <p:txBody>
-          <a:bodyPr/>
-          <a:lstStyle/>
-          <a:p>
-            <a:r>
-              <a:rPr lang="es-UY" sz="1400">
-                <a:latin typeface="Calibri" pitchFamily="34" charset="0"/>
-              </a:rPr>
-              <a:t>processors</a:t>
-            </a:r>
-          </a:p>
-        </p:txBody>
-      </p:sp>
-      <p:sp>
-        <p:nvSpPr>
-          <p:cNvPr id="44052" name="20 CuadroTexto"/>
-          <p:cNvSpPr txBox="1">
-            <a:spLocks noChangeArrowheads="1"/>
-          </p:cNvSpPr>
-          <p:nvPr/>
-        </p:nvSpPr>
-        <p:spPr bwMode="auto">
-          <a:xfrm rot="-5400000">
-            <a:off x="3903663" y="3684588"/>
-            <a:ext cx="1665287" cy="293687"/>
-          </a:xfrm>
-          <a:prstGeom prst="rect">
-            <a:avLst/>
-          </a:prstGeom>
-          <a:solidFill>
-            <a:schemeClr val="bg1"/>
-          </a:solidFill>
-          <a:ln w="9525">
-            <a:noFill/>
-            <a:miter lim="800000"/>
-            <a:headEnd/>
-            <a:tailEnd/>
-          </a:ln>
-        </p:spPr>
-        <p:txBody>
-          <a:bodyPr/>
-          <a:lstStyle/>
-          <a:p>
-            <a:r>
-              <a:rPr lang="es-UY" sz="1400">
-                <a:latin typeface="Calibri" pitchFamily="34" charset="0"/>
-              </a:rPr>
-              <a:t>speedup</a:t>
-            </a:r>
-          </a:p>
-        </p:txBody>
-      </p:sp>
-      <p:graphicFrame>
-        <p:nvGraphicFramePr>
-          <p:cNvPr id="3" name="Object 2"/>
-          <p:cNvGraphicFramePr>
-            <a:graphicFrameLocks noChangeAspect="1"/>
-          </p:cNvGraphicFramePr>
-          <p:nvPr/>
-        </p:nvGraphicFramePr>
-        <p:xfrm>
-          <a:off x="6143814" y="1451521"/>
-          <a:ext cx="1597025" cy="862012"/>
-        </p:xfrm>
-        <a:graphic>
-          <a:graphicData uri="http://schemas.openxmlformats.org/presentationml/2006/ole">
-            <p:oleObj spid="_x0000_s3074" name="Equation" r:id="rId8" imgW="799753" imgH="431613" progId="Equation.3">
-              <p:embed/>
-            </p:oleObj>
-          </a:graphicData>
-        </a:graphic>
-      </p:graphicFrame>
-      <p:sp>
-        <p:nvSpPr>
-          <p:cNvPr id="23" name="Rectangle 5"/>
-          <p:cNvSpPr>
-            <a:spLocks noChangeArrowheads="1"/>
-          </p:cNvSpPr>
-          <p:nvPr/>
-        </p:nvSpPr>
-        <p:spPr bwMode="auto">
-          <a:xfrm>
-            <a:off x="0" y="1045621"/>
-            <a:ext cx="5786650" cy="2534027"/>
-          </a:xfrm>
-          <a:prstGeom prst="rect">
-            <a:avLst/>
-          </a:prstGeom>
-          <a:noFill/>
-          <a:ln>
-            <a:noFill/>
-          </a:ln>
-          <a:extLst>
-            <a:ext uri="{909E8E84-426E-40DD-AFC4-6F175D3DCCD1}"/>
-            <a:ext uri="{91240B29-F687-4F45-9708-019B960494DF}"/>
-          </a:extLst>
-        </p:spPr>
-        <p:txBody>
-          <a:bodyPr wrap="square">
-            <a:spAutoFit/>
-          </a:bodyPr>
-          <a:lstStyle/>
-          <a:p>
-            <a:pPr marL="914400" lvl="3" algn="just">
-              <a:spcBef>
-                <a:spcPts val="200"/>
-              </a:spcBef>
-              <a:defRPr/>
-            </a:pPr>
-            <a:endParaRPr lang="es-ES" sz="1400" dirty="0">
-              <a:solidFill>
-                <a:srgbClr val="003399"/>
-              </a:solidFill>
-              <a:latin typeface="Calibri" pitchFamily="34" charset="0"/>
-              <a:ea typeface="PMingLiU" pitchFamily="18" charset="-120"/>
-            </a:endParaRPr>
-          </a:p>
-          <a:p>
-            <a:pPr lvl="2" indent="-457200" algn="just">
-              <a:spcBef>
-                <a:spcPts val="200"/>
-              </a:spcBef>
-              <a:buFont typeface="Courier New" pitchFamily="49" charset="0"/>
-              <a:buAutoNum type="arabicPeriod"/>
-              <a:defRPr/>
-            </a:pPr>
-            <a:r>
-              <a:rPr lang="es-ES" sz="2200" smtClean="0">
-                <a:solidFill>
-                  <a:srgbClr val="800000"/>
-                </a:solidFill>
-                <a:latin typeface="Calibri" pitchFamily="34" charset="0"/>
-                <a:ea typeface="PMingLiU" pitchFamily="18" charset="-120"/>
-              </a:rPr>
-              <a:t>Speedup: </a:t>
-            </a:r>
-            <a:r>
-              <a:rPr lang="es-ES" sz="2200" smtClean="0">
-                <a:solidFill>
-                  <a:srgbClr val="003399"/>
-                </a:solidFill>
-                <a:latin typeface="Calibri" pitchFamily="34" charset="0"/>
-                <a:ea typeface="PMingLiU" pitchFamily="18" charset="-120"/>
-              </a:rPr>
-              <a:t>time acceleration when using parallelism</a:t>
-            </a:r>
-          </a:p>
-          <a:p>
-            <a:pPr lvl="3" indent="-457200" algn="just">
-              <a:spcBef>
-                <a:spcPts val="200"/>
-              </a:spcBef>
-              <a:buFont typeface="Arial" pitchFamily="34" charset="0"/>
-              <a:buChar char="•"/>
-              <a:defRPr/>
-            </a:pPr>
-            <a:r>
-              <a:rPr lang="es-ES" sz="2000" smtClean="0">
-                <a:solidFill>
-                  <a:srgbClr val="003399"/>
-                </a:solidFill>
-                <a:latin typeface="Calibri" pitchFamily="34" charset="0"/>
-                <a:ea typeface="PMingLiU" pitchFamily="18" charset="-120"/>
-              </a:rPr>
-              <a:t>Ratio between the execution time of the sequential algorithm and the parallel algorithm using </a:t>
-            </a:r>
-            <a:r>
-              <a:rPr lang="es-ES" sz="2000" i="1" smtClean="0">
-                <a:solidFill>
-                  <a:srgbClr val="003399"/>
-                </a:solidFill>
-                <a:latin typeface="Calibri" pitchFamily="34" charset="0"/>
-                <a:ea typeface="PMingLiU" pitchFamily="18" charset="-120"/>
-              </a:rPr>
-              <a:t>N</a:t>
-            </a:r>
-            <a:r>
-              <a:rPr lang="es-ES" sz="2000" smtClean="0">
-                <a:solidFill>
-                  <a:srgbClr val="003399"/>
-                </a:solidFill>
-                <a:latin typeface="Calibri" pitchFamily="34" charset="0"/>
-                <a:ea typeface="PMingLiU" pitchFamily="18" charset="-120"/>
-              </a:rPr>
-              <a:t> computing resources</a:t>
-            </a:r>
-          </a:p>
-          <a:p>
-            <a:pPr lvl="3" indent="-457200" algn="just">
-              <a:spcBef>
-                <a:spcPts val="200"/>
-              </a:spcBef>
-              <a:buFont typeface="Arial" pitchFamily="34" charset="0"/>
-              <a:buChar char="•"/>
-              <a:defRPr/>
-            </a:pPr>
-            <a:endParaRPr lang="es-ES" sz="2000" smtClean="0">
-              <a:solidFill>
-                <a:srgbClr val="003399"/>
-              </a:solidFill>
-              <a:latin typeface="Calibri" pitchFamily="34" charset="0"/>
-              <a:ea typeface="PMingLiU" pitchFamily="18" charset="-120"/>
-            </a:endParaRPr>
-          </a:p>
-          <a:p>
-            <a:pPr lvl="3" indent="-457200" algn="just">
-              <a:spcBef>
-                <a:spcPts val="200"/>
-              </a:spcBef>
-              <a:defRPr/>
-            </a:pPr>
-            <a:endParaRPr lang="es-ES" sz="1400" dirty="0">
-              <a:solidFill>
-                <a:srgbClr val="003399"/>
-              </a:solidFill>
-              <a:latin typeface="Calibri" pitchFamily="34" charset="0"/>
-              <a:ea typeface="PMingLiU" pitchFamily="18" charset="-120"/>
-            </a:endParaRPr>
-          </a:p>
-        </p:txBody>
-      </p:sp>
-    </p:spTree>
-    <p:custDataLst>
-      <p:tags r:id="rId2"/>
-    </p:custDataLst>
-  </p:cSld>
-  <p:clrMapOvr>
-    <a:masterClrMapping/>
-  </p:clrMapOvr>
-  <p:transition/>
-  <p:timing>
-    <p:tnLst>
-      <p:par>
-        <p:cTn id="1" dur="indefinite" restart="never" nodeType="tmRoot">
-          <p:childTnLst>
-            <p:seq concurrent="1" nextAc="seek">
-              <p:cTn id="2" dur="indefinite" nodeType="mainSeq">
-                <p:childTnLst>
-                  <p:par>
-                    <p:cTn id="3" fill="hold" nodeType="clickPar">
-                      <p:stCondLst>
-                        <p:cond delay="indefinite"/>
-                      </p:stCondLst>
-                      <p:childTnLst>
-                        <p:par>
-                          <p:cTn id="4" fill="hold" nodeType="withGroup">
-                            <p:stCondLst>
-                              <p:cond delay="0"/>
-                            </p:stCondLst>
-                            <p:childTnLst>
-                              <p:par>
-                                <p:cTn id="5" presetID="2" presetClass="entr" presetSubtype="4" fill="hold" nodeType="clickEffect">
-                                  <p:stCondLst>
-                                    <p:cond delay="0"/>
-                                  </p:stCondLst>
-                                  <p:childTnLst>
-                                    <p:set>
-                                      <p:cBhvr>
-                                        <p:cTn id="6" dur="1" fill="hold">
-                                          <p:stCondLst>
-                                            <p:cond delay="0"/>
-                                          </p:stCondLst>
-                                        </p:cTn>
-                                        <p:tgtEl>
-                                          <p:spTgt spid="4"/>
-                                        </p:tgtEl>
-                                        <p:attrNameLst>
-                                          <p:attrName>style.visibility</p:attrName>
-                                        </p:attrNameLst>
-                                      </p:cBhvr>
-                                      <p:to>
-                                        <p:strVal val="visible"/>
-                                      </p:to>
-                                    </p:set>
-                                    <p:anim calcmode="lin" valueType="num">
-                                      <p:cBhvr additive="base">
-                                        <p:cTn id="7" dur="500" fill="hold"/>
-                                        <p:tgtEl>
-                                          <p:spTgt spid="4"/>
-                                        </p:tgtEl>
-                                        <p:attrNameLst>
-                                          <p:attrName>ppt_x</p:attrName>
-                                        </p:attrNameLst>
-                                      </p:cBhvr>
-                                      <p:tavLst>
-                                        <p:tav tm="0">
-                                          <p:val>
-                                            <p:strVal val="#ppt_x"/>
-                                          </p:val>
-                                        </p:tav>
-                                        <p:tav tm="100000">
-                                          <p:val>
-                                            <p:strVal val="#ppt_x"/>
-                                          </p:val>
-                                        </p:tav>
-                                      </p:tavLst>
-                                    </p:anim>
-                                    <p:anim calcmode="lin" valueType="num">
-                                      <p:cBhvr additive="base">
-                                        <p:cTn id="8" dur="500" fill="hold"/>
-                                        <p:tgtEl>
-                                          <p:spTgt spid="4"/>
-                                        </p:tgtEl>
-                                        <p:attrNameLst>
-                                          <p:attrName>ppt_y</p:attrName>
-                                        </p:attrNameLst>
-                                      </p:cBhvr>
-                                      <p:tavLst>
-                                        <p:tav tm="0">
-                                          <p:val>
-                                            <p:strVal val="1+#ppt_h/2"/>
-                                          </p:val>
-                                        </p:tav>
-                                        <p:tav tm="100000">
-                                          <p:val>
-                                            <p:strVal val="#ppt_y"/>
-                                          </p:val>
-                                        </p:tav>
-                                      </p:tavLst>
-                                    </p:anim>
-                                  </p:childTnLst>
-                                </p:cTn>
-                              </p:par>
-                              <p:par>
-                                <p:cTn id="9" presetID="2" presetClass="entr" presetSubtype="4" fill="hold" grpId="0" nodeType="withEffect">
-                                  <p:stCondLst>
-                                    <p:cond delay="0"/>
-                                  </p:stCondLst>
-                                  <p:childTnLst>
-                                    <p:set>
-                                      <p:cBhvr>
-                                        <p:cTn id="10" dur="1" fill="hold">
-                                          <p:stCondLst>
-                                            <p:cond delay="0"/>
-                                          </p:stCondLst>
-                                        </p:cTn>
-                                        <p:tgtEl>
-                                          <p:spTgt spid="2"/>
-                                        </p:tgtEl>
-                                        <p:attrNameLst>
-                                          <p:attrName>style.visibility</p:attrName>
-                                        </p:attrNameLst>
-                                      </p:cBhvr>
-                                      <p:to>
-                                        <p:strVal val="visible"/>
-                                      </p:to>
-                                    </p:set>
-                                    <p:anim calcmode="lin" valueType="num">
-                                      <p:cBhvr additive="base">
-                                        <p:cTn id="11" dur="500" fill="hold"/>
-                                        <p:tgtEl>
-                                          <p:spTgt spid="2"/>
-                                        </p:tgtEl>
-                                        <p:attrNameLst>
-                                          <p:attrName>ppt_x</p:attrName>
-                                        </p:attrNameLst>
-                                      </p:cBhvr>
-                                      <p:tavLst>
-                                        <p:tav tm="0">
-                                          <p:val>
-                                            <p:strVal val="#ppt_x"/>
-                                          </p:val>
-                                        </p:tav>
-                                        <p:tav tm="100000">
-                                          <p:val>
-                                            <p:strVal val="#ppt_x"/>
-                                          </p:val>
-                                        </p:tav>
-                                      </p:tavLst>
-                                    </p:anim>
-                                    <p:anim calcmode="lin" valueType="num">
-                                      <p:cBhvr additive="base">
-                                        <p:cTn id="12" dur="500" fill="hold"/>
-                                        <p:tgtEl>
-                                          <p:spTgt spid="2"/>
-                                        </p:tgtEl>
-                                        <p:attrNameLst>
-                                          <p:attrName>ppt_y</p:attrName>
-                                        </p:attrNameLst>
-                                      </p:cBhvr>
-                                      <p:tavLst>
-                                        <p:tav tm="0">
-                                          <p:val>
-                                            <p:strVal val="1+#ppt_h/2"/>
-                                          </p:val>
-                                        </p:tav>
-                                        <p:tav tm="100000">
-                                          <p:val>
-                                            <p:strVal val="#ppt_y"/>
-                                          </p:val>
-                                        </p:tav>
-                                      </p:tavLst>
-                                    </p:anim>
-                                  </p:childTnLst>
-                                </p:cTn>
-                              </p:par>
-                              <p:par>
-                                <p:cTn id="13" presetID="2" presetClass="entr" presetSubtype="4" fill="hold" grpId="0" nodeType="withEffect">
-                                  <p:stCondLst>
-                                    <p:cond delay="0"/>
-                                  </p:stCondLst>
-                                  <p:childTnLst>
-                                    <p:set>
-                                      <p:cBhvr>
-                                        <p:cTn id="14" dur="1" fill="hold">
-                                          <p:stCondLst>
-                                            <p:cond delay="0"/>
-                                          </p:stCondLst>
-                                        </p:cTn>
-                                        <p:tgtEl>
-                                          <p:spTgt spid="17416"/>
-                                        </p:tgtEl>
-                                        <p:attrNameLst>
-                                          <p:attrName>style.visibility</p:attrName>
-                                        </p:attrNameLst>
-                                      </p:cBhvr>
-                                      <p:to>
-                                        <p:strVal val="visible"/>
-                                      </p:to>
-                                    </p:set>
-                                    <p:anim calcmode="lin" valueType="num">
-                                      <p:cBhvr additive="base">
-                                        <p:cTn id="15" dur="500" fill="hold"/>
-                                        <p:tgtEl>
-                                          <p:spTgt spid="17416"/>
-                                        </p:tgtEl>
-                                        <p:attrNameLst>
-                                          <p:attrName>ppt_x</p:attrName>
-                                        </p:attrNameLst>
-                                      </p:cBhvr>
-                                      <p:tavLst>
-                                        <p:tav tm="0">
-                                          <p:val>
-                                            <p:strVal val="#ppt_x"/>
-                                          </p:val>
-                                        </p:tav>
-                                        <p:tav tm="100000">
-                                          <p:val>
-                                            <p:strVal val="#ppt_x"/>
-                                          </p:val>
-                                        </p:tav>
-                                      </p:tavLst>
-                                    </p:anim>
-                                    <p:anim calcmode="lin" valueType="num">
-                                      <p:cBhvr additive="base">
-                                        <p:cTn id="16" dur="500" fill="hold"/>
-                                        <p:tgtEl>
-                                          <p:spTgt spid="17416"/>
-                                        </p:tgtEl>
-                                        <p:attrNameLst>
-                                          <p:attrName>ppt_y</p:attrName>
-                                        </p:attrNameLst>
-                                      </p:cBhvr>
-                                      <p:tavLst>
-                                        <p:tav tm="0">
-                                          <p:val>
-                                            <p:strVal val="1+#ppt_h/2"/>
-                                          </p:val>
-                                        </p:tav>
-                                        <p:tav tm="100000">
-                                          <p:val>
-                                            <p:strVal val="#ppt_y"/>
-                                          </p:val>
-                                        </p:tav>
-                                      </p:tavLst>
-                                    </p:anim>
-                                  </p:childTnLst>
-                                </p:cTn>
-                              </p:par>
-                              <p:par>
-                                <p:cTn id="17" presetID="1" presetClass="entr" presetSubtype="0" fill="hold" nodeType="withEffect">
-                                  <p:stCondLst>
-                                    <p:cond delay="0"/>
-                                  </p:stCondLst>
-                                  <p:childTnLst>
-                                    <p:set>
-                                      <p:cBhvr>
-                                        <p:cTn id="18" dur="1" fill="hold">
-                                          <p:stCondLst>
-                                            <p:cond delay="0"/>
-                                          </p:stCondLst>
-                                        </p:cTn>
-                                        <p:tgtEl>
-                                          <p:spTgt spid="3"/>
-                                        </p:tgtEl>
-                                        <p:attrNameLst>
-                                          <p:attrName>style.visibility</p:attrName>
-                                        </p:attrNameLst>
-                                      </p:cBhvr>
-                                      <p:to>
-                                        <p:strVal val="visible"/>
-                                      </p:to>
-                                    </p:set>
-                                  </p:childTnLst>
-                                </p:cTn>
-                              </p:par>
-                              <p:par>
-                                <p:cTn id="19" presetID="1" presetClass="entr" presetSubtype="0" fill="hold" nodeType="withEffect">
-                                  <p:stCondLst>
-                                    <p:cond delay="0"/>
-                                  </p:stCondLst>
-                                  <p:childTnLst>
-                                    <p:set>
-                                      <p:cBhvr>
-                                        <p:cTn id="20" dur="1" fill="hold">
-                                          <p:stCondLst>
-                                            <p:cond delay="0"/>
-                                          </p:stCondLst>
-                                        </p:cTn>
-                                        <p:tgtEl>
-                                          <p:spTgt spid="23">
-                                            <p:txEl>
-                                              <p:pRg st="1" end="1"/>
-                                            </p:txEl>
-                                          </p:spTgt>
-                                        </p:tgtEl>
-                                        <p:attrNameLst>
-                                          <p:attrName>style.visibility</p:attrName>
-                                        </p:attrNameLst>
-                                      </p:cBhvr>
-                                      <p:to>
-                                        <p:strVal val="visible"/>
-                                      </p:to>
-                                    </p:set>
-                                  </p:childTnLst>
-                                </p:cTn>
-                              </p:par>
-                              <p:par>
-                                <p:cTn id="21" presetID="1" presetClass="entr" presetSubtype="0" fill="hold" nodeType="withEffect">
-                                  <p:stCondLst>
-                                    <p:cond delay="0"/>
-                                  </p:stCondLst>
-                                  <p:childTnLst>
-                                    <p:set>
-                                      <p:cBhvr>
-                                        <p:cTn id="22" dur="1" fill="hold">
-                                          <p:stCondLst>
-                                            <p:cond delay="0"/>
-                                          </p:stCondLst>
-                                        </p:cTn>
-                                        <p:tgtEl>
-                                          <p:spTgt spid="23">
-                                            <p:txEl>
-                                              <p:pRg st="2" end="2"/>
-                                            </p:txEl>
-                                          </p:spTgt>
-                                        </p:tgtEl>
-                                        <p:attrNameLst>
-                                          <p:attrName>style.visibility</p:attrName>
-                                        </p:attrNameLst>
-                                      </p:cBhvr>
-                                      <p:to>
-                                        <p:strVal val="visible"/>
-                                      </p:to>
-                                    </p:set>
-                                  </p:childTnLst>
-                                </p:cTn>
-                              </p:par>
-                            </p:childTnLst>
-                          </p:cTn>
-                        </p:par>
-                      </p:childTnLst>
-                    </p:cTn>
-                  </p:par>
-                </p:childTnLst>
-              </p:cTn>
-              <p:prevCondLst>
-                <p:cond evt="onPrev" delay="0">
-                  <p:tgtEl>
-                    <p:sldTgt/>
-                  </p:tgtEl>
-                </p:cond>
-              </p:prevCondLst>
-              <p:nextCondLst>
-                <p:cond evt="onNext" delay="0">
-                  <p:tgtEl>
-                    <p:sldTgt/>
-                  </p:tgtEl>
-                </p:cond>
-              </p:nextCondLst>
-            </p:seq>
-          </p:childTnLst>
-        </p:cTn>
-      </p:par>
-    </p:tnLst>
-    <p:bldLst>
-      <p:bldP spid="17416" grpId="0"/>
-      <p:bldP spid="2" grpId="0" animBg="1"/>
-    </p:bldLst>
-  </p:timing>
-</p:sld>
-</file>
-
-<file path=ppt/slides/slide33.xml><?xml version="1.0" encoding="utf-8"?>
 <p:sld xmlns:a="http://schemas.openxmlformats.org/drawingml/2006/main" xmlns:r="http://schemas.openxmlformats.org/officeDocument/2006/relationships" xmlns:p="http://schemas.openxmlformats.org/presentationml/2006/main">
   <p:cSld>
     <p:spTree>
@@ -21377,7 +18944,7 @@
 </p:sld>
 </file>
 
-<file path=ppt/slides/slide34.xml><?xml version="1.0" encoding="utf-8"?>
+<file path=ppt/slides/slide33.xml><?xml version="1.0" encoding="utf-8"?>
 <p:sld xmlns:a="http://schemas.openxmlformats.org/drawingml/2006/main" xmlns:r="http://schemas.openxmlformats.org/officeDocument/2006/relationships" xmlns:p="http://schemas.openxmlformats.org/presentationml/2006/main">
   <p:cSld>
     <p:spTree>
@@ -21771,7 +19338,7 @@
 </p:sld>
 </file>
 
-<file path=ppt/slides/slide35.xml><?xml version="1.0" encoding="utf-8"?>
+<file path=ppt/slides/slide34.xml><?xml version="1.0" encoding="utf-8"?>
 <p:sld xmlns:a="http://schemas.openxmlformats.org/drawingml/2006/main" xmlns:r="http://schemas.openxmlformats.org/officeDocument/2006/relationships" xmlns:p="http://schemas.openxmlformats.org/presentationml/2006/main">
   <p:cSld>
     <p:spTree>
@@ -22467,242 +20034,7 @@
 </p:sld>
 </file>
 
-<file path=ppt/slides/slide36.xml><?xml version="1.0" encoding="utf-8"?>
-<p:sld xmlns:a="http://schemas.openxmlformats.org/drawingml/2006/main" xmlns:r="http://schemas.openxmlformats.org/officeDocument/2006/relationships" xmlns:p="http://schemas.openxmlformats.org/presentationml/2006/main">
-  <p:cSld>
-    <p:spTree>
-      <p:nvGrpSpPr>
-        <p:cNvPr id="1" name=""/>
-        <p:cNvGrpSpPr/>
-        <p:nvPr/>
-      </p:nvGrpSpPr>
-      <p:grpSpPr>
-        <a:xfrm>
-          <a:off x="0" y="0"/>
-          <a:ext cx="0" cy="0"/>
-          <a:chOff x="0" y="0"/>
-          <a:chExt cx="0" cy="0"/>
-        </a:xfrm>
-      </p:grpSpPr>
-      <p:sp>
-        <p:nvSpPr>
-          <p:cNvPr id="15362" name="Rectangle 2"/>
-          <p:cNvSpPr>
-            <a:spLocks noChangeArrowheads="1"/>
-          </p:cNvSpPr>
-          <p:nvPr/>
-        </p:nvSpPr>
-        <p:spPr bwMode="auto">
-          <a:xfrm>
-            <a:off x="0" y="5943600"/>
-            <a:ext cx="1066800" cy="914400"/>
-          </a:xfrm>
-          <a:prstGeom prst="rect">
-            <a:avLst/>
-          </a:prstGeom>
-          <a:solidFill>
-            <a:schemeClr val="bg1"/>
-          </a:solidFill>
-          <a:ln w="9525">
-            <a:noFill/>
-            <a:miter lim="800000"/>
-            <a:headEnd/>
-            <a:tailEnd/>
-          </a:ln>
-        </p:spPr>
-        <p:txBody>
-          <a:bodyPr anchor="ctr"/>
-          <a:lstStyle/>
-          <a:p>
-            <a:endParaRPr lang="es-ES" dirty="0"/>
-          </a:p>
-        </p:txBody>
-      </p:sp>
-      <p:sp>
-        <p:nvSpPr>
-          <p:cNvPr id="15363" name="Rectangle 9"/>
-          <p:cNvSpPr>
-            <a:spLocks noChangeArrowheads="1"/>
-          </p:cNvSpPr>
-          <p:nvPr/>
-        </p:nvSpPr>
-        <p:spPr bwMode="auto">
-          <a:xfrm>
-            <a:off x="762000" y="6172200"/>
-            <a:ext cx="8382000" cy="685800"/>
-          </a:xfrm>
-          <a:prstGeom prst="rect">
-            <a:avLst/>
-          </a:prstGeom>
-          <a:solidFill>
-            <a:schemeClr val="bg1"/>
-          </a:solidFill>
-          <a:ln w="9525">
-            <a:noFill/>
-            <a:miter lim="800000"/>
-            <a:headEnd/>
-            <a:tailEnd/>
-          </a:ln>
-        </p:spPr>
-        <p:txBody>
-          <a:bodyPr anchor="ctr"/>
-          <a:lstStyle/>
-          <a:p>
-            <a:pPr marL="342900" indent="-342900">
-              <a:spcBef>
-                <a:spcPct val="20000"/>
-              </a:spcBef>
-            </a:pPr>
-            <a:r>
-              <a:rPr lang="es-UY" sz="2000" b="1" dirty="0">
-                <a:solidFill>
-                  <a:srgbClr val="003399"/>
-                </a:solidFill>
-                <a:latin typeface="Candara" pitchFamily="34" charset="0"/>
-              </a:rPr>
-              <a:t>FACULTAD DE INGENIERÍA, UNIVERSIDAD DE LA REPÚBLICA, URUGUAY</a:t>
-            </a:r>
-          </a:p>
-        </p:txBody>
-      </p:sp>
-      <p:pic>
-        <p:nvPicPr>
-          <p:cNvPr id="15364" name="Picture 13"/>
-          <p:cNvPicPr>
-            <a:picLocks noChangeAspect="1" noChangeArrowheads="1"/>
-          </p:cNvPicPr>
-          <p:nvPr/>
-        </p:nvPicPr>
-        <p:blipFill>
-          <a:blip r:embed="rId3" cstate="print"/>
-          <a:srcRect/>
-          <a:stretch>
-            <a:fillRect/>
-          </a:stretch>
-        </p:blipFill>
-        <p:spPr bwMode="auto">
-          <a:xfrm>
-            <a:off x="219075" y="6154738"/>
-            <a:ext cx="619125" cy="703262"/>
-          </a:xfrm>
-          <a:prstGeom prst="rect">
-            <a:avLst/>
-          </a:prstGeom>
-          <a:noFill/>
-          <a:ln w="9525">
-            <a:noFill/>
-            <a:miter lim="800000"/>
-            <a:headEnd/>
-            <a:tailEnd/>
-          </a:ln>
-        </p:spPr>
-      </p:pic>
-      <p:pic>
-        <p:nvPicPr>
-          <p:cNvPr id="15365" name="Picture 1"/>
-          <p:cNvPicPr>
-            <a:picLocks noChangeAspect="1"/>
-          </p:cNvPicPr>
-          <p:nvPr/>
-        </p:nvPicPr>
-        <p:blipFill>
-          <a:blip r:embed="rId4" cstate="print"/>
-          <a:srcRect/>
-          <a:stretch>
-            <a:fillRect/>
-          </a:stretch>
-        </p:blipFill>
-        <p:spPr bwMode="auto">
-          <a:xfrm>
-            <a:off x="0" y="114300"/>
-            <a:ext cx="9144000" cy="6056313"/>
-          </a:xfrm>
-          <a:prstGeom prst="rect">
-            <a:avLst/>
-          </a:prstGeom>
-          <a:noFill/>
-          <a:ln w="9525">
-            <a:noFill/>
-            <a:miter lim="800000"/>
-            <a:headEnd/>
-            <a:tailEnd/>
-          </a:ln>
-        </p:spPr>
-      </p:pic>
-      <p:sp>
-        <p:nvSpPr>
-          <p:cNvPr id="688130" name="Rectangle 2"/>
-          <p:cNvSpPr>
-            <a:spLocks noGrp="1" noChangeArrowheads="1"/>
-          </p:cNvSpPr>
-          <p:nvPr>
-            <p:ph type="title" idx="4294967295"/>
-          </p:nvPr>
-        </p:nvSpPr>
-        <p:spPr>
-          <a:xfrm>
-            <a:off x="0" y="-6350"/>
-            <a:ext cx="9144000" cy="838200"/>
-          </a:xfrm>
-          <a:solidFill>
-            <a:schemeClr val="accent2">
-              <a:lumMod val="75000"/>
-            </a:schemeClr>
-          </a:solidFill>
-          <a:ln algn="ctr"/>
-        </p:spPr>
-        <p:txBody>
-          <a:bodyPr/>
-          <a:lstStyle/>
-          <a:p>
-            <a:pPr>
-              <a:defRPr/>
-            </a:pPr>
-            <a:r>
-              <a:rPr lang="es-UY" sz="3400" b="0" noProof="0" dirty="0" smtClean="0">
-                <a:solidFill>
-                  <a:schemeClr val="bg1"/>
-                </a:solidFill>
-                <a:effectLst>
-                  <a:outerShdw blurRad="38100" dist="38100" dir="2700000" algn="tl">
-                    <a:srgbClr val="000000"/>
-                  </a:outerShdw>
-                </a:effectLst>
-                <a:latin typeface="Calibri" pitchFamily="34" charset="0"/>
-              </a:rPr>
-              <a:t>GRACIAS POR SU ATENCIÓN</a:t>
-            </a:r>
-            <a:endParaRPr lang="es-UY" sz="3400" b="0" noProof="0" dirty="0" smtClean="0">
-              <a:solidFill>
-                <a:schemeClr val="bg1"/>
-              </a:solidFill>
-              <a:effectLst>
-                <a:outerShdw blurRad="38100" dist="38100" dir="2700000" algn="tl">
-                  <a:srgbClr val="000000"/>
-                </a:outerShdw>
-              </a:effectLst>
-              <a:latin typeface="Calibri" pitchFamily="34" charset="0"/>
-            </a:endParaRPr>
-          </a:p>
-        </p:txBody>
-      </p:sp>
-    </p:spTree>
-  </p:cSld>
-  <p:clrMapOvr>
-    <a:masterClrMapping/>
-  </p:clrMapOvr>
-  <p:transition advTm="0"/>
-  <p:timing>
-    <p:tnLst>
-      <p:par>
-        <p:cTn id="1" dur="indefinite" restart="never" nodeType="tmRoot"/>
-      </p:par>
-    </p:tnLst>
-  </p:timing>
-</p:sld>
-</file>
-
-<file path=ppt/slides/slide37.xml><?xml version="1.0" encoding="utf-8"?>
+<file path=ppt/slides/slide35.xml><?xml version="1.0" encoding="utf-8"?>
 <p:sld xmlns:a="http://schemas.openxmlformats.org/drawingml/2006/main" xmlns:r="http://schemas.openxmlformats.org/officeDocument/2006/relationships" xmlns:p="http://schemas.openxmlformats.org/presentationml/2006/main">
   <p:cSld>
     <p:spTree>
@@ -23322,7 +20654,21 @@
                 <a:latin typeface="Calibri" pitchFamily="34" charset="0"/>
                 <a:ea typeface="PMingLiU" pitchFamily="18" charset="-120"/>
               </a:rPr>
-              <a:t>Relevar trabajos relacionados para conocer otras soluciones y herramientas.</a:t>
+              <a:t>Relevar </a:t>
+            </a:r>
+            <a:r>
+              <a:rPr lang="es-UY" noProof="0" smtClean="0">
+                <a:latin typeface="Calibri" pitchFamily="34" charset="0"/>
+                <a:ea typeface="PMingLiU" pitchFamily="18" charset="-120"/>
+              </a:rPr>
+              <a:t>trabajos relacionados </a:t>
+            </a:r>
+            <a:r>
+              <a:rPr lang="es-UY" b="0" noProof="0" smtClean="0">
+                <a:latin typeface="Calibri" pitchFamily="34" charset="0"/>
+                <a:ea typeface="PMingLiU" pitchFamily="18" charset="-120"/>
+              </a:rPr>
+              <a:t>para conocer otras soluciones y herramientas.</a:t>
             </a:r>
           </a:p>
           <a:p>
@@ -23348,7 +20694,21 @@
                 <a:latin typeface="Calibri" pitchFamily="34" charset="0"/>
                 <a:ea typeface="PMingLiU" pitchFamily="18" charset="-120"/>
               </a:rPr>
-              <a:t>Crear un algoritmo evolutivo multiobjetivo que resuelva el problema en la zona del corredor Garzón, optimizando la velocidad media de  ómnibus y otros vehículos.</a:t>
+              <a:t>Crear un </a:t>
+            </a:r>
+            <a:r>
+              <a:rPr lang="es-UY" noProof="0" smtClean="0">
+                <a:latin typeface="Calibri" pitchFamily="34" charset="0"/>
+                <a:ea typeface="PMingLiU" pitchFamily="18" charset="-120"/>
+              </a:rPr>
+              <a:t>algoritmo evolutivo </a:t>
+            </a:r>
+            <a:r>
+              <a:rPr lang="es-UY" b="0" noProof="0" smtClean="0">
+                <a:latin typeface="Calibri" pitchFamily="34" charset="0"/>
+                <a:ea typeface="PMingLiU" pitchFamily="18" charset="-120"/>
+              </a:rPr>
+              <a:t>multiobjetivo que resuelva el problema en la zona del corredor Garzón, optimizando la velocidad media de  ómnibus y otros vehículos.</a:t>
             </a:r>
           </a:p>
           <a:p>
@@ -23374,7 +20734,21 @@
                 <a:latin typeface="Calibri" pitchFamily="34" charset="0"/>
                 <a:ea typeface="PMingLiU" pitchFamily="18" charset="-120"/>
               </a:rPr>
-              <a:t>Aplicar técnicas de computación de alto desempeño para acelerar los tiempos de ejecución.</a:t>
+              <a:t>Aplicar técnicas de </a:t>
+            </a:r>
+            <a:r>
+              <a:rPr lang="es-UY" noProof="0" smtClean="0">
+                <a:latin typeface="Calibri" pitchFamily="34" charset="0"/>
+                <a:ea typeface="PMingLiU" pitchFamily="18" charset="-120"/>
+              </a:rPr>
+              <a:t>computación de alto desempeño </a:t>
+            </a:r>
+            <a:r>
+              <a:rPr lang="es-UY" b="0" noProof="0" smtClean="0">
+                <a:latin typeface="Calibri" pitchFamily="34" charset="0"/>
+                <a:ea typeface="PMingLiU" pitchFamily="18" charset="-120"/>
+              </a:rPr>
+              <a:t>para acelerar los tiempos de ejecución.</a:t>
             </a:r>
             <a:endParaRPr lang="es-UY" b="0" noProof="0" smtClean="0">
               <a:latin typeface="Calibri" pitchFamily="34" charset="0"/>
@@ -24599,7 +21973,21 @@
                 <a:latin typeface="Calibri" pitchFamily="34" charset="0"/>
                 <a:ea typeface="PMingLiU" pitchFamily="18" charset="-120"/>
               </a:rPr>
-              <a:t>La sincronización de semáforos es un problema np-dificil o sea que no existe un método deterministico que lo resuelva.</a:t>
+              <a:t>La sincronización de semáforos es un </a:t>
+            </a:r>
+            <a:r>
+              <a:rPr lang="es-UY" noProof="0" dirty="0" smtClean="0">
+                <a:latin typeface="Calibri" pitchFamily="34" charset="0"/>
+                <a:ea typeface="PMingLiU" pitchFamily="18" charset="-120"/>
+              </a:rPr>
+              <a:t>problema np-dificil </a:t>
+            </a:r>
+            <a:r>
+              <a:rPr lang="es-UY" b="0" noProof="0" dirty="0" smtClean="0">
+                <a:latin typeface="Calibri" pitchFamily="34" charset="0"/>
+                <a:ea typeface="PMingLiU" pitchFamily="18" charset="-120"/>
+              </a:rPr>
+              <a:t>o sea que no existe un método deterministico que lo resuelva.</a:t>
             </a:r>
           </a:p>
           <a:p>
@@ -24624,7 +22012,21 @@
                 <a:latin typeface="Calibri" pitchFamily="34" charset="0"/>
                 <a:ea typeface="PMingLiU" pitchFamily="18" charset="-120"/>
               </a:rPr>
-              <a:t>Dado una red vial con una densidad de trafico asociado se buscara optimizar la velocidad media de los vehículos circulantes, mejorando así la calidad del trafico.</a:t>
+              <a:t>Dado una red vial con una densidad de trafico asociado se buscara </a:t>
+            </a:r>
+            <a:r>
+              <a:rPr lang="es-UY" noProof="0" dirty="0" smtClean="0">
+                <a:latin typeface="Calibri" pitchFamily="34" charset="0"/>
+                <a:ea typeface="PMingLiU" pitchFamily="18" charset="-120"/>
+              </a:rPr>
+              <a:t>optimizar la velocidad media </a:t>
+            </a:r>
+            <a:r>
+              <a:rPr lang="es-UY" b="0" noProof="0" dirty="0" smtClean="0">
+                <a:latin typeface="Calibri" pitchFamily="34" charset="0"/>
+                <a:ea typeface="PMingLiU" pitchFamily="18" charset="-120"/>
+              </a:rPr>
+              <a:t>de los vehículos circulantes, mejorando así la calidad del trafico.</a:t>
             </a:r>
           </a:p>
         </p:txBody>
@@ -25099,6 +22501,77 @@
       </p:grpSpPr>
       <p:sp>
         <p:nvSpPr>
+          <p:cNvPr id="9218" name="Rectangle 3"/>
+          <p:cNvSpPr>
+            <a:spLocks noGrp="1" noChangeArrowheads="1"/>
+          </p:cNvSpPr>
+          <p:nvPr>
+            <p:ph idx="1"/>
+          </p:nvPr>
+        </p:nvSpPr>
+        <p:spPr>
+          <a:xfrm>
+            <a:off x="0" y="1447800"/>
+            <a:ext cx="8761413" cy="2236788"/>
+          </a:xfrm>
+        </p:spPr>
+        <p:txBody>
+          <a:bodyPr/>
+          <a:lstStyle/>
+          <a:p>
+            <a:pPr algn="just" eaLnBrk="1" hangingPunct="1">
+              <a:spcBef>
+                <a:spcPts val="1200"/>
+              </a:spcBef>
+            </a:pPr>
+            <a:r>
+              <a:rPr lang="es-UY" b="0" noProof="0" dirty="0" smtClean="0">
+                <a:latin typeface="Calibri" pitchFamily="34" charset="0"/>
+                <a:ea typeface="PMingLiU" pitchFamily="18" charset="-120"/>
+              </a:rPr>
+              <a:t>Esta ubicado… (meter mapa)</a:t>
+            </a:r>
+          </a:p>
+          <a:p>
+            <a:pPr algn="just" eaLnBrk="1" hangingPunct="1">
+              <a:spcBef>
+                <a:spcPts val="1200"/>
+              </a:spcBef>
+            </a:pPr>
+            <a:r>
+              <a:rPr lang="es-UY" b="0" noProof="0" dirty="0" smtClean="0">
+                <a:latin typeface="Calibri" pitchFamily="34" charset="0"/>
+                <a:ea typeface="PMingLiU" pitchFamily="18" charset="-120"/>
+              </a:rPr>
+              <a:t>X semáforos</a:t>
+            </a:r>
+            <a:endParaRPr lang="es-UY" b="0" noProof="0" dirty="0" smtClean="0">
+              <a:latin typeface="Calibri" pitchFamily="34" charset="0"/>
+              <a:ea typeface="PMingLiU" pitchFamily="18" charset="-120"/>
+            </a:endParaRPr>
+          </a:p>
+          <a:p>
+            <a:pPr algn="just" eaLnBrk="1" hangingPunct="1">
+              <a:spcBef>
+                <a:spcPts val="1200"/>
+              </a:spcBef>
+            </a:pPr>
+            <a:r>
+              <a:rPr lang="es-UY" b="0" noProof="0" dirty="0" smtClean="0">
+                <a:latin typeface="Calibri" pitchFamily="34" charset="0"/>
+                <a:ea typeface="PMingLiU" pitchFamily="18" charset="-120"/>
+              </a:rPr>
+              <a:t>Las autoridades indicaron que no se cumplió el objetivo..</a:t>
+            </a:r>
+            <a:endParaRPr lang="es-UY" b="0" noProof="0" dirty="0" smtClean="0">
+              <a:latin typeface="Calibri" pitchFamily="34" charset="0"/>
+              <a:ea typeface="PMingLiU" pitchFamily="18" charset="-120"/>
+            </a:endParaRPr>
+          </a:p>
+        </p:txBody>
+      </p:sp>
+      <p:sp>
+        <p:nvSpPr>
           <p:cNvPr id="651266" name="Rectangle 2"/>
           <p:cNvSpPr>
             <a:spLocks noChangeArrowheads="1"/>
@@ -25149,38 +22622,6 @@
           </a:p>
         </p:txBody>
       </p:sp>
-      <p:pic>
-        <p:nvPicPr>
-          <p:cNvPr id="9220" name="Picture 2" descr="http://www.montevideo.com.uy/imgnoticias/201009/_W420/296462.jpg"/>
-          <p:cNvPicPr>
-            <a:picLocks noChangeAspect="1" noChangeArrowheads="1"/>
-          </p:cNvPicPr>
-          <p:nvPr/>
-        </p:nvPicPr>
-        <p:blipFill>
-          <a:blip r:embed="rId3" cstate="print"/>
-          <a:srcRect/>
-          <a:stretch>
-            <a:fillRect/>
-          </a:stretch>
-        </p:blipFill>
-        <p:spPr bwMode="auto">
-          <a:xfrm>
-            <a:off x="6162675" y="4435475"/>
-            <a:ext cx="2981325" cy="2136775"/>
-          </a:xfrm>
-          <a:prstGeom prst="rect">
-            <a:avLst/>
-          </a:prstGeom>
-          <a:noFill/>
-          <a:ln w="9525">
-            <a:noFill/>
-            <a:miter lim="800000"/>
-            <a:headEnd/>
-            <a:tailEnd/>
-          </a:ln>
-        </p:spPr>
-      </p:pic>
       <p:sp>
         <p:nvSpPr>
           <p:cNvPr id="9221" name="AutoShape 2" descr="data:image/jpeg;base64,/9j/4AAQSkZJRgABAQAAAQABAAD/2wCEAAkGBxQTEhQUExIWFhQXGRcYGRgXGBoaGRccGhgcFxoXGB0dHCggGR0lGxoYITEhJSkrLi4uFx8zODMsNygtLisBCgoKDg0OGxAQGywkHyQsLCwsLCwsLCwsLCwsLCwsLCwsLCwsLCwsLCwsLCwsLCwsLCwsLCwsLCwsLCwsLCwsLP/AABEIALcBEwMBIgACEQEDEQH/xAAcAAABBQEBAQAAAAAAAAAAAAAEAAIDBQYBBwj/xABIEAACAQIEAwUFBQQHBwMFAAABAhEAAwQSITEFQVEGEyJhcTKBkaGxQlLB0fAUI2LhQ3KSk6LS8QcVFjNTguIkVLI0RGNzg//EABkBAAMBAQEAAAAAAAAAAAAAAAABAgMEBf/EAC0RAAICAQMDBAAFBQEAAAAAAAABAhEhAxIxE0FRBCJhoTJxgbHRQlKRwfAj/9oADAMBAAIRAxEAPwDziIOpEDkN/dSuMWbLB157ev4V2YbTUncbeQorGYcWwjkSSdRGwOxB6fmKkkig+yANuvymnYORv/p/OmJe1/U7HlT0M8/jpympYBi6CZ9DrP8ArUCyRJOkn302dIOnkfnUtpSdABqQNeXKfLelQI4tkmSuuX7O/qR6aU+zPTX9TTrAJbKHUGQNYiOuulSNhyGygEsdQTIkdR668uVPsFj8oAn9CmKhJnN8qgxrnQAHq2+mux6bGus5MRzaBqfF/VnUr50bXQ0wsKPsk+e5oiydJ6/ragLF0ztOsc6sEvoVWAc07cvcfWoZRGwMnXX6eVSpbcjRSeZMRtUbJrI+H4U/9oIFFk15JMrLEyJ+OlabgNu05kXTauKBq8Mp3kQRBrLo5InlR9lAqgk6kiAOY5/Ch2NKj1PgOOvOSrG2yrHjQ6GdvCdQdOpHlWgrD9hluLmyrmU5ZM7b7THwrcVrHgLyKlSpVQCrldpUAMMDX3etQraGrRldhqdz5eWnTapbtkNv8t46T0NdCiTpv86dktWA2sMFDF2Y5idzyMDYeGY+FUHcXjcKs1x0DSqgsvhiZZjGuUqMoJgmWrWuDpH68qDslvFnUEKZVlGrTM6ciNvPeqTM5RKY21tWlOqkBtL7ELAkgEoSJ3jfSa5wm+914Yd0Agym2QQQdSMxGp9kyAB68rS/wy1dLZ2ZjoSCSI0MSBHInQ0ctoAjeAIHyqrIoqb+FcKwdwRlMwDPqTuPn6xWdxfCiCq94IbQlPCJPiImN8o0JgiSNzW3azPmep/XyqrtlbguKNR4gByI2nnI3Hnr507CjNJEOtizcMyC8EvHhGZiTm0htwY5A6CsDx/g7W0uXLpD5nA8EAW31hbgkeIAHwjqZ8vbeE8MSymRBpJJJ1LEnQk/hWJ7e9jGxAtjDXAFV/3ludELj2wBrPlv4yaTLRiuzOHswWS9kYLGdwogn2mGsqAGA5zrpT+ONYXwWme7dhvGUVhAEkKRoTLHUhvwq87QcPTh+GWyozMZJuKMpzbmPaKj2dJ66iTWBW7cb7RPIRJc+SmDB1ncbioeMDXkgxGNAZh3doanRg0zznXrSrTYPtVhVRQvDbZAESxBJ8ySJmlSpFGWw95pY6Q3XXQa/SanvFmXQk6ncyZ0nn5CgrKgwRvrv+Ao0YYESCZ0ED5n9daybGVtq6VkkAHWSdRUlvEk+0SSQACeijKPgABTMdoxWNYGvqJiuKgO06aaCYnYE7Cr7DLHG4hCbarIIENJ0JzZtOnT3VO4y6EySNeUHcjz+VQYfDbgAz7JkZvX3j1FTWnZYJggGAGnTfcTMGZipbAmt3oNt1VcyRuJBjeQf1v1qQ465cul5CsWWAo2PKNf18KEW0d9Pdr8aKwWFNxwqCSRtqcxGoQdCeuw51N9hUclFu3mZgctpwpMhs7KFBUAmTnO3QzRVhHt2+5RWFxgS7AKIPtFAYzHLENroVIEa1XX8r386szpmSSiwTsTlk+1uJPMVqe2/ELTpZXDGUCATADaFpUGPFHM6DfUma07AZS7ipkQupU7aAlRp8DRSBRGuvofz/Co8BZtmCzFrheMoXOQoGrACSx2idBFXB4fnQOzC2kAqlsSTIGpJ3aImNPxiVGlWCBSdtKaggwdxUKvsNxyPl7qLa6QuhEGJkfj+tqy7mZ3DN4gDOUkeenMR5VqbeCRcssCJhZUjQ7iAwG2u2tZ9cC7EKgluUMB8uWlaLh+CzStxTI5E+4QGqjWJpuzHDwtyQ0plJkaagiPqa2VZHsbgCsqSSNSAZGkjz0rXdauEuxLWbO0qVKtBCpVEbWclZIiDKmD1rqtJOmxj1+dZy1YxdMai2SUq5+v1rXaqMlJWgaoD4jIGYFoUGVUauTAGsSADrp+FOtW+7QLLPGksZJ9TzoquVdk1mxogAbAUxbssBHLXXbp9DUj/GuIsUImS4IcSTERvpOmk6fr1rtmyFEDpz+Q0ipmWaSjrVXgjbkgLlVJyzEwF3Mbe+qLi3CnN0YhbncqBLjcv/W+yPs7zGXzNaS2ulMxN5UUs7BVESzEADWBvpvReQr2niPa/jH7QpgM/dqQGAMe1lZ8xHsaR6tE6CsvhrrkqhRWgaJIGYD94ZIIEaH0nqa3nbPFWLK3sIgUBipF0HMQS8urk+IksNxMCB6eaYpwCAm45+fkI2pS5HEcLCneJ5+E79PaFKgTcPMma5UF0OSZAnY1oLV9GtsdVYAkg84ExG3X5VnVssSROsgVMbceEiW2BB+tS1ZQ61hzddyxjwNc1PIDwj1OmlXF2yqqcPmUiCyMvNiJCn+OTl15VVYO7lZlcZTEfKAtabhnDUdwCc4Agg6A9ZP62pSlRSRXcHxds2oKTcktmPQRPrz+VC8TuKdUDbGSGkGOg6AeZoruHt3buCtqpW4y3FZ9WsgCWKtv7Ijzjzqe4VTJbaBlF6y/MHMvtLG+ZY+dLvYiK/hHstD2yoOoEyB6N9oTPxpjOcpgwwJg9dD589vjVrwrEliTcuCbgynOAd9DEggaFifOKpbrBr3cqZOYrm20BkEedJck1kMvondYVAVRTn7xoHeZlLM/2o2ygTG4qXhid81qzlYXUBzGfEQDlVEG8AfDU+ovafBtbvWwysEJhcwCzBCsSNp5E6bCrM3Bh3x6Nlz2yj27itrbfQAIRqZzRG0AztWjdoaRN2fvNZtXnNsSLpglJ2hck8tdN6HXE5wq5QbajVsoAJ1AA+8oPPnlFCdnMM+KJtM8WxLkkwFLRLMRqdAYWfqauLFoW1zEKwggAE7QR3kTpPKs2qZVlVdjaddPIfryoiwrsVU6SdPrt8NasbvD37tXW2QF13kydOkeUE86t24K93KRqo+yBEayTOaAJJ2J+dImjMYiyQ7ySDm3O/xq84FcgDKzFp1EZt/XlQHErah2VrgzgmQZn3zz9KM7NxmgNOvWDHP1pN4NEb3hl28zIbJWYObPI00HJWkzWjOLCJmuEE6TE7+sDy10rI2MYbSgwx32OsGNdNxVjj7Fx8OrFs0gQM2pmNPPn1qeAYXie0iDUAxzJ89hp1ozh/FluNljK2+pGo6jn8qwWIHdrrCtM+JtTAiYmN/rVhwMuueQpzKfaYAyPFqeQrRzdEJG3N5bOZ7txQpO5MR0HnVSONYfMf8A1CZhzGaIJ0AOxrz/ALQ8aN9wG0CADKGJWebbwSfpVRcxGp8O/Qae6s3FPLHuaPb8PiEcHI6vG5Ugx8KlNeF2seeRI+W1XXCe1WIsjwsGTmr6/CdR7jWkHtVUS3Z6ldxiK4RnAYiQDpImNDt7qIrC2+2tm4y95ZI0jMrTEzsOY9fOtxajKsbQIHlFXGVgJjpvFNQanU68qT2gf1t6V1EitCXdj6Q89aVcApClV5O1Hftqw8QBHQiR61LHWmxoZppWTKaqj537Z8YS7euC3aCg3GYuTmd2P8UaJGyj3zWTY+evzr0T/aJg7K3pUEnWQSIHOYHXWsJiF5gCk8OikBk+dKmvuaVAw67YyFTIAYBgTsSpPzINdtXmZw5tl9IgaD9fnQl7FZrSrEwNyddOnSrjgt1UtidswJEesx7oqHhFrkbxNS6Ibtp7IhijxmU8wJGoE6e+rDsli1ulbWovHYzAYRqRr7XlV9g8QG/Z0LD/AJbe17MEqSp9QI51l+LcPEtfsfu3Qhso0Ezuh5GeVRaaplcZDreBL8RVFnMEf1MSI0qt4mmbEEDUKxTN1KjbzgyKZheOMmI/bAsZVZP+82mH/wAtau3wAs4cx7dpVfN/HkRnmeRJYe+m8C5KqzOXKPvbj3aTy1oaxgme7oTmkkEbgjXQzuImrXAFFu3ELLkYpc1j78so10Jg/KgrLzcfL/1SB0ALFY+mvlRlcCoh4jfe4tkMTsx15nNr9KBS1DFW9kEEgcxvHzj31oOMYPJjQhPhVgyiZgFTcf8AxfWq0BTiwGOmdV2/hjb1FVGWB0WPBu8K3QrMoLSyidZBMkc4BI99T3A+mWQPFy1MRJNX3BbAt4oSPDft5l9VaI/skVc38OsWxsP3/Lyn8Kxc8lqODGNaxGXUvlPUbg+70o3DXcTZEq7AeUgaiDA01jSvRRhVgCB5VQ38VbZxEn94wHmRmkDzGYUt9hsozLYPOjXGIzkg/Ej86tuzFrcZQYM+m21CY3jdsObJtuTmy6ZYaSI13HrV12aFtmuG2txMrAEORII3AidNabfYZ3i+LbIGBZSrMNCQBy5elVHEMddche9zBTpJMVoOOlbKgm7kzMYJEiSCYgCs+2BR1DKS0sQXHsyToBMa+tFWQyLHXxI07wwVg5gNonf7Jg+6g8Xi3+9IHlE029fgx0OkbnX8aZi78ObbEAiP9DRYSVHQSdcunWuviY/OdKHbEx6fKmXryEb/AIULJDHXr2bw5uf4bmmrpHXqD8zQ2EfNy2Ma68/yqS+B9nX5EfnWnGCaDFuHpp5VruAdrrlrKr5mAAGrEiB5HyrDWr2m9E2b8UZQHt2A7QWLpUK8M2ykEH0PKiLsi4WzNlUCVEkGdNAOded9h+L/ALzu3QOGGmoBUgzpPKvRr8qxOYDMUAn+tqPfPzqt2B07CSSGAI3kiASNI3MQDrTzXVpp05j0pKSumKS7iyzXXGkCkgihcfbL22VSQSIkbj0rpUaOaUtzPIO3+CCAj2rpaXIk7A6c405SPSvPb7RXo/a/gl0rKkvEZuknRdzrvy9a83xKanykVnNZOiJDlpVEbc8zSqaGRYd4UzRVh+a++q7OZ050bhGMEfo0MZcYS8xIltADGpgTE+/ai7yrllSANiJ/Df8A1qssPvl3gz6aV23iNY2P661k0Fg922ugGxYGPfr8q0d3iIdGz6hzqDudAPwrK42+Q0DSNfWjeH4kXAF+1qT9dqprFjiw/hrJ3ql9YTK39YNHLy1oJwBevwfCzmOoGbOPwp+Yq3kTHlpH8q5cSfETSBsO4hiTcv8AfEmcoHT7OX6Gq3HtLO3NmVvQzyqVWkHX0qO8k6NoR7oojgLZr+L4s9zYugw6EOo8oiN9J008ql/327C3n8AAua6wZQ++T186y9jik2e6MQBp+c71aYFpQRPLYjpUqHY1j7nRprXHWYADVtSBPPcRBideZ50Wb3eC3FsIyhrmusEyCQBodT97nWcNuNm+Bq67PWGNxvHni20gEnpO45U5aaSuzVwpXZV3sCCe9Y6i4smAANRr5Va9lrqnvhI0ct5biD03HKs1xTi95HYIiG3ykTpHPWKuex+M7wOzogExCJExBBMetRs92/4oz3Y2lp2xtqbJGYaMG35xrHzrJ8P4S7pnVjBJG55c61vHbtsLrtmOYZZkweXrzoDAYq0Vyi53ZMABUYjpGsx8a0gZyKjgmERzdW6SCggDmZIgjmTvVbiLQzMpnvQzCAJkKcoO/hkgyPIVacb/AHF6xcFwHvEe2W2AAIYH3TVZZVwWvCYJYoSBLAtqzefl0p1Qhn7PHtSPdUeIK5jlOYCNQCPXere0xbxeJj/EJ1j31S8QMFwTDmIERptP1oWRCRteQFNVzmMt8KbZsyFy6ltI6HaNaZdtwWUgBhE6/lRi6FWCWTyqUXNKEW5rXWeflRQIs8NiSpBBIPvrVYftTeZQGuGQVMnUkg5gSTzmsQl8TvRWHv661Mo2UehDtCCCXGZiB4iAdQZnSOVaXgvHLbZgb6wuWM3M84J1+teVpiSOWnnR+D4qyRkaBM7D5zvWSbTKfg9nLUG3EEmNSfT3c6xOG7ZXBlzBSByAjT0GlXWD7R4a4yq5CHf2jlnkJOgrqevj2nPHQ/uJuMYUX7ZyxBMmVB5Rp585ryPtJ2Ve0hddVDHNIgrqYmvWLmOsM5t23Vo5R9NBPup/FuzoxFhlBz5iGMnUDaATt9ql1k+TTp1wfOjJrSrTcb7PtbvundZIIhSSSAQCJ0PIjnSov5CmYi4kURhWMelSthyRopPoDXHwzLupE9QRVtAiYXNDO5Gm3UU1Ubp8YrtiwSrsBooBPlLAVEaFERzEISNeXpSwVzKTl3iK6OdRSQaGuw0w8XydwZnz+NON+BBMeVDo/nReG4TiL5Hc2blzl4VJHvOw+NLYKx6KWEx7/jTLzXGv5GBN1yFht5aCPlHxrTcH7D44kd5YKrzl0HyzU1/9mnEC5eLYMyCbuv0oUMjtAHaTgty1kc2cigAMQSQ3IE6nXy0qXCYg5AxUKpJA00JG+7eXyq4P+z/HsjC4yMYOXNdJgyDuw0GmsUKOwWMWJW0YBkLdQz8SKHCi1qNO0RpiQdo+X+aj+HcTFpzlbumIZSSUMAxJ3/UVR4jht6wzrdtskwAT7LbnQ7H41CcSX8eXxN08v9Khp9y5az8mgxosd29sXknTLIeTCgclMVP2HdVdreYGQTpPkPtACst3rZ87bk/yp1rDOc7KRGVjGmsQTvRtxVmLnk9RxXDmKtAVpJ3dPh7RqkvWWiM4BVdFAkTJklgNBsd6x4x1xk8JVdQCNJ2M8oirrhaY27ZYYS0HglH9gRK6RJG+tChXcNxS9qccLptqAYQHNPUmCBHLSry1w+4cIt13nM3hA5AzIIjeaosVwq6l2yt4BXL+NdBlCkHWNNq3AgYRRbkjQKOeubeKbo0j+FkWBVRb0gzrsKzvaTCk2jd2ZWUgRyG8nnsDRve30Uj9mvRqPYPn76nwTHEv3WXQKGIII9kgMDI01IqMxfAYZlr2LQS9uCA1vQDSSizHP2poXjF4M5YT4vWtHi+xN21fVlVMkKxUXF8LejHUc/jQHGOzF4ORaysp1k3LQg/d1ea0UVdkOT4Kaw/7pz9qVj015VGl7Q1d4Xgl9bLJ+zqWJUh+8tkiNxo/6k0OOzeKzPFhgoEkkqF9QSYPupxVNjlJOjmVf2S2YGc3X15wFHP1p/D8OzzB2E0Dass+RFDFiXAWNNgRl8959BWm4Rw25bnOjLmgajlrO3u+NRGDSf5scpJtECPDC2R4goYyevlHl1qVHCkDw6zE5tY99ScQ4WzPnW9k0UbHkIJ36zUV3hVxgk4hQVnxkEaGNzOkdavprwZuWaJMTcgE5ZidmI2E9D0qvtceVjlKlT7iKuMNwvwMjYyywIMe1IlSvTbWqTF9lWtjMt+y8R7LMCPium1J6cRqTLbD8Va0wdQCRsTrHLb0NabDdt8Rpqn9gVk7fDW7sBmAMDU77DXSamWxlXRgYG3XnWT0x2H8QxxvXGuOtss2pOQdIpVQPjBO495FKimPcaPs0+OUMXR2lrY/eOFyiGLsu88tPSpuNYXFYi26Mi93Las8nQSrga6yNvOs3wPtbk71z3ZuuAFVc8k5yzBtIEAnnPKrbH9s7T5VtIXIMsHQjwwQcskeKSvumtWyKMhhsAyq1s/0oA9kyMpDSOvT304dn+rH+yPxauqzZgc40nn16UR42HtH3A1G5mu1ENvs+PvN/h/nQfG+EiyqMpJkkGTPKRyHnV/heBX2AIIAO2ZlH1M1O/ZG48Z8TbAGsZg3l+daRjNkOUEZnDcJDorZyF3Y6eFV1c76kKDGm8Vs+E9prxtKlphZtoIVEVdBykmST1PMzUWH7I21VlOMWGEaEDmCdNQZjnRNnszYQaYpY5/vI29BWii1yZyknwEf75xB1OIuH3x9KlGPu7nEXT/3t+dQWuAWLYzXcRlG4BMmPOR+VQkWWYCzibdwEwJcIZ6a6H3UUItuH8cPerae6zC4rQrmSCATIPu+dZK52hvC8Ea4CM5QiCI3AO/WKtmwIW+jkmbBJhAGBJEEEkiOYjWoMRwjCO5uOL0sc2hRRJ6a01ANyK+zx+9cS5aYgNGaMsq2U+JWBJnQzpB8NZkYiCBMATI6H8q9AwnCMID3ndXyxLGcyx4pB0noaDxfCOHqyk2b8swAlxlJ2gj1pOHkLTMpfzi3n8WWJBIMes7Vadkr1l3i7eFoZT4iheTI0ga1bjBgN+4wV4ZdmEMP7LKB8DVmmBxn2bd33So+oqelGSpsG/gkdcKSg7+4cq5ZXC3CCJkDTpJFWvDeMph0dbC3bxImTYuWwh2Cwy+LUkyD+dCLw3G7d3en72diPhOlVfF8DxQFe6TERzClvjq3ypL08Iuxbrd0ScSxj3GNx8KCx3PcuT05k8gKlXizFQGK5dCA9r6R5R8arbV3HBXS/hr5JDBWC3CQSNAQJBET6fCM9b4rYw75L1jEC4PaClQuojYkEfyq9i5K3OqNfjuNC3bY21QjQNKFQVaQCBm5MPpQ+E4xbw9m5i5DaZAgWD3jfZIgAwAWME6AdapbXbHBeIHD3MrCCGUHnMSLkxMaeVMx3arAMhtHC3MpkwuZdWyz/TfwJ8PWq702Pa9u7t+n7Ffw/AXL2a7eF1mdix3UnqTpr/KjV4FP9Hd/tvQbcb4bkIXBXS8AAkwAesd4RvrEa1V8SxVlicthlPncJieW1S0xpmjPZ8R/y7nvd6ms4Zkw2JRM6EKLwkne37UeqFp/qis9gMBZuAHvMnmRMHoY1oy1h8RY/fWgXsy9rvDIUyCpG8jSazeoov3NZwv4Nem5L2rjks8HxhruHJ/cLcRwCBYADKR95EMEkRpvVjwvDY7NnbCylwAwRk7uCVyquhVjqY8xqKxWGtZgyZ8ucxImNGDAjaIjn51e2cOyBB3shY1LrtPPX5VcIvOTObTpJZNyHL5lGDDQI3G+/wD1JO9U+IlCFe1dtkAEnwkMJ9nWY25VQYzEeJsrCOXiWJ6gZtPhQt/Ek23D3ArwGUggHMD5fwlqhtxV88eV9BszX8Mt+IYtFzG0pldTLSI56ZRtvp0pmFwh8bi+LinwwoJAJZD4jsIkD/urIWeKvrmObSNcxjUa7jX1mtLw3vFsxbuOg00Vm1J1MmdgIEbb6U6bbrCHiKV5bLvHYZ5JBYDXQHTaOvSjWMoB5a1nCNIuXvH/AB3GPyLUsYlpVUgEzMsrMfdA1HWnS8me9+CrxfBrxdoE6/dP4LSqfHK1tyovsoEaZjpIB6+ddqqj5Dc/BcHA4W4wLXGZjGpXxHpqRVdcfD2j4kY9MuUQD5kfhXcLdlk9Z+Gv4VVPL3mSdwd+oWR6a1ckhRsubeMtsCUswBze8AfcAlRpx22kzaaRvluBjHkCuo9/KspjboD6D/sPKDETOtN/aQrDwZZ8/wBGsrp4RdXg3+E41bvyEYyN1Oh9RBhh6Gpb96dqwISCHTMrTmBB/X6Nbfsky4tHkW0e0Mzh3dfDzuA5ojr0+FarXpZMnoZwGYMaEkTEfOnIitdRY5lz6KJ+ulWNrg6lGuWzbuKoJJt380aTyJoFbi2sua06vdBRTmDA6gkDmDsdaiWumqTLh6eV3RnuO8Tm4VnXl0MyNfgPiagwvZrGOcyYZyja6LCn41q8DwO0lwXGYd594nRI18H8Wu/w87q+rBM5ckcg7klvd+FXDRfcieok8GXwfY7iOXVdwIzPBGkQY3FWVvsRiYEkAxr+8NHlkKy2bN0WAB+Zok3VTdRECMyIT8etabKJ3eSuXsTiIjPr/wDsP51IOw9+Ae8YOOYc7+WsiiktqohVDBtyy5iP6smKgxFo/wDLshYjVmUBx5gnnU47NDydbsjjP/c3h/8A3P4tVDa4djWL57922FDRnvt4ipWJgkkNrppsdadxLF3basUv5Xt7jvSraAGVGeHHXSrrtVhjcsPoDKyPUagH31nKnguNopeG47F2dRiLYOoCm6HJPMDMYOkab60uJduMYi+K4vn4II68+VYlLKIBJBtXNwfsHk31BjlNMv4l4azdmR7J9/syd9Nj/Kix7cmjvdoMSbwz4hnU+EgaBSR+EgzVJi+J3GbLfY3I0Gfx+7Xb3VVW8QZBJkaAjnAGnwq44rg87EwdQGB157j1maSwNojtNbectlSBodBv8Kkuomv/AKflvlFR8MwzI4JdkDaPpHOJ1EVZ4d2LEOIClYYH2hmhpBJ0jpFWmmS20U1pQHBFsAiIMD8tKDxtnxtA/USPpWlx+LTXKsfCs9j8eHKjIigCDkkFvNpJ15VOp7ZJVz9GulFShKTfFY82V1y3uRt56H9flVkOJkYdbQvXMobMLeuQb6xMTPlTf20QFVFJEiSIOvWDrHKgMZfLEyc2u53/AFNYzjGVWvk1hOUE6fwSXMeTGkZZ1A1JMHUjcA7DlTjeZtogk7kTvQOUjlROHc2yYa1ryeSR8qrhYIcr5OFD+j/Oj8PxI27b2hbtMLhWWZQXEHTIx1Tzig77NcAl7Kx0JH4GhLtvKR4lb+qZ+oqZQU17kVDUcPwst7eJYMGBIEQfCCCB1J0EVcXbqW7htm6TlIl0JynSZHhn5VUYDFZbDnY5hE9NBP1oR8dP3fh/KtYScZXePH7f4MpxjKNVnyWhw/earOWSCTzjzihb+GCEBlgnWdPyoFsZy0HuprYudyPgK162eDHo45Crl4A/aPv/AJUqEGLP8Py/KlT6/wAD6KPRrHBHsg3LzKIDADNOpEViOIDMzwRqTB5b6VrH4g9y5mf2ZYcpAgjSdPf51jsXo7ev11rjjrylqOLWPJ6ep6PT09BaimnLuvFki8MciSV05lo+HWunhTMNbtuf6/8AKhUYnT61YYfAAjxsQegjT31qcJ21w487yegYn8KjyNbuZkuLEFTvBB0KnTmKLfCr7NsEsYALEbmp+9ySrW1DDQ7H4EaVCnBy23k1ehqRhvadeQvgGGTu3WxeIv3Aq5XhBowMKdQxOwkjfatlwpMQtgreuFwGltBlRtsgIG+viPU5dgc1b2MwQZWxDW10OW3oFgxBcHkQTAPUVfPggRGR8vIC6Y+EUdDSc1OatrjHAn6nUWk9KPDdskPdnLmxLBlEiChVegB112mh7OKUuBfuPdXkE1121Bj5UbazroEYAACMynQeqfOo8RaZypK3AV2y3Av0StY6s7p8f98HPOEHwcuiwcxVGAGkO+UzzgD865hLVpw4CRECTnfWN9tKkS5cWFHeacs6k+uqTvzpji4c0994t4uxMCOSdKtarE4R7P6QLg+IMrZEObXuwG0Gv29VgAba1b2MM7ZkVpuAKSSUIEzoCAef4daAXDkf0b/2x/krgsOpJXvlnfLdgf8AxolKL4FFO8mR7SYacrBkkO+dM0sWJy6eEaSNq2nFL2mQ/ZMe6q7/AHJbkMyu2Vs0O5aTObXQHeuYzEZiSdyday/MqKfcyfGltM722DAFZ0A9oaEj/CfjQFm7auYYreADroH0nbwyeemnuNXPF+Gd66uLmSNDpM/MfqKETgaLmDu7ZgNgF2MgjU/o0ix3Cu0llbOW8gNxCFBUAZ12Vuk9fSaNtcdtNOW2JjZgKom4PY8TKzFlMEFh7wfDvBofi9lbFrvLXtHwmTMA6zHnEUDovMRxifsgegqsxGJ7zLbJylnAVpjKT5nYUN34IBJnSYH57VX8SxAIXQCGneZjrRYUWOP4ObYJOIB8g6k/I1nZ1O8edLEcSL/ZA8htQy3KtysEq4JrbQD76je5tG/P41y4JOgNH4fDoQJXXnUjA7il4gctatsPhbZAzL4uZ6mpbOHUbCiktigLIF4da+5Ug4Xa+4KJVRUgoECYnBSjKoEkRVVY4bdXUKs+esemlaIEV3MKkZnLmDvHUpbPnAmozgrv3LfwFafOOlDGZ1jy/U0rKM2cDc+4vwFdrSEGuUWLBBxB7RuQ20kAzJHkx5jz+M71XX8oOXKZrl9Cw5T+t6ZZuxCttsD0PQ+VNRSDqzcdt48A9zE5WgAH1qzTiAYBiY6iKr7mCeGYjbf471HaGlME8UW54kOrH4D6UPex2Yzl+p+tCAV2p2q7L6ktu3sbjsxiMdeQ2rBHdos5StuAN58Q1kzUB7R3VbS4mx1yWRrt9z1+NDYPhzWhKcRS2SBK5riMJHsmKFPZ1TtjcKPV21/w1lDrKb3NV28/qbzfpWltUi6s9rsSAALqgDYAW49B4aSducR/1v8AAn+WqT/hk8sbhP70/wCWnJ2XcbYvCf33/jW6fk5ZKH9Nlsvay6Lhud742UKTlXYGQPZohe2WIP8AT/4U/wAtUR7LXT/9zhf77/xpf8JXv/cYX++/8aNyJSyaNe1WJ/63yt/5a7a7T4osR3/SPDa3P/b6Vnh2SvR/9Rhf7/8A8aYvZy7bYN3+HkGQVvTBGs+zWbcqxR0RWjeb+jQcd4xxGyssWVW2Y20APPTw60Pw7iz3LKO2rEGTtJBImoeKpjcQo77GWXA2BvKI9wUUDg3SzbW21xCwmcpkasTp13rP071tv/tV/F19j11oUuld97/0WOMfvFKN7LaGuNdgRJgCAKbjuM2LNlT7ZeYC7+c9IocOuUMWABE61ucwnbfzoDi94CzkgTccKCdIgTPx0p97iNsbSx8hVJxnFlyoiAJ0nr/pQgFdxZA8hQ9r94YqBbRNF4fCwaYx44T/ABU5eE/xUXZtmiUWmIFt4ACiEw8VNlqSKAI1t09Vrs+ddoA5NOmlA60iKLA7NdzUyKVSM61NMU0mo2NSMflXpSob4V2mMhQZzC5p8jP5VFxfBlFBM7jcQa0tmzbt/wBJr5Lr6SW291MxmGs3IFx2YTMZl6RyGnxrRtGCUrMumKdoUSVAgiJnTnXcPZuXWFq1azuZICjxGBJ20OlW+Mwlm2RkXQjWSTXbDopzIArfeG499RZpRQYuzctNlu2nQ9HBX4daZbxXLKB5ityvGGuLkvxdT+LUj41S4jhCK3g1U6j06UWMBS8fvn3j+dXlntRdVVX90QAAJtDlp1rP4gW1JDMwI8qaHtffb+zSavkqMnHg0jdqLh07nDnQ693H4mrbBYK7bVSTYllVvFakwVNyfa909R61iLNy3Phck/1Sa0y9ubqqFK2dAFk2mkwIE+LeIqXDFIpzt2y0x/Z66zFi9sEqrQtsgAHT73pPrVRxPhbWkD5rb+LKQFIgwSdZ12I9Qa7/AMdXP/wnYa23O227cqC4p2nN9QrNaUAg+C2w2GUTqeVJRl5E2gMX+uUH0/nUZvfxL/Z/nQblD/S/I0xAvO4PcDWiRNk2JvGPaHuFAmTzqa8q8nB9xoePOmIjuCrVgo319aq52PTWnftHXWgA25io20oW343HmaixN3NGkR0qXh5hgY2oAtbeDopLEUy1emiEamBxUqQJXQa6KBHAK7lpwSnhaVoZHkpGpKQ9KQDAPKuGpAaVIYzJ5j41EwqauUgBmPrULvHKjSKFxLgaUDBGelTDcX9A/lSosY6xiCygnepBdpUqZI2680lauUqBnGxWVS3SlwnizM4Vtjt5UqVC4FLkk7Spoh8yPofwqjS+V250qVUJFzwNwtssdyT8tPzruMxqmZUH1FKlVCKi9dU7KBQ5alSpDFNcmlSpAKacKVKmBJ9k01LU0qVIAq1Yo2zZpUqBhlu3U6iu0qBEiinhvM12lSAeoJpFaVKkMWWnZNaVKgEjpWmEEc6VKkMUU1hSpUgIGuxvQNxgZkn4UqVCGQk+dKlSphR//9k="/>
@@ -25278,7 +22719,7 @@
               <a:defRPr/>
             </a:pPr>
             <a:r>
-              <a:rPr lang="es-UY" sz="3200" b="0" kern="1200" noProof="0" dirty="0" smtClean="0">
+              <a:rPr lang="es-UY" b="0" kern="1200" noProof="0" dirty="0" smtClean="0">
                 <a:solidFill>
                   <a:schemeClr val="bg1"/>
                 </a:solidFill>
@@ -25294,7 +22735,7 @@
               </a:rPr>
               <a:t>Problema</a:t>
             </a:r>
-            <a:endParaRPr lang="es-UY" sz="3200" b="0" kern="1200" noProof="0" dirty="0" smtClean="0">
+            <a:endParaRPr lang="es-UY" b="0" kern="1200" noProof="0" dirty="0" smtClean="0">
               <a:solidFill>
                 <a:schemeClr val="bg1"/>
               </a:solidFill>
@@ -25364,7 +22805,7 @@
                 <a:ea typeface="+mj-ea"/>
                 <a:cs typeface="Calibri" pitchFamily="34" charset="0"/>
               </a:rPr>
-              <a:t>Formula ?</a:t>
+              <a:t>Garzon</a:t>
             </a:r>
             <a:endParaRPr lang="en-US" sz="2600" dirty="0">
               <a:solidFill>
@@ -25393,7 +22834,7 @@
           <p:nvPr/>
         </p:nvPicPr>
         <p:blipFill>
-          <a:blip r:embed="rId4" cstate="print"/>
+          <a:blip r:embed="rId3" cstate="print"/>
           <a:srcRect/>
           <a:stretch>
             <a:fillRect/>
@@ -25418,56 +22859,56 @@
       </p:pic>
       <p:sp>
         <p:nvSpPr>
-          <p:cNvPr id="9226" name="Rectangle 1"/>
-          <p:cNvSpPr>
-            <a:spLocks noChangeArrowheads="1"/>
-          </p:cNvSpPr>
+          <p:cNvPr id="12" name="Rounded Rectangle 8"/>
+          <p:cNvSpPr/>
           <p:nvPr/>
         </p:nvSpPr>
         <p:spPr bwMode="auto">
           <a:xfrm>
-            <a:off x="0" y="4152900"/>
-            <a:ext cx="6162675" cy="430887"/>
+            <a:off x="586877" y="4544703"/>
+            <a:ext cx="6723062" cy="1611029"/>
           </a:xfrm>
-          <a:prstGeom prst="rect">
+          <a:prstGeom prst="roundRect">
             <a:avLst/>
           </a:prstGeom>
-          <a:noFill/>
-          <a:ln w="9525">
-            <a:noFill/>
-            <a:miter lim="800000"/>
-            <a:headEnd/>
-            <a:tailEnd/>
+          <a:solidFill>
+            <a:schemeClr val="accent5"/>
+          </a:solidFill>
+          <a:ln w="38100" cap="flat" cmpd="sng" algn="ctr">
+            <a:solidFill>
+              <a:schemeClr val="accent2">
+                <a:lumMod val="50000"/>
+              </a:schemeClr>
+            </a:solidFill>
+            <a:prstDash val="solid"/>
+            <a:round/>
+            <a:headEnd type="none" w="med" len="med"/>
+            <a:tailEnd type="none" w="med" len="med"/>
           </a:ln>
+          <a:effectLst/>
         </p:spPr>
         <p:txBody>
-          <a:bodyPr>
-            <a:spAutoFit/>
-          </a:bodyPr>
+          <a:bodyPr anchor="ctr"/>
           <a:lstStyle/>
           <a:p>
-            <a:pPr marL="342900" indent="-342900" algn="just">
-              <a:spcBef>
-                <a:spcPts val="1200"/>
-              </a:spcBef>
-              <a:buFontTx/>
-              <a:buChar char="•"/>
-            </a:pPr>
-            <a:r>
-              <a:rPr lang="es-UY" sz="2200" smtClean="0">
+            <a:pPr algn="just">
+              <a:defRPr/>
+            </a:pPr>
+            <a:r>
+              <a:rPr lang="es-ES" sz="2400" smtClean="0">
                 <a:solidFill>
-                  <a:srgbClr val="003399"/>
+                  <a:srgbClr val="800000"/>
                 </a:solidFill>
-                <a:latin typeface="Calibri" pitchFamily="34" charset="0"/>
+                <a:latin typeface="Calibri" pitchFamily="-108" charset="0"/>
                 <a:ea typeface="PMingLiU" pitchFamily="18" charset="-120"/>
               </a:rPr>
-              <a:t>etc</a:t>
-            </a:r>
-            <a:endParaRPr lang="en-US" sz="2200" dirty="0">
+              <a:t>gg</a:t>
+            </a:r>
+            <a:endParaRPr lang="en-US" sz="2400" dirty="0">
               <a:solidFill>
                 <a:srgbClr val="003399"/>
               </a:solidFill>
-              <a:latin typeface="Calibri" pitchFamily="34" charset="0"/>
+              <a:latin typeface="Calibri" pitchFamily="-108" charset="0"/>
               <a:ea typeface="PMingLiU" pitchFamily="18" charset="-120"/>
             </a:endParaRPr>
           </a:p>
@@ -25482,9 +22923,83 @@
   <p:timing>
     <p:tnLst>
       <p:par>
-        <p:cTn id="1" dur="indefinite" restart="never" nodeType="tmRoot"/>
+        <p:cTn id="1" dur="indefinite" restart="never" nodeType="tmRoot">
+          <p:childTnLst>
+            <p:seq concurrent="1" nextAc="seek">
+              <p:cTn id="2" dur="indefinite" nodeType="mainSeq">
+                <p:childTnLst>
+                  <p:par>
+                    <p:cTn id="3" fill="hold">
+                      <p:stCondLst>
+                        <p:cond delay="indefinite"/>
+                        <p:cond evt="onBegin" delay="0">
+                          <p:tn val="2"/>
+                        </p:cond>
+                      </p:stCondLst>
+                      <p:childTnLst>
+                        <p:par>
+                          <p:cTn id="4" fill="hold">
+                            <p:stCondLst>
+                              <p:cond delay="0"/>
+                            </p:stCondLst>
+                            <p:childTnLst>
+                              <p:par>
+                                <p:cTn id="5" presetID="1" presetClass="entr" presetSubtype="0" fill="hold" grpId="0" nodeType="withEffect">
+                                  <p:stCondLst>
+                                    <p:cond delay="0"/>
+                                  </p:stCondLst>
+                                  <p:childTnLst>
+                                    <p:set>
+                                      <p:cBhvr>
+                                        <p:cTn id="6" dur="1" fill="hold">
+                                          <p:stCondLst>
+                                            <p:cond delay="0"/>
+                                          </p:stCondLst>
+                                        </p:cTn>
+                                        <p:tgtEl>
+                                          <p:spTgt spid="12"/>
+                                        </p:tgtEl>
+                                        <p:attrNameLst>
+                                          <p:attrName>style.visibility</p:attrName>
+                                        </p:attrNameLst>
+                                      </p:cBhvr>
+                                      <p:to>
+                                        <p:strVal val="visible"/>
+                                      </p:to>
+                                    </p:set>
+                                  </p:childTnLst>
+                                </p:cTn>
+                              </p:par>
+                            </p:childTnLst>
+                          </p:cTn>
+                        </p:par>
+                      </p:childTnLst>
+                    </p:cTn>
+                  </p:par>
+                </p:childTnLst>
+              </p:cTn>
+              <p:prevCondLst>
+                <p:cond evt="onPrev" delay="0">
+                  <p:tgtEl>
+                    <p:sldTgt/>
+                  </p:tgtEl>
+                </p:cond>
+              </p:prevCondLst>
+              <p:nextCondLst>
+                <p:cond evt="onNext" delay="0">
+                  <p:tgtEl>
+                    <p:sldTgt/>
+                  </p:tgtEl>
+                </p:cond>
+              </p:nextCondLst>
+            </p:seq>
+          </p:childTnLst>
+        </p:cTn>
       </p:par>
     </p:tnLst>
+    <p:bldLst>
+      <p:bldP spid="12" grpId="0" animBg="1"/>
+    </p:bldLst>
   </p:timing>
 </p:sld>
 </file>
